--- a/i-Sight Jenkins Presentation.pptx
+++ b/i-Sight Jenkins Presentation.pptx
@@ -1,33 +1,33 @@
 
 <file path=ppt/presentation.xml><?xml version="1.0" encoding="utf-8"?>
-<p:presentation xmlns:a="http://schemas.openxmlformats.org/drawingml/2006/main" xmlns:r="http://schemas.openxmlformats.org/officeDocument/2006/relationships" xmlns:mc="http://schemas.openxmlformats.org/markup-compatibility/2006" xmlns:mv="urn:schemas-microsoft-com:mac:vml" xmlns:p="http://schemas.openxmlformats.org/presentationml/2006/main" xmlns:c="http://schemas.openxmlformats.org/drawingml/2006/chart" xmlns:dgm="http://schemas.openxmlformats.org/drawingml/2006/diagram" xmlns:o="urn:schemas-microsoft-com:office:office" xmlns:v="urn:schemas-microsoft-com:vml" xmlns:pvml="urn:schemas-microsoft-com:office:powerpoint" xmlns:com="http://schemas.openxmlformats.org/drawingml/2006/compatibility" xmlns:p14="http://schemas.microsoft.com/office/powerpoint/2010/main" xmlns:p15="http://schemas.microsoft.com/office/powerpoint/2012/main" autoCompressPictures="0" embedTrueTypeFonts="1" strictFirstAndLastChars="0" saveSubsetFonts="1">
+<p:presentation xmlns:a="http://schemas.openxmlformats.org/drawingml/2006/main" xmlns:r="http://schemas.openxmlformats.org/officeDocument/2006/relationships" xmlns:p="http://schemas.openxmlformats.org/presentationml/2006/main" strictFirstAndLastChars="0" embedTrueTypeFonts="1" saveSubsetFonts="1" autoCompressPictures="0">
   <p:sldMasterIdLst>
-    <p:sldMasterId id="2147483659" r:id="rId4"/>
+    <p:sldMasterId id="2147483659" r:id="rId1"/>
   </p:sldMasterIdLst>
   <p:notesMasterIdLst>
-    <p:notesMasterId r:id="rId5"/>
+    <p:notesMasterId r:id="rId8"/>
   </p:notesMasterIdLst>
   <p:sldIdLst>
-    <p:sldId id="256" r:id="rId6"/>
-    <p:sldId id="257" r:id="rId7"/>
-    <p:sldId id="258" r:id="rId8"/>
-    <p:sldId id="259" r:id="rId9"/>
-    <p:sldId id="260" r:id="rId10"/>
-    <p:sldId id="261" r:id="rId11"/>
+    <p:sldId id="256" r:id="rId2"/>
+    <p:sldId id="257" r:id="rId3"/>
+    <p:sldId id="258" r:id="rId4"/>
+    <p:sldId id="259" r:id="rId5"/>
+    <p:sldId id="260" r:id="rId6"/>
+    <p:sldId id="261" r:id="rId7"/>
   </p:sldIdLst>
-  <p:sldSz cy="5143500" cx="9144000"/>
+  <p:sldSz cx="9144000" cy="5143500" type="screen16x9"/>
   <p:notesSz cx="6858000" cy="9144000"/>
   <p:embeddedFontLst>
     <p:embeddedFont>
-      <p:font typeface="Roboto"/>
-      <p:regular r:id="rId12"/>
-      <p:bold r:id="rId13"/>
-      <p:italic r:id="rId14"/>
-      <p:boldItalic r:id="rId15"/>
+      <p:font typeface="Roboto" panose="02000000000000000000" pitchFamily="2" charset="0"/>
+      <p:regular r:id="rId9"/>
+      <p:bold r:id="rId10"/>
+      <p:italic r:id="rId11"/>
+      <p:boldItalic r:id="rId12"/>
     </p:embeddedFont>
   </p:embeddedFontLst>
   <p:defaultTextStyle>
-    <a:defPPr lvl="0" marR="0" rtl="0" algn="l">
+    <a:defPPr marR="0" lvl="0" algn="l" rtl="0">
       <a:lnSpc>
         <a:spcPct val="100000"/>
       </a:lnSpc>
@@ -38,7 +38,7 @@
         <a:spcPts val="0"/>
       </a:spcAft>
     </a:defPPr>
-    <a:lvl1pPr lvl="0" marR="0" rtl="0" algn="l">
+    <a:lvl1pPr marR="0" lvl="0" algn="l" rtl="0">
       <a:lnSpc>
         <a:spcPct val="100000"/>
       </a:lnSpc>
@@ -52,7 +52,7 @@
         <a:srgbClr val="000000"/>
       </a:buClr>
       <a:buFont typeface="Arial"/>
-      <a:defRPr b="0" i="0" sz="1400" u="none" cap="none" strike="noStrike">
+      <a:defRPr sz="1400" b="0" i="0" u="none" strike="noStrike" cap="none">
         <a:solidFill>
           <a:srgbClr val="000000"/>
         </a:solidFill>
@@ -62,7 +62,7 @@
         <a:sym typeface="Arial"/>
       </a:defRPr>
     </a:lvl1pPr>
-    <a:lvl2pPr lvl="1" marR="0" rtl="0" algn="l">
+    <a:lvl2pPr marR="0" lvl="1" algn="l" rtl="0">
       <a:lnSpc>
         <a:spcPct val="100000"/>
       </a:lnSpc>
@@ -76,7 +76,7 @@
         <a:srgbClr val="000000"/>
       </a:buClr>
       <a:buFont typeface="Arial"/>
-      <a:defRPr b="0" i="0" sz="1400" u="none" cap="none" strike="noStrike">
+      <a:defRPr sz="1400" b="0" i="0" u="none" strike="noStrike" cap="none">
         <a:solidFill>
           <a:srgbClr val="000000"/>
         </a:solidFill>
@@ -86,7 +86,7 @@
         <a:sym typeface="Arial"/>
       </a:defRPr>
     </a:lvl2pPr>
-    <a:lvl3pPr lvl="2" marR="0" rtl="0" algn="l">
+    <a:lvl3pPr marR="0" lvl="2" algn="l" rtl="0">
       <a:lnSpc>
         <a:spcPct val="100000"/>
       </a:lnSpc>
@@ -100,7 +100,7 @@
         <a:srgbClr val="000000"/>
       </a:buClr>
       <a:buFont typeface="Arial"/>
-      <a:defRPr b="0" i="0" sz="1400" u="none" cap="none" strike="noStrike">
+      <a:defRPr sz="1400" b="0" i="0" u="none" strike="noStrike" cap="none">
         <a:solidFill>
           <a:srgbClr val="000000"/>
         </a:solidFill>
@@ -110,7 +110,7 @@
         <a:sym typeface="Arial"/>
       </a:defRPr>
     </a:lvl3pPr>
-    <a:lvl4pPr lvl="3" marR="0" rtl="0" algn="l">
+    <a:lvl4pPr marR="0" lvl="3" algn="l" rtl="0">
       <a:lnSpc>
         <a:spcPct val="100000"/>
       </a:lnSpc>
@@ -124,7 +124,7 @@
         <a:srgbClr val="000000"/>
       </a:buClr>
       <a:buFont typeface="Arial"/>
-      <a:defRPr b="0" i="0" sz="1400" u="none" cap="none" strike="noStrike">
+      <a:defRPr sz="1400" b="0" i="0" u="none" strike="noStrike" cap="none">
         <a:solidFill>
           <a:srgbClr val="000000"/>
         </a:solidFill>
@@ -134,7 +134,7 @@
         <a:sym typeface="Arial"/>
       </a:defRPr>
     </a:lvl4pPr>
-    <a:lvl5pPr lvl="4" marR="0" rtl="0" algn="l">
+    <a:lvl5pPr marR="0" lvl="4" algn="l" rtl="0">
       <a:lnSpc>
         <a:spcPct val="100000"/>
       </a:lnSpc>
@@ -148,7 +148,7 @@
         <a:srgbClr val="000000"/>
       </a:buClr>
       <a:buFont typeface="Arial"/>
-      <a:defRPr b="0" i="0" sz="1400" u="none" cap="none" strike="noStrike">
+      <a:defRPr sz="1400" b="0" i="0" u="none" strike="noStrike" cap="none">
         <a:solidFill>
           <a:srgbClr val="000000"/>
         </a:solidFill>
@@ -158,7 +158,7 @@
         <a:sym typeface="Arial"/>
       </a:defRPr>
     </a:lvl5pPr>
-    <a:lvl6pPr lvl="5" marR="0" rtl="0" algn="l">
+    <a:lvl6pPr marR="0" lvl="5" algn="l" rtl="0">
       <a:lnSpc>
         <a:spcPct val="100000"/>
       </a:lnSpc>
@@ -172,7 +172,7 @@
         <a:srgbClr val="000000"/>
       </a:buClr>
       <a:buFont typeface="Arial"/>
-      <a:defRPr b="0" i="0" sz="1400" u="none" cap="none" strike="noStrike">
+      <a:defRPr sz="1400" b="0" i="0" u="none" strike="noStrike" cap="none">
         <a:solidFill>
           <a:srgbClr val="000000"/>
         </a:solidFill>
@@ -182,7 +182,7 @@
         <a:sym typeface="Arial"/>
       </a:defRPr>
     </a:lvl6pPr>
-    <a:lvl7pPr lvl="6" marR="0" rtl="0" algn="l">
+    <a:lvl7pPr marR="0" lvl="6" algn="l" rtl="0">
       <a:lnSpc>
         <a:spcPct val="100000"/>
       </a:lnSpc>
@@ -196,7 +196,7 @@
         <a:srgbClr val="000000"/>
       </a:buClr>
       <a:buFont typeface="Arial"/>
-      <a:defRPr b="0" i="0" sz="1400" u="none" cap="none" strike="noStrike">
+      <a:defRPr sz="1400" b="0" i="0" u="none" strike="noStrike" cap="none">
         <a:solidFill>
           <a:srgbClr val="000000"/>
         </a:solidFill>
@@ -206,7 +206,7 @@
         <a:sym typeface="Arial"/>
       </a:defRPr>
     </a:lvl7pPr>
-    <a:lvl8pPr lvl="7" marR="0" rtl="0" algn="l">
+    <a:lvl8pPr marR="0" lvl="7" algn="l" rtl="0">
       <a:lnSpc>
         <a:spcPct val="100000"/>
       </a:lnSpc>
@@ -220,7 +220,7 @@
         <a:srgbClr val="000000"/>
       </a:buClr>
       <a:buFont typeface="Arial"/>
-      <a:defRPr b="0" i="0" sz="1400" u="none" cap="none" strike="noStrike">
+      <a:defRPr sz="1400" b="0" i="0" u="none" strike="noStrike" cap="none">
         <a:solidFill>
           <a:srgbClr val="000000"/>
         </a:solidFill>
@@ -230,7 +230,7 @@
         <a:sym typeface="Arial"/>
       </a:defRPr>
     </a:lvl8pPr>
-    <a:lvl9pPr lvl="8" marR="0" rtl="0" algn="l">
+    <a:lvl9pPr marR="0" lvl="8" algn="l" rtl="0">
       <a:lnSpc>
         <a:spcPct val="100000"/>
       </a:lnSpc>
@@ -244,7 +244,7 @@
         <a:srgbClr val="000000"/>
       </a:buClr>
       <a:buFont typeface="Arial"/>
-      <a:defRPr b="0" i="0" sz="1400" u="none" cap="none" strike="noStrike">
+      <a:defRPr sz="1400" b="0" i="0" u="none" strike="noStrike" cap="none">
         <a:solidFill>
           <a:srgbClr val="000000"/>
         </a:solidFill>
@@ -257,7 +257,7 @@
   </p:defaultTextStyle>
   <p:extLst>
     <p:ext uri="{EFAFB233-063F-42B5-8137-9DF3F51BA10A}">
-      <p15:sldGuideLst>
+      <p15:sldGuideLst xmlns:p15="http://schemas.microsoft.com/office/powerpoint/2012/main">
         <p15:guide id="1" orient="horz" pos="1620">
           <p15:clr>
             <a:srgbClr val="A4A3A4"/>
@@ -275,11 +275,16 @@
 </file>
 
 <file path=ppt/notesMasters/notesMaster1.xml><?xml version="1.0" encoding="utf-8"?>
-<p:notesMaster xmlns:a="http://schemas.openxmlformats.org/drawingml/2006/main" xmlns:r="http://schemas.openxmlformats.org/officeDocument/2006/relationships" xmlns:mc="http://schemas.openxmlformats.org/markup-compatibility/2006" xmlns:mv="urn:schemas-microsoft-com:mac:vml" xmlns:p="http://schemas.openxmlformats.org/presentationml/2006/main" xmlns:c="http://schemas.openxmlformats.org/drawingml/2006/chart" xmlns:dgm="http://schemas.openxmlformats.org/drawingml/2006/diagram" xmlns:o="urn:schemas-microsoft-com:office:office" xmlns:v="urn:schemas-microsoft-com:vml" xmlns:pvml="urn:schemas-microsoft-com:office:powerpoint" xmlns:com="http://schemas.openxmlformats.org/drawingml/2006/compatibility" xmlns:p14="http://schemas.microsoft.com/office/powerpoint/2010/main" xmlns:p15="http://schemas.microsoft.com/office/powerpoint/2012/main">
+<p:notesMaster xmlns:a="http://schemas.openxmlformats.org/drawingml/2006/main" xmlns:r="http://schemas.openxmlformats.org/officeDocument/2006/relationships" xmlns:p="http://schemas.openxmlformats.org/presentationml/2006/main">
   <p:cSld>
+    <p:bg>
+      <p:bgRef idx="1001">
+        <a:schemeClr val="bg1"/>
+      </p:bgRef>
+    </p:bg>
     <p:spTree>
       <p:nvGrpSpPr>
-        <p:cNvPr id="2" name="Shape 2"/>
+        <p:cNvPr id="1" name="Shape 2"/>
         <p:cNvGrpSpPr/>
         <p:nvPr/>
       </p:nvGrpSpPr>
@@ -294,9 +299,11 @@
       <p:sp>
         <p:nvSpPr>
           <p:cNvPr id="3" name="Google Shape;3;n"/>
-          <p:cNvSpPr/>
+          <p:cNvSpPr>
+            <a:spLocks noGrp="1" noRot="1" noChangeAspect="1"/>
+          </p:cNvSpPr>
           <p:nvPr>
-            <p:ph idx="2" type="sldImg"/>
+            <p:ph type="sldImg" idx="2"/>
           </p:nvPr>
         </p:nvSpPr>
         <p:spPr>
@@ -305,9 +312,13 @@
             <a:ext cx="6096075" cy="3429000"/>
           </a:xfrm>
           <a:custGeom>
-            <a:rect b="b" l="l" r="r" t="t"/>
+            <a:avLst/>
+            <a:gdLst/>
+            <a:ahLst/>
+            <a:cxnLst/>
+            <a:rect l="l" t="t" r="r" b="b"/>
             <a:pathLst>
-              <a:path extrusionOk="0" h="120000" w="120000">
+              <a:path w="120000" h="120000" extrusionOk="0">
                 <a:moveTo>
                   <a:pt x="0" y="0"/>
                 </a:moveTo>
@@ -325,23 +336,25 @@
             </a:pathLst>
           </a:custGeom>
           <a:noFill/>
-          <a:ln cap="flat" cmpd="sng" w="9525">
+          <a:ln w="9525" cap="flat" cmpd="sng">
             <a:solidFill>
               <a:srgbClr val="000000"/>
             </a:solidFill>
             <a:prstDash val="solid"/>
             <a:round/>
-            <a:headEnd len="sm" w="sm" type="none"/>
-            <a:tailEnd len="sm" w="sm" type="none"/>
+            <a:headEnd type="none" w="sm" len="sm"/>
+            <a:tailEnd type="none" w="sm" len="sm"/>
           </a:ln>
         </p:spPr>
       </p:sp>
       <p:sp>
         <p:nvSpPr>
           <p:cNvPr id="4" name="Google Shape;4;n"/>
-          <p:cNvSpPr txBox="1"/>
+          <p:cNvSpPr txBox="1">
+            <a:spLocks noGrp="1"/>
+          </p:cNvSpPr>
           <p:nvPr>
-            <p:ph idx="1" type="body"/>
+            <p:ph type="body" idx="1"/>
           </p:nvPr>
         </p:nvSpPr>
         <p:spPr>
@@ -358,9 +371,9 @@
           </a:ln>
         </p:spPr>
         <p:txBody>
-          <a:bodyPr anchorCtr="0" anchor="t" bIns="91425" lIns="91425" spcFirstLastPara="1" rIns="91425" wrap="square" tIns="91425"/>
+          <a:bodyPr spcFirstLastPara="1" wrap="square" lIns="91425" tIns="91425" rIns="91425" bIns="91425" anchor="t" anchorCtr="0"/>
           <a:lstStyle>
-            <a:lvl1pPr indent="-317500" lvl="0" marL="457200">
+            <a:lvl1pPr marL="457200" lvl="0" indent="-317500">
               <a:spcBef>
                 <a:spcPts val="0"/>
               </a:spcBef>
@@ -371,7 +384,7 @@
               <a:buChar char="●"/>
               <a:defRPr sz="1100"/>
             </a:lvl1pPr>
-            <a:lvl2pPr indent="-317500" lvl="1" marL="914400">
+            <a:lvl2pPr marL="914400" lvl="1" indent="-317500">
               <a:spcBef>
                 <a:spcPts val="0"/>
               </a:spcBef>
@@ -382,7 +395,7 @@
               <a:buChar char="○"/>
               <a:defRPr sz="1100"/>
             </a:lvl2pPr>
-            <a:lvl3pPr indent="-317500" lvl="2" marL="1371600">
+            <a:lvl3pPr marL="1371600" lvl="2" indent="-317500">
               <a:spcBef>
                 <a:spcPts val="0"/>
               </a:spcBef>
@@ -393,7 +406,7 @@
               <a:buChar char="■"/>
               <a:defRPr sz="1100"/>
             </a:lvl3pPr>
-            <a:lvl4pPr indent="-317500" lvl="3" marL="1828800">
+            <a:lvl4pPr marL="1828800" lvl="3" indent="-317500">
               <a:spcBef>
                 <a:spcPts val="0"/>
               </a:spcBef>
@@ -404,7 +417,7 @@
               <a:buChar char="●"/>
               <a:defRPr sz="1100"/>
             </a:lvl4pPr>
-            <a:lvl5pPr indent="-317500" lvl="4" marL="2286000">
+            <a:lvl5pPr marL="2286000" lvl="4" indent="-317500">
               <a:spcBef>
                 <a:spcPts val="0"/>
               </a:spcBef>
@@ -415,7 +428,7 @@
               <a:buChar char="○"/>
               <a:defRPr sz="1100"/>
             </a:lvl5pPr>
-            <a:lvl6pPr indent="-317500" lvl="5" marL="2743200">
+            <a:lvl6pPr marL="2743200" lvl="5" indent="-317500">
               <a:spcBef>
                 <a:spcPts val="0"/>
               </a:spcBef>
@@ -426,7 +439,7 @@
               <a:buChar char="■"/>
               <a:defRPr sz="1100"/>
             </a:lvl6pPr>
-            <a:lvl7pPr indent="-317500" lvl="6" marL="3200400">
+            <a:lvl7pPr marL="3200400" lvl="6" indent="-317500">
               <a:spcBef>
                 <a:spcPts val="0"/>
               </a:spcBef>
@@ -437,7 +450,7 @@
               <a:buChar char="●"/>
               <a:defRPr sz="1100"/>
             </a:lvl7pPr>
-            <a:lvl8pPr indent="-317500" lvl="7" marL="3657600">
+            <a:lvl8pPr marL="3657600" lvl="7" indent="-317500">
               <a:spcBef>
                 <a:spcPts val="0"/>
               </a:spcBef>
@@ -448,7 +461,7 @@
               <a:buChar char="○"/>
               <a:defRPr sz="1100"/>
             </a:lvl8pPr>
-            <a:lvl9pPr indent="-317500" lvl="8" marL="4114800">
+            <a:lvl9pPr marL="4114800" lvl="8" indent="-317500">
               <a:spcBef>
                 <a:spcPts val="0"/>
               </a:spcBef>
@@ -460,14 +473,16 @@
               <a:defRPr sz="1100"/>
             </a:lvl9pPr>
           </a:lstStyle>
-          <a:p/>
+          <a:p>
+            <a:endParaRPr/>
+          </a:p>
         </p:txBody>
       </p:sp>
     </p:spTree>
   </p:cSld>
-  <p:clrMap accent1="accent1" accent2="accent2" accent3="accent3" accent4="accent4" accent5="accent5" accent6="accent6" bg1="lt1" bg2="dk2" tx1="dk1" tx2="lt2" folHlink="folHlink" hlink="hlink"/>
+  <p:clrMap bg1="lt1" tx1="dk1" bg2="dk2" tx2="lt2" accent1="accent1" accent2="accent2" accent3="accent3" accent4="accent4" accent5="accent5" accent6="accent6" hlink="hlink" folHlink="folHlink"/>
   <p:notesStyle>
-    <a:defPPr lvl="0" marR="0" rtl="0" algn="l">
+    <a:defPPr marR="0" lvl="0" algn="l" rtl="0">
       <a:lnSpc>
         <a:spcPct val="100000"/>
       </a:lnSpc>
@@ -478,7 +493,7 @@
         <a:spcPts val="0"/>
       </a:spcAft>
     </a:defPPr>
-    <a:lvl1pPr lvl="0" marR="0" rtl="0" algn="l">
+    <a:lvl1pPr marR="0" lvl="0" algn="l" rtl="0">
       <a:lnSpc>
         <a:spcPct val="100000"/>
       </a:lnSpc>
@@ -492,7 +507,7 @@
         <a:srgbClr val="000000"/>
       </a:buClr>
       <a:buFont typeface="Arial"/>
-      <a:defRPr b="0" i="0" sz="1400" u="none" cap="none" strike="noStrike">
+      <a:defRPr sz="1400" b="0" i="0" u="none" strike="noStrike" cap="none">
         <a:solidFill>
           <a:srgbClr val="000000"/>
         </a:solidFill>
@@ -502,7 +517,7 @@
         <a:sym typeface="Arial"/>
       </a:defRPr>
     </a:lvl1pPr>
-    <a:lvl2pPr lvl="1" marR="0" rtl="0" algn="l">
+    <a:lvl2pPr marR="0" lvl="1" algn="l" rtl="0">
       <a:lnSpc>
         <a:spcPct val="100000"/>
       </a:lnSpc>
@@ -516,7 +531,7 @@
         <a:srgbClr val="000000"/>
       </a:buClr>
       <a:buFont typeface="Arial"/>
-      <a:defRPr b="0" i="0" sz="1400" u="none" cap="none" strike="noStrike">
+      <a:defRPr sz="1400" b="0" i="0" u="none" strike="noStrike" cap="none">
         <a:solidFill>
           <a:srgbClr val="000000"/>
         </a:solidFill>
@@ -526,7 +541,7 @@
         <a:sym typeface="Arial"/>
       </a:defRPr>
     </a:lvl2pPr>
-    <a:lvl3pPr lvl="2" marR="0" rtl="0" algn="l">
+    <a:lvl3pPr marR="0" lvl="2" algn="l" rtl="0">
       <a:lnSpc>
         <a:spcPct val="100000"/>
       </a:lnSpc>
@@ -540,7 +555,7 @@
         <a:srgbClr val="000000"/>
       </a:buClr>
       <a:buFont typeface="Arial"/>
-      <a:defRPr b="0" i="0" sz="1400" u="none" cap="none" strike="noStrike">
+      <a:defRPr sz="1400" b="0" i="0" u="none" strike="noStrike" cap="none">
         <a:solidFill>
           <a:srgbClr val="000000"/>
         </a:solidFill>
@@ -550,7 +565,7 @@
         <a:sym typeface="Arial"/>
       </a:defRPr>
     </a:lvl3pPr>
-    <a:lvl4pPr lvl="3" marR="0" rtl="0" algn="l">
+    <a:lvl4pPr marR="0" lvl="3" algn="l" rtl="0">
       <a:lnSpc>
         <a:spcPct val="100000"/>
       </a:lnSpc>
@@ -564,7 +579,7 @@
         <a:srgbClr val="000000"/>
       </a:buClr>
       <a:buFont typeface="Arial"/>
-      <a:defRPr b="0" i="0" sz="1400" u="none" cap="none" strike="noStrike">
+      <a:defRPr sz="1400" b="0" i="0" u="none" strike="noStrike" cap="none">
         <a:solidFill>
           <a:srgbClr val="000000"/>
         </a:solidFill>
@@ -574,7 +589,7 @@
         <a:sym typeface="Arial"/>
       </a:defRPr>
     </a:lvl4pPr>
-    <a:lvl5pPr lvl="4" marR="0" rtl="0" algn="l">
+    <a:lvl5pPr marR="0" lvl="4" algn="l" rtl="0">
       <a:lnSpc>
         <a:spcPct val="100000"/>
       </a:lnSpc>
@@ -588,7 +603,7 @@
         <a:srgbClr val="000000"/>
       </a:buClr>
       <a:buFont typeface="Arial"/>
-      <a:defRPr b="0" i="0" sz="1400" u="none" cap="none" strike="noStrike">
+      <a:defRPr sz="1400" b="0" i="0" u="none" strike="noStrike" cap="none">
         <a:solidFill>
           <a:srgbClr val="000000"/>
         </a:solidFill>
@@ -598,7 +613,7 @@
         <a:sym typeface="Arial"/>
       </a:defRPr>
     </a:lvl5pPr>
-    <a:lvl6pPr lvl="5" marR="0" rtl="0" algn="l">
+    <a:lvl6pPr marR="0" lvl="5" algn="l" rtl="0">
       <a:lnSpc>
         <a:spcPct val="100000"/>
       </a:lnSpc>
@@ -612,7 +627,7 @@
         <a:srgbClr val="000000"/>
       </a:buClr>
       <a:buFont typeface="Arial"/>
-      <a:defRPr b="0" i="0" sz="1400" u="none" cap="none" strike="noStrike">
+      <a:defRPr sz="1400" b="0" i="0" u="none" strike="noStrike" cap="none">
         <a:solidFill>
           <a:srgbClr val="000000"/>
         </a:solidFill>
@@ -622,7 +637,7 @@
         <a:sym typeface="Arial"/>
       </a:defRPr>
     </a:lvl6pPr>
-    <a:lvl7pPr lvl="6" marR="0" rtl="0" algn="l">
+    <a:lvl7pPr marR="0" lvl="6" algn="l" rtl="0">
       <a:lnSpc>
         <a:spcPct val="100000"/>
       </a:lnSpc>
@@ -636,7 +651,7 @@
         <a:srgbClr val="000000"/>
       </a:buClr>
       <a:buFont typeface="Arial"/>
-      <a:defRPr b="0" i="0" sz="1400" u="none" cap="none" strike="noStrike">
+      <a:defRPr sz="1400" b="0" i="0" u="none" strike="noStrike" cap="none">
         <a:solidFill>
           <a:srgbClr val="000000"/>
         </a:solidFill>
@@ -646,7 +661,7 @@
         <a:sym typeface="Arial"/>
       </a:defRPr>
     </a:lvl7pPr>
-    <a:lvl8pPr lvl="7" marR="0" rtl="0" algn="l">
+    <a:lvl8pPr marR="0" lvl="7" algn="l" rtl="0">
       <a:lnSpc>
         <a:spcPct val="100000"/>
       </a:lnSpc>
@@ -660,7 +675,7 @@
         <a:srgbClr val="000000"/>
       </a:buClr>
       <a:buFont typeface="Arial"/>
-      <a:defRPr b="0" i="0" sz="1400" u="none" cap="none" strike="noStrike">
+      <a:defRPr sz="1400" b="0" i="0" u="none" strike="noStrike" cap="none">
         <a:solidFill>
           <a:srgbClr val="000000"/>
         </a:solidFill>
@@ -670,7 +685,7 @@
         <a:sym typeface="Arial"/>
       </a:defRPr>
     </a:lvl8pPr>
-    <a:lvl9pPr lvl="8" marR="0" rtl="0" algn="l">
+    <a:lvl9pPr marR="0" lvl="8" algn="l" rtl="0">
       <a:lnSpc>
         <a:spcPct val="100000"/>
       </a:lnSpc>
@@ -684,7 +699,7 @@
         <a:srgbClr val="000000"/>
       </a:buClr>
       <a:buFont typeface="Arial"/>
-      <a:defRPr b="0" i="0" sz="1400" u="none" cap="none" strike="noStrike">
+      <a:defRPr sz="1400" b="0" i="0" u="none" strike="noStrike" cap="none">
         <a:solidFill>
           <a:srgbClr val="000000"/>
         </a:solidFill>
@@ -699,11 +714,11 @@
 </file>
 
 <file path=ppt/notesSlides/notesSlide1.xml><?xml version="1.0" encoding="utf-8"?>
-<p:notes xmlns:a="http://schemas.openxmlformats.org/drawingml/2006/main" xmlns:r="http://schemas.openxmlformats.org/officeDocument/2006/relationships" xmlns:mc="http://schemas.openxmlformats.org/markup-compatibility/2006" xmlns:mv="urn:schemas-microsoft-com:mac:vml" xmlns:p="http://schemas.openxmlformats.org/presentationml/2006/main" xmlns:c="http://schemas.openxmlformats.org/drawingml/2006/chart" xmlns:dgm="http://schemas.openxmlformats.org/drawingml/2006/diagram" xmlns:o="urn:schemas-microsoft-com:office:office" xmlns:v="urn:schemas-microsoft-com:vml" xmlns:pvml="urn:schemas-microsoft-com:office:powerpoint" xmlns:com="http://schemas.openxmlformats.org/drawingml/2006/compatibility" xmlns:p14="http://schemas.microsoft.com/office/powerpoint/2010/main" xmlns:p15="http://schemas.microsoft.com/office/powerpoint/2012/main" showMasterPhAnim="0" showMasterSp="0">
+<p:notes xmlns:a="http://schemas.openxmlformats.org/drawingml/2006/main" xmlns:r="http://schemas.openxmlformats.org/officeDocument/2006/relationships" xmlns:p="http://schemas.openxmlformats.org/presentationml/2006/main" showMasterSp="0" showMasterPhAnim="0">
   <p:cSld>
     <p:spTree>
       <p:nvGrpSpPr>
-        <p:cNvPr id="63" name="Shape 63"/>
+        <p:cNvPr id="1" name="Shape 63"/>
         <p:cNvGrpSpPr/>
         <p:nvPr/>
       </p:nvGrpSpPr>
@@ -718,9 +733,11 @@
       <p:sp>
         <p:nvSpPr>
           <p:cNvPr id="64" name="Google Shape;64;gc6f9e470d_0_0:notes"/>
-          <p:cNvSpPr/>
+          <p:cNvSpPr>
+            <a:spLocks noGrp="1" noRot="1" noChangeAspect="1"/>
+          </p:cNvSpPr>
           <p:nvPr>
-            <p:ph idx="2" type="sldImg"/>
+            <p:ph type="sldImg" idx="2"/>
           </p:nvPr>
         </p:nvSpPr>
         <p:spPr>
@@ -729,9 +746,13 @@
             <a:ext cx="6096300" cy="3429000"/>
           </a:xfrm>
           <a:custGeom>
-            <a:rect b="b" l="l" r="r" t="t"/>
+            <a:avLst/>
+            <a:gdLst/>
+            <a:ahLst/>
+            <a:cxnLst/>
+            <a:rect l="l" t="t" r="r" b="b"/>
             <a:pathLst>
-              <a:path extrusionOk="0" h="120000" w="120000">
+              <a:path w="120000" h="120000" extrusionOk="0">
                 <a:moveTo>
                   <a:pt x="0" y="0"/>
                 </a:moveTo>
@@ -753,9 +774,11 @@
       <p:sp>
         <p:nvSpPr>
           <p:cNvPr id="65" name="Google Shape;65;gc6f9e470d_0_0:notes"/>
-          <p:cNvSpPr txBox="1"/>
+          <p:cNvSpPr txBox="1">
+            <a:spLocks noGrp="1"/>
+          </p:cNvSpPr>
           <p:nvPr>
-            <p:ph idx="1" type="body"/>
+            <p:ph type="body" idx="1"/>
           </p:nvPr>
         </p:nvSpPr>
         <p:spPr>
@@ -768,12 +791,12 @@
           </a:prstGeom>
         </p:spPr>
         <p:txBody>
-          <a:bodyPr anchorCtr="0" anchor="t" bIns="91425" lIns="91425" spcFirstLastPara="1" rIns="91425" wrap="square" tIns="91425">
+          <a:bodyPr spcFirstLastPara="1" wrap="square" lIns="91425" tIns="91425" rIns="91425" bIns="91425" anchor="t" anchorCtr="0">
             <a:noAutofit/>
           </a:bodyPr>
           <a:lstStyle/>
           <a:p>
-            <a:pPr indent="0" lvl="0" marL="0" rtl="0" algn="l">
+            <a:pPr marL="0" lvl="0" indent="0" algn="l" rtl="0">
               <a:spcBef>
                 <a:spcPts val="0"/>
               </a:spcBef>
@@ -782,9 +805,6 @@
               </a:spcAft>
               <a:buNone/>
             </a:pPr>
-            <a:r>
-              <a:t/>
-            </a:r>
             <a:endParaRPr/>
           </a:p>
         </p:txBody>
@@ -798,11 +818,11 @@
 </file>
 
 <file path=ppt/notesSlides/notesSlide2.xml><?xml version="1.0" encoding="utf-8"?>
-<p:notes xmlns:a="http://schemas.openxmlformats.org/drawingml/2006/main" xmlns:r="http://schemas.openxmlformats.org/officeDocument/2006/relationships" xmlns:mc="http://schemas.openxmlformats.org/markup-compatibility/2006" xmlns:mv="urn:schemas-microsoft-com:mac:vml" xmlns:p="http://schemas.openxmlformats.org/presentationml/2006/main" xmlns:c="http://schemas.openxmlformats.org/drawingml/2006/chart" xmlns:dgm="http://schemas.openxmlformats.org/drawingml/2006/diagram" xmlns:o="urn:schemas-microsoft-com:office:office" xmlns:v="urn:schemas-microsoft-com:vml" xmlns:pvml="urn:schemas-microsoft-com:office:powerpoint" xmlns:com="http://schemas.openxmlformats.org/drawingml/2006/compatibility" xmlns:p14="http://schemas.microsoft.com/office/powerpoint/2010/main" xmlns:p15="http://schemas.microsoft.com/office/powerpoint/2012/main" showMasterPhAnim="0" showMasterSp="0">
+<p:notes xmlns:a="http://schemas.openxmlformats.org/drawingml/2006/main" xmlns:r="http://schemas.openxmlformats.org/officeDocument/2006/relationships" xmlns:p="http://schemas.openxmlformats.org/presentationml/2006/main" showMasterSp="0" showMasterPhAnim="0">
   <p:cSld>
     <p:spTree>
       <p:nvGrpSpPr>
-        <p:cNvPr id="69" name="Shape 69"/>
+        <p:cNvPr id="1" name="Shape 69"/>
         <p:cNvGrpSpPr/>
         <p:nvPr/>
       </p:nvGrpSpPr>
@@ -817,9 +837,11 @@
       <p:sp>
         <p:nvSpPr>
           <p:cNvPr id="70" name="Google Shape;70;g56738b8b46_0_9:notes"/>
-          <p:cNvSpPr/>
+          <p:cNvSpPr>
+            <a:spLocks noGrp="1" noRot="1" noChangeAspect="1"/>
+          </p:cNvSpPr>
           <p:nvPr>
-            <p:ph idx="2" type="sldImg"/>
+            <p:ph type="sldImg" idx="2"/>
           </p:nvPr>
         </p:nvSpPr>
         <p:spPr>
@@ -828,9 +850,13 @@
             <a:ext cx="6096000" cy="3429000"/>
           </a:xfrm>
           <a:custGeom>
-            <a:rect b="b" l="l" r="r" t="t"/>
+            <a:avLst/>
+            <a:gdLst/>
+            <a:ahLst/>
+            <a:cxnLst/>
+            <a:rect l="l" t="t" r="r" b="b"/>
             <a:pathLst>
-              <a:path extrusionOk="0" h="120000" w="120000">
+              <a:path w="120000" h="120000" extrusionOk="0">
                 <a:moveTo>
                   <a:pt x="0" y="0"/>
                 </a:moveTo>
@@ -852,9 +878,11 @@
       <p:sp>
         <p:nvSpPr>
           <p:cNvPr id="71" name="Google Shape;71;g56738b8b46_0_9:notes"/>
-          <p:cNvSpPr txBox="1"/>
+          <p:cNvSpPr txBox="1">
+            <a:spLocks noGrp="1"/>
+          </p:cNvSpPr>
           <p:nvPr>
-            <p:ph idx="1" type="body"/>
+            <p:ph type="body" idx="1"/>
           </p:nvPr>
         </p:nvSpPr>
         <p:spPr>
@@ -867,12 +895,12 @@
           </a:prstGeom>
         </p:spPr>
         <p:txBody>
-          <a:bodyPr anchorCtr="0" anchor="t" bIns="91425" lIns="91425" spcFirstLastPara="1" rIns="91425" wrap="square" tIns="91425">
+          <a:bodyPr spcFirstLastPara="1" wrap="square" lIns="91425" tIns="91425" rIns="91425" bIns="91425" anchor="t" anchorCtr="0">
             <a:noAutofit/>
           </a:bodyPr>
           <a:lstStyle/>
           <a:p>
-            <a:pPr indent="0" lvl="0" marL="0" rtl="0" algn="l">
+            <a:pPr marL="0" lvl="0" indent="0" algn="l" rtl="0">
               <a:spcBef>
                 <a:spcPts val="0"/>
               </a:spcBef>
@@ -881,9 +909,6 @@
               </a:spcAft>
               <a:buNone/>
             </a:pPr>
-            <a:r>
-              <a:t/>
-            </a:r>
             <a:endParaRPr/>
           </a:p>
         </p:txBody>
@@ -897,11 +922,11 @@
 </file>
 
 <file path=ppt/notesSlides/notesSlide3.xml><?xml version="1.0" encoding="utf-8"?>
-<p:notes xmlns:a="http://schemas.openxmlformats.org/drawingml/2006/main" xmlns:r="http://schemas.openxmlformats.org/officeDocument/2006/relationships" xmlns:mc="http://schemas.openxmlformats.org/markup-compatibility/2006" xmlns:mv="urn:schemas-microsoft-com:mac:vml" xmlns:p="http://schemas.openxmlformats.org/presentationml/2006/main" xmlns:c="http://schemas.openxmlformats.org/drawingml/2006/chart" xmlns:dgm="http://schemas.openxmlformats.org/drawingml/2006/diagram" xmlns:o="urn:schemas-microsoft-com:office:office" xmlns:v="urn:schemas-microsoft-com:vml" xmlns:pvml="urn:schemas-microsoft-com:office:powerpoint" xmlns:com="http://schemas.openxmlformats.org/drawingml/2006/compatibility" xmlns:p14="http://schemas.microsoft.com/office/powerpoint/2010/main" xmlns:p15="http://schemas.microsoft.com/office/powerpoint/2012/main" showMasterPhAnim="0" showMasterSp="0">
+<p:notes xmlns:a="http://schemas.openxmlformats.org/drawingml/2006/main" xmlns:r="http://schemas.openxmlformats.org/officeDocument/2006/relationships" xmlns:p="http://schemas.openxmlformats.org/presentationml/2006/main" showMasterSp="0" showMasterPhAnim="0">
   <p:cSld>
     <p:spTree>
       <p:nvGrpSpPr>
-        <p:cNvPr id="74" name="Shape 74"/>
+        <p:cNvPr id="1" name="Shape 74"/>
         <p:cNvGrpSpPr/>
         <p:nvPr/>
       </p:nvGrpSpPr>
@@ -916,9 +941,11 @@
       <p:sp>
         <p:nvSpPr>
           <p:cNvPr id="75" name="Google Shape;75;gc6f9e470d_0_126:notes"/>
-          <p:cNvSpPr/>
+          <p:cNvSpPr>
+            <a:spLocks noGrp="1" noRot="1" noChangeAspect="1"/>
+          </p:cNvSpPr>
           <p:nvPr>
-            <p:ph idx="2" type="sldImg"/>
+            <p:ph type="sldImg" idx="2"/>
           </p:nvPr>
         </p:nvSpPr>
         <p:spPr>
@@ -927,9 +954,13 @@
             <a:ext cx="6096300" cy="3429000"/>
           </a:xfrm>
           <a:custGeom>
-            <a:rect b="b" l="l" r="r" t="t"/>
+            <a:avLst/>
+            <a:gdLst/>
+            <a:ahLst/>
+            <a:cxnLst/>
+            <a:rect l="l" t="t" r="r" b="b"/>
             <a:pathLst>
-              <a:path extrusionOk="0" h="120000" w="120000">
+              <a:path w="120000" h="120000" extrusionOk="0">
                 <a:moveTo>
                   <a:pt x="0" y="0"/>
                 </a:moveTo>
@@ -951,9 +982,11 @@
       <p:sp>
         <p:nvSpPr>
           <p:cNvPr id="76" name="Google Shape;76;gc6f9e470d_0_126:notes"/>
-          <p:cNvSpPr txBox="1"/>
+          <p:cNvSpPr txBox="1">
+            <a:spLocks noGrp="1"/>
+          </p:cNvSpPr>
           <p:nvPr>
-            <p:ph idx="1" type="body"/>
+            <p:ph type="body" idx="1"/>
           </p:nvPr>
         </p:nvSpPr>
         <p:spPr>
@@ -966,12 +999,12 @@
           </a:prstGeom>
         </p:spPr>
         <p:txBody>
-          <a:bodyPr anchorCtr="0" anchor="t" bIns="91425" lIns="91425" spcFirstLastPara="1" rIns="91425" wrap="square" tIns="91425">
+          <a:bodyPr spcFirstLastPara="1" wrap="square" lIns="91425" tIns="91425" rIns="91425" bIns="91425" anchor="t" anchorCtr="0">
             <a:noAutofit/>
           </a:bodyPr>
           <a:lstStyle/>
           <a:p>
-            <a:pPr indent="0" lvl="0" marL="0" rtl="0" algn="l">
+            <a:pPr marL="0" lvl="0" indent="0" algn="l" rtl="0">
               <a:lnSpc>
                 <a:spcPct val="100000"/>
               </a:lnSpc>
@@ -990,7 +1023,7 @@
             <a:endParaRPr sz="1200"/>
           </a:p>
           <a:p>
-            <a:pPr indent="-304800" lvl="0" marL="457200" rtl="0" algn="l">
+            <a:pPr marL="457200" lvl="0" indent="-304800" algn="l" rtl="0">
               <a:lnSpc>
                 <a:spcPct val="100000"/>
               </a:lnSpc>
@@ -1010,7 +1043,7 @@
             <a:endParaRPr sz="1200"/>
           </a:p>
           <a:p>
-            <a:pPr indent="-304800" lvl="0" marL="457200" rtl="0" algn="l">
+            <a:pPr marL="457200" lvl="0" indent="-304800" algn="l" rtl="0">
               <a:lnSpc>
                 <a:spcPct val="100000"/>
               </a:lnSpc>
@@ -1030,7 +1063,7 @@
             <a:endParaRPr sz="1200"/>
           </a:p>
           <a:p>
-            <a:pPr indent="0" lvl="0" marL="457200" rtl="0" algn="l">
+            <a:pPr marL="457200" lvl="0" indent="0" algn="l" rtl="0">
               <a:lnSpc>
                 <a:spcPct val="100000"/>
               </a:lnSpc>
@@ -1042,13 +1075,10 @@
               </a:spcAft>
               <a:buNone/>
             </a:pPr>
-            <a:r>
-              <a:t/>
-            </a:r>
             <a:endParaRPr sz="1200"/>
           </a:p>
           <a:p>
-            <a:pPr indent="0" lvl="0" marL="0" rtl="0" algn="l">
+            <a:pPr marL="0" lvl="0" indent="0" algn="l" rtl="0">
               <a:lnSpc>
                 <a:spcPct val="100000"/>
               </a:lnSpc>
@@ -1067,7 +1097,7 @@
             <a:endParaRPr sz="1200"/>
           </a:p>
           <a:p>
-            <a:pPr indent="-304800" lvl="0" marL="457200" rtl="0" algn="l">
+            <a:pPr marL="457200" lvl="0" indent="-304800" algn="l" rtl="0">
               <a:lnSpc>
                 <a:spcPct val="100000"/>
               </a:lnSpc>
@@ -1087,7 +1117,7 @@
             <a:endParaRPr sz="1200"/>
           </a:p>
           <a:p>
-            <a:pPr indent="0" lvl="0" marL="457200" rtl="0" algn="l">
+            <a:pPr marL="457200" lvl="0" indent="0" algn="l" rtl="0">
               <a:lnSpc>
                 <a:spcPct val="100000"/>
               </a:lnSpc>
@@ -1099,13 +1129,10 @@
               </a:spcAft>
               <a:buNone/>
             </a:pPr>
-            <a:r>
-              <a:t/>
-            </a:r>
             <a:endParaRPr sz="1200"/>
           </a:p>
           <a:p>
-            <a:pPr indent="0" lvl="0" marL="0" rtl="0" algn="l">
+            <a:pPr marL="0" lvl="0" indent="0" algn="l" rtl="0">
               <a:lnSpc>
                 <a:spcPct val="100000"/>
               </a:lnSpc>
@@ -1124,7 +1151,7 @@
             <a:endParaRPr sz="1200"/>
           </a:p>
           <a:p>
-            <a:pPr indent="-304800" lvl="0" marL="457200" rtl="0" algn="l">
+            <a:pPr marL="457200" lvl="0" indent="-304800" algn="l" rtl="0">
               <a:lnSpc>
                 <a:spcPct val="100000"/>
               </a:lnSpc>
@@ -1144,7 +1171,7 @@
             <a:endParaRPr sz="1200"/>
           </a:p>
           <a:p>
-            <a:pPr indent="0" lvl="0" marL="457200" rtl="0" algn="l">
+            <a:pPr marL="457200" lvl="0" indent="0" algn="l" rtl="0">
               <a:lnSpc>
                 <a:spcPct val="100000"/>
               </a:lnSpc>
@@ -1156,13 +1183,10 @@
               </a:spcAft>
               <a:buNone/>
             </a:pPr>
-            <a:r>
-              <a:t/>
-            </a:r>
             <a:endParaRPr sz="1200"/>
           </a:p>
           <a:p>
-            <a:pPr indent="0" lvl="0" marL="0" rtl="0" algn="l">
+            <a:pPr marL="0" lvl="0" indent="0" algn="l" rtl="0">
               <a:lnSpc>
                 <a:spcPct val="100000"/>
               </a:lnSpc>
@@ -1181,7 +1205,7 @@
             <a:endParaRPr sz="1200"/>
           </a:p>
           <a:p>
-            <a:pPr indent="-304800" lvl="0" marL="457200" rtl="0" algn="l">
+            <a:pPr marL="457200" lvl="0" indent="-304800" algn="l" rtl="0">
               <a:lnSpc>
                 <a:spcPct val="100000"/>
               </a:lnSpc>
@@ -1194,9 +1218,6 @@
               <a:buSzPts val="1200"/>
               <a:buChar char="-"/>
             </a:pPr>
-            <a:r>
-              <a:t/>
-            </a:r>
             <a:endParaRPr sz="1200"/>
           </a:p>
         </p:txBody>
@@ -1210,11 +1231,11 @@
 </file>
 
 <file path=ppt/notesSlides/notesSlide4.xml><?xml version="1.0" encoding="utf-8"?>
-<p:notes xmlns:a="http://schemas.openxmlformats.org/drawingml/2006/main" xmlns:r="http://schemas.openxmlformats.org/officeDocument/2006/relationships" xmlns:mc="http://schemas.openxmlformats.org/markup-compatibility/2006" xmlns:mv="urn:schemas-microsoft-com:mac:vml" xmlns:p="http://schemas.openxmlformats.org/presentationml/2006/main" xmlns:c="http://schemas.openxmlformats.org/drawingml/2006/chart" xmlns:dgm="http://schemas.openxmlformats.org/drawingml/2006/diagram" xmlns:o="urn:schemas-microsoft-com:office:office" xmlns:v="urn:schemas-microsoft-com:vml" xmlns:pvml="urn:schemas-microsoft-com:office:powerpoint" xmlns:com="http://schemas.openxmlformats.org/drawingml/2006/compatibility" xmlns:p14="http://schemas.microsoft.com/office/powerpoint/2010/main" xmlns:p15="http://schemas.microsoft.com/office/powerpoint/2012/main" showMasterPhAnim="0" showMasterSp="0">
+<p:notes xmlns:a="http://schemas.openxmlformats.org/drawingml/2006/main" xmlns:r="http://schemas.openxmlformats.org/officeDocument/2006/relationships" xmlns:p="http://schemas.openxmlformats.org/presentationml/2006/main" showMasterSp="0" showMasterPhAnim="0">
   <p:cSld>
     <p:spTree>
       <p:nvGrpSpPr>
-        <p:cNvPr id="80" name="Shape 80"/>
+        <p:cNvPr id="1" name="Shape 80"/>
         <p:cNvGrpSpPr/>
         <p:nvPr/>
       </p:nvGrpSpPr>
@@ -1229,20 +1250,26 @@
       <p:sp>
         <p:nvSpPr>
           <p:cNvPr id="81" name="Google Shape;81;gc6f9e470d_0_47:notes"/>
-          <p:cNvSpPr/>
+          <p:cNvSpPr>
+            <a:spLocks noGrp="1" noRot="1" noChangeAspect="1"/>
+          </p:cNvSpPr>
           <p:nvPr>
-            <p:ph idx="2" type="sldImg"/>
+            <p:ph type="sldImg" idx="2"/>
           </p:nvPr>
         </p:nvSpPr>
         <p:spPr>
           <a:xfrm>
-            <a:off x="381188" y="685800"/>
-            <a:ext cx="6096300" cy="3429000"/>
+            <a:off x="381000" y="685800"/>
+            <a:ext cx="6096000" cy="3429000"/>
           </a:xfrm>
           <a:custGeom>
-            <a:rect b="b" l="l" r="r" t="t"/>
+            <a:avLst/>
+            <a:gdLst/>
+            <a:ahLst/>
+            <a:cxnLst/>
+            <a:rect l="l" t="t" r="r" b="b"/>
             <a:pathLst>
-              <a:path extrusionOk="0" h="120000" w="120000">
+              <a:path w="120000" h="120000" extrusionOk="0">
                 <a:moveTo>
                   <a:pt x="0" y="0"/>
                 </a:moveTo>
@@ -1264,9 +1291,11 @@
       <p:sp>
         <p:nvSpPr>
           <p:cNvPr id="82" name="Google Shape;82;gc6f9e470d_0_47:notes"/>
-          <p:cNvSpPr txBox="1"/>
+          <p:cNvSpPr txBox="1">
+            <a:spLocks noGrp="1"/>
+          </p:cNvSpPr>
           <p:nvPr>
-            <p:ph idx="1" type="body"/>
+            <p:ph type="body" idx="1"/>
           </p:nvPr>
         </p:nvSpPr>
         <p:spPr>
@@ -1279,12 +1308,12 @@
           </a:prstGeom>
         </p:spPr>
         <p:txBody>
-          <a:bodyPr anchorCtr="0" anchor="t" bIns="91425" lIns="91425" spcFirstLastPara="1" rIns="91425" wrap="square" tIns="91425">
+          <a:bodyPr spcFirstLastPara="1" wrap="square" lIns="91425" tIns="91425" rIns="91425" bIns="91425" anchor="t" anchorCtr="0">
             <a:noAutofit/>
           </a:bodyPr>
           <a:lstStyle/>
           <a:p>
-            <a:pPr indent="0" lvl="0" marL="0" rtl="0" algn="l">
+            <a:pPr marL="0" lvl="0" indent="0" algn="l" rtl="0">
               <a:spcBef>
                 <a:spcPts val="0"/>
               </a:spcBef>
@@ -1310,11 +1339,11 @@
 </file>
 
 <file path=ppt/notesSlides/notesSlide5.xml><?xml version="1.0" encoding="utf-8"?>
-<p:notes xmlns:a="http://schemas.openxmlformats.org/drawingml/2006/main" xmlns:r="http://schemas.openxmlformats.org/officeDocument/2006/relationships" xmlns:mc="http://schemas.openxmlformats.org/markup-compatibility/2006" xmlns:mv="urn:schemas-microsoft-com:mac:vml" xmlns:p="http://schemas.openxmlformats.org/presentationml/2006/main" xmlns:c="http://schemas.openxmlformats.org/drawingml/2006/chart" xmlns:dgm="http://schemas.openxmlformats.org/drawingml/2006/diagram" xmlns:o="urn:schemas-microsoft-com:office:office" xmlns:v="urn:schemas-microsoft-com:vml" xmlns:pvml="urn:schemas-microsoft-com:office:powerpoint" xmlns:com="http://schemas.openxmlformats.org/drawingml/2006/compatibility" xmlns:p14="http://schemas.microsoft.com/office/powerpoint/2010/main" xmlns:p15="http://schemas.microsoft.com/office/powerpoint/2012/main" showMasterPhAnim="0" showMasterSp="0">
+<p:notes xmlns:a="http://schemas.openxmlformats.org/drawingml/2006/main" xmlns:r="http://schemas.openxmlformats.org/officeDocument/2006/relationships" xmlns:p="http://schemas.openxmlformats.org/presentationml/2006/main" showMasterSp="0" showMasterPhAnim="0">
   <p:cSld>
     <p:spTree>
       <p:nvGrpSpPr>
-        <p:cNvPr id="92" name="Shape 92"/>
+        <p:cNvPr id="1" name="Shape 92"/>
         <p:cNvGrpSpPr/>
         <p:nvPr/>
       </p:nvGrpSpPr>
@@ -1329,9 +1358,11 @@
       <p:sp>
         <p:nvSpPr>
           <p:cNvPr id="93" name="Google Shape;93;g56738b8b46_0_0:notes"/>
-          <p:cNvSpPr/>
+          <p:cNvSpPr>
+            <a:spLocks noGrp="1" noRot="1" noChangeAspect="1"/>
+          </p:cNvSpPr>
           <p:nvPr>
-            <p:ph idx="2" type="sldImg"/>
+            <p:ph type="sldImg" idx="2"/>
           </p:nvPr>
         </p:nvSpPr>
         <p:spPr>
@@ -1340,9 +1371,13 @@
             <a:ext cx="6096000" cy="3429000"/>
           </a:xfrm>
           <a:custGeom>
-            <a:rect b="b" l="l" r="r" t="t"/>
+            <a:avLst/>
+            <a:gdLst/>
+            <a:ahLst/>
+            <a:cxnLst/>
+            <a:rect l="l" t="t" r="r" b="b"/>
             <a:pathLst>
-              <a:path extrusionOk="0" h="120000" w="120000">
+              <a:path w="120000" h="120000" extrusionOk="0">
                 <a:moveTo>
                   <a:pt x="0" y="0"/>
                 </a:moveTo>
@@ -1364,9 +1399,11 @@
       <p:sp>
         <p:nvSpPr>
           <p:cNvPr id="94" name="Google Shape;94;g56738b8b46_0_0:notes"/>
-          <p:cNvSpPr txBox="1"/>
+          <p:cNvSpPr txBox="1">
+            <a:spLocks noGrp="1"/>
+          </p:cNvSpPr>
           <p:nvPr>
-            <p:ph idx="1" type="body"/>
+            <p:ph type="body" idx="1"/>
           </p:nvPr>
         </p:nvSpPr>
         <p:spPr>
@@ -1379,12 +1416,12 @@
           </a:prstGeom>
         </p:spPr>
         <p:txBody>
-          <a:bodyPr anchorCtr="0" anchor="t" bIns="91425" lIns="91425" spcFirstLastPara="1" rIns="91425" wrap="square" tIns="91425">
+          <a:bodyPr spcFirstLastPara="1" wrap="square" lIns="91425" tIns="91425" rIns="91425" bIns="91425" anchor="t" anchorCtr="0">
             <a:noAutofit/>
           </a:bodyPr>
           <a:lstStyle/>
           <a:p>
-            <a:pPr indent="0" lvl="0" marL="0" rtl="0" algn="l">
+            <a:pPr marL="0" lvl="0" indent="0" algn="l" rtl="0">
               <a:spcBef>
                 <a:spcPts val="0"/>
               </a:spcBef>
@@ -1393,9 +1430,6 @@
               </a:spcAft>
               <a:buNone/>
             </a:pPr>
-            <a:r>
-              <a:t/>
-            </a:r>
             <a:endParaRPr/>
           </a:p>
         </p:txBody>
@@ -1409,11 +1443,11 @@
 </file>
 
 <file path=ppt/notesSlides/notesSlide6.xml><?xml version="1.0" encoding="utf-8"?>
-<p:notes xmlns:a="http://schemas.openxmlformats.org/drawingml/2006/main" xmlns:r="http://schemas.openxmlformats.org/officeDocument/2006/relationships" xmlns:mc="http://schemas.openxmlformats.org/markup-compatibility/2006" xmlns:mv="urn:schemas-microsoft-com:mac:vml" xmlns:p="http://schemas.openxmlformats.org/presentationml/2006/main" xmlns:c="http://schemas.openxmlformats.org/drawingml/2006/chart" xmlns:dgm="http://schemas.openxmlformats.org/drawingml/2006/diagram" xmlns:o="urn:schemas-microsoft-com:office:office" xmlns:v="urn:schemas-microsoft-com:vml" xmlns:pvml="urn:schemas-microsoft-com:office:powerpoint" xmlns:com="http://schemas.openxmlformats.org/drawingml/2006/compatibility" xmlns:p14="http://schemas.microsoft.com/office/powerpoint/2010/main" xmlns:p15="http://schemas.microsoft.com/office/powerpoint/2012/main" showMasterPhAnim="0" showMasterSp="0">
+<p:notes xmlns:a="http://schemas.openxmlformats.org/drawingml/2006/main" xmlns:r="http://schemas.openxmlformats.org/officeDocument/2006/relationships" xmlns:p="http://schemas.openxmlformats.org/presentationml/2006/main" showMasterSp="0" showMasterPhAnim="0">
   <p:cSld>
     <p:spTree>
       <p:nvGrpSpPr>
-        <p:cNvPr id="99" name="Shape 99"/>
+        <p:cNvPr id="1" name="Shape 99"/>
         <p:cNvGrpSpPr/>
         <p:nvPr/>
       </p:nvGrpSpPr>
@@ -1428,9 +1462,11 @@
       <p:sp>
         <p:nvSpPr>
           <p:cNvPr id="100" name="Google Shape;100;g56590dd4b5_0_7:notes"/>
-          <p:cNvSpPr/>
+          <p:cNvSpPr>
+            <a:spLocks noGrp="1" noRot="1" noChangeAspect="1"/>
+          </p:cNvSpPr>
           <p:nvPr>
-            <p:ph idx="2" type="sldImg"/>
+            <p:ph type="sldImg" idx="2"/>
           </p:nvPr>
         </p:nvSpPr>
         <p:spPr>
@@ -1439,9 +1475,13 @@
             <a:ext cx="6096000" cy="3429000"/>
           </a:xfrm>
           <a:custGeom>
-            <a:rect b="b" l="l" r="r" t="t"/>
+            <a:avLst/>
+            <a:gdLst/>
+            <a:ahLst/>
+            <a:cxnLst/>
+            <a:rect l="l" t="t" r="r" b="b"/>
             <a:pathLst>
-              <a:path extrusionOk="0" h="120000" w="120000">
+              <a:path w="120000" h="120000" extrusionOk="0">
                 <a:moveTo>
                   <a:pt x="0" y="0"/>
                 </a:moveTo>
@@ -1463,9 +1503,11 @@
       <p:sp>
         <p:nvSpPr>
           <p:cNvPr id="101" name="Google Shape;101;g56590dd4b5_0_7:notes"/>
-          <p:cNvSpPr txBox="1"/>
+          <p:cNvSpPr txBox="1">
+            <a:spLocks noGrp="1"/>
+          </p:cNvSpPr>
           <p:nvPr>
-            <p:ph idx="1" type="body"/>
+            <p:ph type="body" idx="1"/>
           </p:nvPr>
         </p:nvSpPr>
         <p:spPr>
@@ -1478,12 +1520,12 @@
           </a:prstGeom>
         </p:spPr>
         <p:txBody>
-          <a:bodyPr anchorCtr="0" anchor="t" bIns="91425" lIns="91425" spcFirstLastPara="1" rIns="91425" wrap="square" tIns="91425">
+          <a:bodyPr spcFirstLastPara="1" wrap="square" lIns="91425" tIns="91425" rIns="91425" bIns="91425" anchor="t" anchorCtr="0">
             <a:noAutofit/>
           </a:bodyPr>
           <a:lstStyle/>
           <a:p>
-            <a:pPr indent="0" lvl="0" marL="0" rtl="0" algn="l">
+            <a:pPr marL="0" lvl="0" indent="0" algn="l" rtl="0">
               <a:spcBef>
                 <a:spcPts val="0"/>
               </a:spcBef>
@@ -1492,9 +1534,6 @@
               </a:spcAft>
               <a:buNone/>
             </a:pPr>
-            <a:r>
-              <a:t/>
-            </a:r>
             <a:endParaRPr/>
           </a:p>
         </p:txBody>
@@ -1508,11 +1547,11 @@
 </file>
 
 <file path=ppt/slideLayouts/slideLayout1.xml><?xml version="1.0" encoding="utf-8"?>
-<p:sldLayout xmlns:a="http://schemas.openxmlformats.org/drawingml/2006/main" xmlns:r="http://schemas.openxmlformats.org/officeDocument/2006/relationships" xmlns:mc="http://schemas.openxmlformats.org/markup-compatibility/2006" xmlns:mv="urn:schemas-microsoft-com:mac:vml" xmlns:p="http://schemas.openxmlformats.org/presentationml/2006/main" xmlns:c="http://schemas.openxmlformats.org/drawingml/2006/chart" xmlns:dgm="http://schemas.openxmlformats.org/drawingml/2006/diagram" xmlns:o="urn:schemas-microsoft-com:office:office" xmlns:v="urn:schemas-microsoft-com:vml" xmlns:pvml="urn:schemas-microsoft-com:office:powerpoint" xmlns:com="http://schemas.openxmlformats.org/drawingml/2006/compatibility" xmlns:p14="http://schemas.microsoft.com/office/powerpoint/2010/main" xmlns:p15="http://schemas.microsoft.com/office/powerpoint/2012/main" matchingName="Title slide" type="title">
+<p:sldLayout xmlns:a="http://schemas.openxmlformats.org/drawingml/2006/main" xmlns:r="http://schemas.openxmlformats.org/officeDocument/2006/relationships" xmlns:p="http://schemas.openxmlformats.org/presentationml/2006/main" matchingName="Title slide" type="title">
   <p:cSld name="TITLE">
     <p:spTree>
       <p:nvGrpSpPr>
-        <p:cNvPr id="9" name="Shape 9"/>
+        <p:cNvPr id="1" name="Shape 9"/>
         <p:cNvGrpSpPr/>
         <p:nvPr/>
       </p:nvGrpSpPr>
@@ -1546,12 +1585,12 @@
           </a:ln>
         </p:spPr>
         <p:txBody>
-          <a:bodyPr anchorCtr="0" anchor="ctr" bIns="91425" lIns="91425" spcFirstLastPara="1" rIns="91425" wrap="square" tIns="91425">
+          <a:bodyPr spcFirstLastPara="1" wrap="square" lIns="91425" tIns="91425" rIns="91425" bIns="91425" anchor="ctr" anchorCtr="0">
             <a:noAutofit/>
           </a:bodyPr>
           <a:lstStyle/>
           <a:p>
-            <a:pPr indent="0" lvl="0" marL="0" rtl="0" algn="l">
+            <a:pPr marL="0" lvl="0" indent="0" algn="l" rtl="0">
               <a:spcBef>
                 <a:spcPts val="0"/>
               </a:spcBef>
@@ -1560,9 +1599,6 @@
               </a:spcAft>
               <a:buNone/>
             </a:pPr>
-            <a:r>
-              <a:t/>
-            </a:r>
             <a:endParaRPr/>
           </a:p>
         </p:txBody>
@@ -1580,7 +1616,7 @@
           </a:xfrm>
           <a:prstGeom prst="round1Rect">
             <a:avLst>
-              <a:gd fmla="val 16667" name="adj"/>
+              <a:gd name="adj" fmla="val 16667"/>
             </a:avLst>
           </a:prstGeom>
           <a:solidFill>
@@ -1593,12 +1629,12 @@
           </a:ln>
         </p:spPr>
         <p:txBody>
-          <a:bodyPr anchorCtr="0" anchor="ctr" bIns="91425" lIns="91425" spcFirstLastPara="1" rIns="91425" wrap="square" tIns="91425">
+          <a:bodyPr spcFirstLastPara="1" wrap="square" lIns="91425" tIns="91425" rIns="91425" bIns="91425" anchor="ctr" anchorCtr="0">
             <a:noAutofit/>
           </a:bodyPr>
           <a:lstStyle/>
           <a:p>
-            <a:pPr indent="0" lvl="0" marL="0" rtl="0" algn="l">
+            <a:pPr marL="0" lvl="0" indent="0" algn="l" rtl="0">
               <a:spcBef>
                 <a:spcPts val="0"/>
               </a:spcBef>
@@ -1607,9 +1643,6 @@
               </a:spcAft>
               <a:buNone/>
             </a:pPr>
-            <a:r>
-              <a:t/>
-            </a:r>
             <a:endParaRPr/>
           </a:p>
         </p:txBody>
@@ -1617,7 +1650,9 @@
       <p:sp>
         <p:nvSpPr>
           <p:cNvPr id="12" name="Google Shape;12;p2"/>
-          <p:cNvSpPr txBox="1"/>
+          <p:cNvSpPr txBox="1">
+            <a:spLocks noGrp="1"/>
+          </p:cNvSpPr>
           <p:nvPr>
             <p:ph type="ctrTitle"/>
           </p:nvPr>
@@ -1632,7 +1667,7 @@
           </a:prstGeom>
         </p:spPr>
         <p:txBody>
-          <a:bodyPr anchorCtr="0" anchor="b" bIns="91425" lIns="91425" spcFirstLastPara="1" rIns="91425" wrap="square" tIns="91425"/>
+          <a:bodyPr spcFirstLastPara="1" wrap="square" lIns="91425" tIns="91425" rIns="91425" bIns="91425" anchor="b" anchorCtr="0"/>
           <a:lstStyle>
             <a:lvl1pPr lvl="0">
               <a:spcBef>
@@ -1734,15 +1769,19 @@
               <a:defRPr sz="4800"/>
             </a:lvl9pPr>
           </a:lstStyle>
-          <a:p/>
+          <a:p>
+            <a:endParaRPr/>
+          </a:p>
         </p:txBody>
       </p:sp>
       <p:sp>
         <p:nvSpPr>
           <p:cNvPr id="13" name="Google Shape;13;p2"/>
-          <p:cNvSpPr txBox="1"/>
+          <p:cNvSpPr txBox="1">
+            <a:spLocks noGrp="1"/>
+          </p:cNvSpPr>
           <p:nvPr>
-            <p:ph idx="1" type="subTitle"/>
+            <p:ph type="subTitle" idx="1"/>
           </p:nvPr>
         </p:nvSpPr>
         <p:spPr>
@@ -1755,7 +1794,7 @@
           </a:prstGeom>
         </p:spPr>
         <p:txBody>
-          <a:bodyPr anchorCtr="0" anchor="t" bIns="91425" lIns="91425" spcFirstLastPara="1" rIns="91425" wrap="square" tIns="91425"/>
+          <a:bodyPr spcFirstLastPara="1" wrap="square" lIns="91425" tIns="91425" rIns="91425" bIns="91425" anchor="t" anchorCtr="0"/>
           <a:lstStyle>
             <a:lvl1pPr lvl="0">
               <a:lnSpc>
@@ -1947,15 +1986,19 @@
               </a:defRPr>
             </a:lvl9pPr>
           </a:lstStyle>
-          <a:p/>
+          <a:p>
+            <a:endParaRPr/>
+          </a:p>
         </p:txBody>
       </p:sp>
       <p:sp>
         <p:nvSpPr>
           <p:cNvPr id="14" name="Google Shape;14;p2"/>
-          <p:cNvSpPr txBox="1"/>
+          <p:cNvSpPr txBox="1">
+            <a:spLocks noGrp="1"/>
+          </p:cNvSpPr>
           <p:nvPr>
-            <p:ph idx="12" type="sldNum"/>
+            <p:ph type="sldNum" idx="12"/>
           </p:nvPr>
         </p:nvSpPr>
         <p:spPr>
@@ -1968,7 +2011,7 @@
           </a:prstGeom>
         </p:spPr>
         <p:txBody>
-          <a:bodyPr anchorCtr="0" anchor="ctr" bIns="91425" lIns="91425" spcFirstLastPara="1" rIns="91425" wrap="square" tIns="91425">
+          <a:bodyPr spcFirstLastPara="1" wrap="square" lIns="91425" tIns="91425" rIns="91425" bIns="91425" anchor="ctr" anchorCtr="0">
             <a:noAutofit/>
           </a:bodyPr>
           <a:lstStyle>
@@ -2010,7 +2053,7 @@
             </a:lvl9pPr>
           </a:lstStyle>
           <a:p>
-            <a:pPr indent="0" lvl="0" marL="0" rtl="0" algn="r">
+            <a:pPr marL="0" lvl="0" indent="0" algn="r" rtl="0">
               <a:spcBef>
                 <a:spcPts val="0"/>
               </a:spcBef>
@@ -2036,18 +2079,19 @@
 </file>
 
 <file path=ppt/slideLayouts/slideLayout10.xml><?xml version="1.0" encoding="utf-8"?>
-<p:sldLayout xmlns:a="http://schemas.openxmlformats.org/drawingml/2006/main" xmlns:r="http://schemas.openxmlformats.org/officeDocument/2006/relationships" xmlns:mc="http://schemas.openxmlformats.org/markup-compatibility/2006" xmlns:mv="urn:schemas-microsoft-com:mac:vml" xmlns:p="http://schemas.openxmlformats.org/presentationml/2006/main" xmlns:c="http://schemas.openxmlformats.org/drawingml/2006/chart" xmlns:dgm="http://schemas.openxmlformats.org/drawingml/2006/diagram" xmlns:o="urn:schemas-microsoft-com:office:office" xmlns:v="urn:schemas-microsoft-com:vml" xmlns:pvml="urn:schemas-microsoft-com:office:powerpoint" xmlns:com="http://schemas.openxmlformats.org/drawingml/2006/compatibility" xmlns:p14="http://schemas.microsoft.com/office/powerpoint/2010/main" xmlns:p15="http://schemas.microsoft.com/office/powerpoint/2012/main" matchingName="Big number">
+<p:sldLayout xmlns:a="http://schemas.openxmlformats.org/drawingml/2006/main" xmlns:r="http://schemas.openxmlformats.org/officeDocument/2006/relationships" xmlns:p="http://schemas.openxmlformats.org/presentationml/2006/main" matchingName="Big number">
   <p:cSld name="BIG_NUMBER">
     <p:bg>
       <p:bgPr>
         <a:solidFill>
           <a:schemeClr val="accent4"/>
         </a:solidFill>
+        <a:effectLst/>
       </p:bgPr>
     </p:bg>
     <p:spTree>
       <p:nvGrpSpPr>
-        <p:cNvPr id="57" name="Shape 57"/>
+        <p:cNvPr id="1" name="Shape 57"/>
         <p:cNvGrpSpPr/>
         <p:nvPr/>
       </p:nvGrpSpPr>
@@ -2062,9 +2106,11 @@
       <p:sp>
         <p:nvSpPr>
           <p:cNvPr id="58" name="Google Shape;58;p11"/>
-          <p:cNvSpPr txBox="1"/>
+          <p:cNvSpPr txBox="1">
+            <a:spLocks noGrp="1"/>
+          </p:cNvSpPr>
           <p:nvPr>
-            <p:ph hasCustomPrompt="1" type="title"/>
+            <p:ph type="title" hasCustomPrompt="1"/>
           </p:nvPr>
         </p:nvSpPr>
         <p:spPr>
@@ -2077,7 +2123,7 @@
           </a:prstGeom>
         </p:spPr>
         <p:txBody>
-          <a:bodyPr anchorCtr="0" anchor="b" bIns="91425" lIns="91425" spcFirstLastPara="1" rIns="91425" wrap="square" tIns="91425"/>
+          <a:bodyPr spcFirstLastPara="1" wrap="square" lIns="91425" tIns="91425" rIns="91425" bIns="91425" anchor="b" anchorCtr="0"/>
           <a:lstStyle>
             <a:lvl1pPr lvl="0" algn="ctr">
               <a:spcBef>
@@ -2252,9 +2298,11 @@
       <p:sp>
         <p:nvSpPr>
           <p:cNvPr id="59" name="Google Shape;59;p11"/>
-          <p:cNvSpPr txBox="1"/>
+          <p:cNvSpPr txBox="1">
+            <a:spLocks noGrp="1"/>
+          </p:cNvSpPr>
           <p:nvPr>
-            <p:ph idx="1" type="body"/>
+            <p:ph type="body" idx="1"/>
           </p:nvPr>
         </p:nvSpPr>
         <p:spPr>
@@ -2267,9 +2315,9 @@
           </a:prstGeom>
         </p:spPr>
         <p:txBody>
-          <a:bodyPr anchorCtr="0" anchor="t" bIns="91425" lIns="91425" spcFirstLastPara="1" rIns="91425" wrap="square" tIns="91425"/>
+          <a:bodyPr spcFirstLastPara="1" wrap="square" lIns="91425" tIns="91425" rIns="91425" bIns="91425" anchor="t" anchorCtr="0"/>
           <a:lstStyle>
-            <a:lvl1pPr indent="-342900" lvl="0" marL="457200" algn="ctr">
+            <a:lvl1pPr marL="457200" lvl="0" indent="-342900" algn="ctr">
               <a:spcBef>
                 <a:spcPts val="0"/>
               </a:spcBef>
@@ -2280,7 +2328,7 @@
               <a:buChar char="●"/>
               <a:defRPr/>
             </a:lvl1pPr>
-            <a:lvl2pPr indent="-317500" lvl="1" marL="914400" algn="ctr">
+            <a:lvl2pPr marL="914400" lvl="1" indent="-317500" algn="ctr">
               <a:spcBef>
                 <a:spcPts val="1600"/>
               </a:spcBef>
@@ -2291,7 +2339,7 @@
               <a:buChar char="○"/>
               <a:defRPr/>
             </a:lvl2pPr>
-            <a:lvl3pPr indent="-317500" lvl="2" marL="1371600" algn="ctr">
+            <a:lvl3pPr marL="1371600" lvl="2" indent="-317500" algn="ctr">
               <a:spcBef>
                 <a:spcPts val="1600"/>
               </a:spcBef>
@@ -2302,7 +2350,7 @@
               <a:buChar char="■"/>
               <a:defRPr/>
             </a:lvl3pPr>
-            <a:lvl4pPr indent="-317500" lvl="3" marL="1828800" algn="ctr">
+            <a:lvl4pPr marL="1828800" lvl="3" indent="-317500" algn="ctr">
               <a:spcBef>
                 <a:spcPts val="1600"/>
               </a:spcBef>
@@ -2313,7 +2361,7 @@
               <a:buChar char="●"/>
               <a:defRPr/>
             </a:lvl4pPr>
-            <a:lvl5pPr indent="-317500" lvl="4" marL="2286000" algn="ctr">
+            <a:lvl5pPr marL="2286000" lvl="4" indent="-317500" algn="ctr">
               <a:spcBef>
                 <a:spcPts val="1600"/>
               </a:spcBef>
@@ -2324,7 +2372,7 @@
               <a:buChar char="○"/>
               <a:defRPr/>
             </a:lvl5pPr>
-            <a:lvl6pPr indent="-317500" lvl="5" marL="2743200" algn="ctr">
+            <a:lvl6pPr marL="2743200" lvl="5" indent="-317500" algn="ctr">
               <a:spcBef>
                 <a:spcPts val="1600"/>
               </a:spcBef>
@@ -2335,7 +2383,7 @@
               <a:buChar char="■"/>
               <a:defRPr/>
             </a:lvl6pPr>
-            <a:lvl7pPr indent="-317500" lvl="6" marL="3200400" algn="ctr">
+            <a:lvl7pPr marL="3200400" lvl="6" indent="-317500" algn="ctr">
               <a:spcBef>
                 <a:spcPts val="1600"/>
               </a:spcBef>
@@ -2346,7 +2394,7 @@
               <a:buChar char="●"/>
               <a:defRPr/>
             </a:lvl7pPr>
-            <a:lvl8pPr indent="-317500" lvl="7" marL="3657600" algn="ctr">
+            <a:lvl8pPr marL="3657600" lvl="7" indent="-317500" algn="ctr">
               <a:spcBef>
                 <a:spcPts val="1600"/>
               </a:spcBef>
@@ -2357,7 +2405,7 @@
               <a:buChar char="○"/>
               <a:defRPr/>
             </a:lvl8pPr>
-            <a:lvl9pPr indent="-317500" lvl="8" marL="4114800" algn="ctr">
+            <a:lvl9pPr marL="4114800" lvl="8" indent="-317500" algn="ctr">
               <a:spcBef>
                 <a:spcPts val="1600"/>
               </a:spcBef>
@@ -2369,15 +2417,19 @@
               <a:defRPr/>
             </a:lvl9pPr>
           </a:lstStyle>
-          <a:p/>
+          <a:p>
+            <a:endParaRPr/>
+          </a:p>
         </p:txBody>
       </p:sp>
       <p:sp>
         <p:nvSpPr>
           <p:cNvPr id="60" name="Google Shape;60;p11"/>
-          <p:cNvSpPr txBox="1"/>
+          <p:cNvSpPr txBox="1">
+            <a:spLocks noGrp="1"/>
+          </p:cNvSpPr>
           <p:nvPr>
-            <p:ph idx="12" type="sldNum"/>
+            <p:ph type="sldNum" idx="12"/>
           </p:nvPr>
         </p:nvSpPr>
         <p:spPr>
@@ -2390,7 +2442,7 @@
           </a:prstGeom>
         </p:spPr>
         <p:txBody>
-          <a:bodyPr anchorCtr="0" anchor="ctr" bIns="91425" lIns="91425" spcFirstLastPara="1" rIns="91425" wrap="square" tIns="91425">
+          <a:bodyPr spcFirstLastPara="1" wrap="square" lIns="91425" tIns="91425" rIns="91425" bIns="91425" anchor="ctr" anchorCtr="0">
             <a:noAutofit/>
           </a:bodyPr>
           <a:lstStyle>
@@ -2432,7 +2484,7 @@
             </a:lvl9pPr>
           </a:lstStyle>
           <a:p>
-            <a:pPr indent="0" lvl="0" marL="0" rtl="0" algn="r">
+            <a:pPr marL="0" lvl="0" indent="0" algn="r" rtl="0">
               <a:spcBef>
                 <a:spcPts val="0"/>
               </a:spcBef>
@@ -2458,18 +2510,19 @@
 </file>
 
 <file path=ppt/slideLayouts/slideLayout11.xml><?xml version="1.0" encoding="utf-8"?>
-<p:sldLayout xmlns:a="http://schemas.openxmlformats.org/drawingml/2006/main" xmlns:r="http://schemas.openxmlformats.org/officeDocument/2006/relationships" xmlns:mc="http://schemas.openxmlformats.org/markup-compatibility/2006" xmlns:mv="urn:schemas-microsoft-com:mac:vml" xmlns:p="http://schemas.openxmlformats.org/presentationml/2006/main" xmlns:c="http://schemas.openxmlformats.org/drawingml/2006/chart" xmlns:dgm="http://schemas.openxmlformats.org/drawingml/2006/diagram" xmlns:o="urn:schemas-microsoft-com:office:office" xmlns:v="urn:schemas-microsoft-com:vml" xmlns:pvml="urn:schemas-microsoft-com:office:powerpoint" xmlns:com="http://schemas.openxmlformats.org/drawingml/2006/compatibility" xmlns:p14="http://schemas.microsoft.com/office/powerpoint/2010/main" xmlns:p15="http://schemas.microsoft.com/office/powerpoint/2012/main" matchingName="Blank" type="blank">
+<p:sldLayout xmlns:a="http://schemas.openxmlformats.org/drawingml/2006/main" xmlns:r="http://schemas.openxmlformats.org/officeDocument/2006/relationships" xmlns:p="http://schemas.openxmlformats.org/presentationml/2006/main" matchingName="Blank" type="blank">
   <p:cSld name="BLANK">
     <p:bg>
       <p:bgPr>
         <a:solidFill>
           <a:schemeClr val="accent4"/>
         </a:solidFill>
+        <a:effectLst/>
       </p:bgPr>
     </p:bg>
     <p:spTree>
       <p:nvGrpSpPr>
-        <p:cNvPr id="61" name="Shape 61"/>
+        <p:cNvPr id="1" name="Shape 61"/>
         <p:cNvGrpSpPr/>
         <p:nvPr/>
       </p:nvGrpSpPr>
@@ -2484,9 +2537,11 @@
       <p:sp>
         <p:nvSpPr>
           <p:cNvPr id="62" name="Google Shape;62;p12"/>
-          <p:cNvSpPr txBox="1"/>
+          <p:cNvSpPr txBox="1">
+            <a:spLocks noGrp="1"/>
+          </p:cNvSpPr>
           <p:nvPr>
-            <p:ph idx="12" type="sldNum"/>
+            <p:ph type="sldNum" idx="12"/>
           </p:nvPr>
         </p:nvSpPr>
         <p:spPr>
@@ -2499,7 +2554,7 @@
           </a:prstGeom>
         </p:spPr>
         <p:txBody>
-          <a:bodyPr anchorCtr="0" anchor="ctr" bIns="91425" lIns="91425" spcFirstLastPara="1" rIns="91425" wrap="square" tIns="91425">
+          <a:bodyPr spcFirstLastPara="1" wrap="square" lIns="91425" tIns="91425" rIns="91425" bIns="91425" anchor="ctr" anchorCtr="0">
             <a:noAutofit/>
           </a:bodyPr>
           <a:lstStyle>
@@ -2541,7 +2596,7 @@
             </a:lvl9pPr>
           </a:lstStyle>
           <a:p>
-            <a:pPr indent="0" lvl="0" marL="0" rtl="0" algn="r">
+            <a:pPr marL="0" lvl="0" indent="0" algn="r" rtl="0">
               <a:spcBef>
                 <a:spcPts val="0"/>
               </a:spcBef>
@@ -2567,11 +2622,11 @@
 </file>
 
 <file path=ppt/slideLayouts/slideLayout2.xml><?xml version="1.0" encoding="utf-8"?>
-<p:sldLayout xmlns:a="http://schemas.openxmlformats.org/drawingml/2006/main" xmlns:r="http://schemas.openxmlformats.org/officeDocument/2006/relationships" xmlns:mc="http://schemas.openxmlformats.org/markup-compatibility/2006" xmlns:mv="urn:schemas-microsoft-com:mac:vml" xmlns:p="http://schemas.openxmlformats.org/presentationml/2006/main" xmlns:c="http://schemas.openxmlformats.org/drawingml/2006/chart" xmlns:dgm="http://schemas.openxmlformats.org/drawingml/2006/diagram" xmlns:o="urn:schemas-microsoft-com:office:office" xmlns:v="urn:schemas-microsoft-com:vml" xmlns:pvml="urn:schemas-microsoft-com:office:powerpoint" xmlns:com="http://schemas.openxmlformats.org/drawingml/2006/compatibility" xmlns:p14="http://schemas.microsoft.com/office/powerpoint/2010/main" xmlns:p15="http://schemas.microsoft.com/office/powerpoint/2012/main" matchingName="Section header" type="secHead">
+<p:sldLayout xmlns:a="http://schemas.openxmlformats.org/drawingml/2006/main" xmlns:r="http://schemas.openxmlformats.org/officeDocument/2006/relationships" xmlns:p="http://schemas.openxmlformats.org/presentationml/2006/main" matchingName="Section header" type="secHead">
   <p:cSld name="SECTION_HEADER">
     <p:spTree>
       <p:nvGrpSpPr>
-        <p:cNvPr id="15" name="Shape 15"/>
+        <p:cNvPr id="1" name="Shape 15"/>
         <p:cNvGrpSpPr/>
         <p:nvPr/>
       </p:nvGrpSpPr>
@@ -2586,7 +2641,9 @@
       <p:sp>
         <p:nvSpPr>
           <p:cNvPr id="16" name="Google Shape;16;p3"/>
-          <p:cNvSpPr txBox="1"/>
+          <p:cNvSpPr txBox="1">
+            <a:spLocks noGrp="1"/>
+          </p:cNvSpPr>
           <p:nvPr>
             <p:ph type="title"/>
           </p:nvPr>
@@ -2601,7 +2658,7 @@
           </a:prstGeom>
         </p:spPr>
         <p:txBody>
-          <a:bodyPr anchorCtr="0" anchor="ctr" bIns="91425" lIns="91425" spcFirstLastPara="1" rIns="91425" wrap="square" tIns="91425"/>
+          <a:bodyPr spcFirstLastPara="1" wrap="square" lIns="91425" tIns="91425" rIns="91425" bIns="91425" anchor="ctr" anchorCtr="0"/>
           <a:lstStyle>
             <a:lvl1pPr lvl="0">
               <a:spcBef>
@@ -2703,15 +2760,19 @@
               <a:defRPr sz="4200"/>
             </a:lvl9pPr>
           </a:lstStyle>
-          <a:p/>
+          <a:p>
+            <a:endParaRPr/>
+          </a:p>
         </p:txBody>
       </p:sp>
       <p:sp>
         <p:nvSpPr>
           <p:cNvPr id="17" name="Google Shape;17;p3"/>
-          <p:cNvSpPr txBox="1"/>
+          <p:cNvSpPr txBox="1">
+            <a:spLocks noGrp="1"/>
+          </p:cNvSpPr>
           <p:nvPr>
-            <p:ph idx="12" type="sldNum"/>
+            <p:ph type="sldNum" idx="12"/>
           </p:nvPr>
         </p:nvSpPr>
         <p:spPr>
@@ -2724,7 +2785,7 @@
           </a:prstGeom>
         </p:spPr>
         <p:txBody>
-          <a:bodyPr anchorCtr="0" anchor="ctr" bIns="91425" lIns="91425" spcFirstLastPara="1" rIns="91425" wrap="square" tIns="91425">
+          <a:bodyPr spcFirstLastPara="1" wrap="square" lIns="91425" tIns="91425" rIns="91425" bIns="91425" anchor="ctr" anchorCtr="0">
             <a:noAutofit/>
           </a:bodyPr>
           <a:lstStyle>
@@ -2802,7 +2863,7 @@
             </a:lvl9pPr>
           </a:lstStyle>
           <a:p>
-            <a:pPr indent="0" lvl="0" marL="0" rtl="0" algn="r">
+            <a:pPr marL="0" lvl="0" indent="0" algn="r" rtl="0">
               <a:spcBef>
                 <a:spcPts val="0"/>
               </a:spcBef>
@@ -2828,11 +2889,11 @@
 </file>
 
 <file path=ppt/slideLayouts/slideLayout3.xml><?xml version="1.0" encoding="utf-8"?>
-<p:sldLayout xmlns:a="http://schemas.openxmlformats.org/drawingml/2006/main" xmlns:r="http://schemas.openxmlformats.org/officeDocument/2006/relationships" xmlns:mc="http://schemas.openxmlformats.org/markup-compatibility/2006" xmlns:mv="urn:schemas-microsoft-com:mac:vml" xmlns:p="http://schemas.openxmlformats.org/presentationml/2006/main" xmlns:c="http://schemas.openxmlformats.org/drawingml/2006/chart" xmlns:dgm="http://schemas.openxmlformats.org/drawingml/2006/diagram" xmlns:o="urn:schemas-microsoft-com:office:office" xmlns:v="urn:schemas-microsoft-com:vml" xmlns:pvml="urn:schemas-microsoft-com:office:powerpoint" xmlns:com="http://schemas.openxmlformats.org/drawingml/2006/compatibility" xmlns:p14="http://schemas.microsoft.com/office/powerpoint/2010/main" xmlns:p15="http://schemas.microsoft.com/office/powerpoint/2012/main" matchingName="Title and body" type="tx">
+<p:sldLayout xmlns:a="http://schemas.openxmlformats.org/drawingml/2006/main" xmlns:r="http://schemas.openxmlformats.org/officeDocument/2006/relationships" xmlns:p="http://schemas.openxmlformats.org/presentationml/2006/main" matchingName="Title and body" type="tx">
   <p:cSld name="TITLE_AND_BODY">
     <p:spTree>
       <p:nvGrpSpPr>
-        <p:cNvPr id="18" name="Shape 18"/>
+        <p:cNvPr id="1" name="Shape 18"/>
         <p:cNvGrpSpPr/>
         <p:nvPr/>
       </p:nvGrpSpPr>
@@ -2851,7 +2912,7 @@
           <p:nvPr/>
         </p:nvSpPr>
         <p:spPr>
-          <a:xfrm flipH="1" rot="10800000">
+          <a:xfrm rot="10800000" flipH="1">
             <a:off x="0" y="1686000"/>
             <a:ext cx="9144000" cy="3457500"/>
           </a:xfrm>
@@ -2866,12 +2927,12 @@
           </a:ln>
         </p:spPr>
         <p:txBody>
-          <a:bodyPr anchorCtr="0" anchor="ctr" bIns="91425" lIns="91425" spcFirstLastPara="1" rIns="91425" wrap="square" tIns="91425">
+          <a:bodyPr spcFirstLastPara="1" wrap="square" lIns="91425" tIns="91425" rIns="91425" bIns="91425" anchor="ctr" anchorCtr="0">
             <a:noAutofit/>
           </a:bodyPr>
           <a:lstStyle/>
           <a:p>
-            <a:pPr indent="0" lvl="0" marL="0" rtl="0" algn="l">
+            <a:pPr marL="0" lvl="0" indent="0" algn="l" rtl="0">
               <a:spcBef>
                 <a:spcPts val="0"/>
               </a:spcBef>
@@ -2880,9 +2941,6 @@
               </a:spcAft>
               <a:buNone/>
             </a:pPr>
-            <a:r>
-              <a:t/>
-            </a:r>
             <a:endParaRPr/>
           </a:p>
         </p:txBody>
@@ -2923,12 +2981,12 @@
           </a:ln>
         </p:spPr>
         <p:txBody>
-          <a:bodyPr anchorCtr="0" anchor="ctr" bIns="91425" lIns="91425" spcFirstLastPara="1" rIns="91425" wrap="square" tIns="91425">
+          <a:bodyPr spcFirstLastPara="1" wrap="square" lIns="91425" tIns="91425" rIns="91425" bIns="91425" anchor="ctr" anchorCtr="0">
             <a:noAutofit/>
           </a:bodyPr>
           <a:lstStyle/>
           <a:p>
-            <a:pPr indent="0" lvl="0" marL="0" rtl="0" algn="l">
+            <a:pPr marL="0" lvl="0" indent="0" algn="l" rtl="0">
               <a:spcBef>
                 <a:spcPts val="0"/>
               </a:spcBef>
@@ -2937,9 +2995,6 @@
               </a:spcAft>
               <a:buNone/>
             </a:pPr>
-            <a:r>
-              <a:t/>
-            </a:r>
             <a:endParaRPr/>
           </a:p>
         </p:txBody>
@@ -2947,7 +3002,9 @@
       <p:sp>
         <p:nvSpPr>
           <p:cNvPr id="21" name="Google Shape;21;p4"/>
-          <p:cNvSpPr txBox="1"/>
+          <p:cNvSpPr txBox="1">
+            <a:spLocks noGrp="1"/>
+          </p:cNvSpPr>
           <p:nvPr>
             <p:ph type="title"/>
           </p:nvPr>
@@ -2962,7 +3019,7 @@
           </a:prstGeom>
         </p:spPr>
         <p:txBody>
-          <a:bodyPr anchorCtr="0" anchor="b" bIns="91425" lIns="91425" spcFirstLastPara="1" rIns="91425" wrap="square" tIns="91425"/>
+          <a:bodyPr spcFirstLastPara="1" wrap="square" lIns="91425" tIns="91425" rIns="91425" bIns="91425" anchor="b" anchorCtr="0"/>
           <a:lstStyle>
             <a:lvl1pPr lvl="0">
               <a:spcBef>
@@ -3064,15 +3121,19 @@
               <a:defRPr/>
             </a:lvl9pPr>
           </a:lstStyle>
-          <a:p/>
+          <a:p>
+            <a:endParaRPr/>
+          </a:p>
         </p:txBody>
       </p:sp>
       <p:sp>
         <p:nvSpPr>
           <p:cNvPr id="22" name="Google Shape;22;p4"/>
-          <p:cNvSpPr txBox="1"/>
+          <p:cNvSpPr txBox="1">
+            <a:spLocks noGrp="1"/>
+          </p:cNvSpPr>
           <p:nvPr>
-            <p:ph idx="1" type="body"/>
+            <p:ph type="body" idx="1"/>
           </p:nvPr>
         </p:nvSpPr>
         <p:spPr>
@@ -3085,9 +3146,9 @@
           </a:prstGeom>
         </p:spPr>
         <p:txBody>
-          <a:bodyPr anchorCtr="0" anchor="t" bIns="91425" lIns="91425" spcFirstLastPara="1" rIns="91425" wrap="square" tIns="91425"/>
+          <a:bodyPr spcFirstLastPara="1" wrap="square" lIns="91425" tIns="91425" rIns="91425" bIns="91425" anchor="t" anchorCtr="0"/>
           <a:lstStyle>
-            <a:lvl1pPr indent="-342900" lvl="0" marL="457200">
+            <a:lvl1pPr marL="457200" lvl="0" indent="-342900">
               <a:spcBef>
                 <a:spcPts val="0"/>
               </a:spcBef>
@@ -3098,7 +3159,7 @@
               <a:buChar char="●"/>
               <a:defRPr/>
             </a:lvl1pPr>
-            <a:lvl2pPr indent="-317500" lvl="1" marL="914400">
+            <a:lvl2pPr marL="914400" lvl="1" indent="-317500">
               <a:spcBef>
                 <a:spcPts val="1600"/>
               </a:spcBef>
@@ -3109,7 +3170,7 @@
               <a:buChar char="○"/>
               <a:defRPr/>
             </a:lvl2pPr>
-            <a:lvl3pPr indent="-317500" lvl="2" marL="1371600">
+            <a:lvl3pPr marL="1371600" lvl="2" indent="-317500">
               <a:spcBef>
                 <a:spcPts val="1600"/>
               </a:spcBef>
@@ -3120,7 +3181,7 @@
               <a:buChar char="■"/>
               <a:defRPr/>
             </a:lvl3pPr>
-            <a:lvl4pPr indent="-317500" lvl="3" marL="1828800">
+            <a:lvl4pPr marL="1828800" lvl="3" indent="-317500">
               <a:spcBef>
                 <a:spcPts val="1600"/>
               </a:spcBef>
@@ -3131,7 +3192,7 @@
               <a:buChar char="●"/>
               <a:defRPr/>
             </a:lvl4pPr>
-            <a:lvl5pPr indent="-317500" lvl="4" marL="2286000">
+            <a:lvl5pPr marL="2286000" lvl="4" indent="-317500">
               <a:spcBef>
                 <a:spcPts val="1600"/>
               </a:spcBef>
@@ -3142,7 +3203,7 @@
               <a:buChar char="○"/>
               <a:defRPr/>
             </a:lvl5pPr>
-            <a:lvl6pPr indent="-317500" lvl="5" marL="2743200">
+            <a:lvl6pPr marL="2743200" lvl="5" indent="-317500">
               <a:spcBef>
                 <a:spcPts val="1600"/>
               </a:spcBef>
@@ -3153,7 +3214,7 @@
               <a:buChar char="■"/>
               <a:defRPr/>
             </a:lvl6pPr>
-            <a:lvl7pPr indent="-317500" lvl="6" marL="3200400">
+            <a:lvl7pPr marL="3200400" lvl="6" indent="-317500">
               <a:spcBef>
                 <a:spcPts val="1600"/>
               </a:spcBef>
@@ -3164,7 +3225,7 @@
               <a:buChar char="●"/>
               <a:defRPr/>
             </a:lvl7pPr>
-            <a:lvl8pPr indent="-317500" lvl="7" marL="3657600">
+            <a:lvl8pPr marL="3657600" lvl="7" indent="-317500">
               <a:spcBef>
                 <a:spcPts val="1600"/>
               </a:spcBef>
@@ -3175,7 +3236,7 @@
               <a:buChar char="○"/>
               <a:defRPr/>
             </a:lvl8pPr>
-            <a:lvl9pPr indent="-317500" lvl="8" marL="4114800">
+            <a:lvl9pPr marL="4114800" lvl="8" indent="-317500">
               <a:spcBef>
                 <a:spcPts val="1600"/>
               </a:spcBef>
@@ -3187,15 +3248,19 @@
               <a:defRPr/>
             </a:lvl9pPr>
           </a:lstStyle>
-          <a:p/>
+          <a:p>
+            <a:endParaRPr/>
+          </a:p>
         </p:txBody>
       </p:sp>
       <p:sp>
         <p:nvSpPr>
           <p:cNvPr id="23" name="Google Shape;23;p4"/>
-          <p:cNvSpPr txBox="1"/>
+          <p:cNvSpPr txBox="1">
+            <a:spLocks noGrp="1"/>
+          </p:cNvSpPr>
           <p:nvPr>
-            <p:ph idx="12" type="sldNum"/>
+            <p:ph type="sldNum" idx="12"/>
           </p:nvPr>
         </p:nvSpPr>
         <p:spPr>
@@ -3208,7 +3273,7 @@
           </a:prstGeom>
         </p:spPr>
         <p:txBody>
-          <a:bodyPr anchorCtr="0" anchor="ctr" bIns="91425" lIns="91425" spcFirstLastPara="1" rIns="91425" wrap="square" tIns="91425">
+          <a:bodyPr spcFirstLastPara="1" wrap="square" lIns="91425" tIns="91425" rIns="91425" bIns="91425" anchor="ctr" anchorCtr="0">
             <a:noAutofit/>
           </a:bodyPr>
           <a:lstStyle>
@@ -3250,7 +3315,7 @@
             </a:lvl9pPr>
           </a:lstStyle>
           <a:p>
-            <a:pPr indent="0" lvl="0" marL="0" rtl="0" algn="r">
+            <a:pPr marL="0" lvl="0" indent="0" algn="r" rtl="0">
               <a:spcBef>
                 <a:spcPts val="0"/>
               </a:spcBef>
@@ -3276,11 +3341,11 @@
 </file>
 
 <file path=ppt/slideLayouts/slideLayout4.xml><?xml version="1.0" encoding="utf-8"?>
-<p:sldLayout xmlns:a="http://schemas.openxmlformats.org/drawingml/2006/main" xmlns:r="http://schemas.openxmlformats.org/officeDocument/2006/relationships" xmlns:mc="http://schemas.openxmlformats.org/markup-compatibility/2006" xmlns:mv="urn:schemas-microsoft-com:mac:vml" xmlns:p="http://schemas.openxmlformats.org/presentationml/2006/main" xmlns:c="http://schemas.openxmlformats.org/drawingml/2006/chart" xmlns:dgm="http://schemas.openxmlformats.org/drawingml/2006/diagram" xmlns:o="urn:schemas-microsoft-com:office:office" xmlns:v="urn:schemas-microsoft-com:vml" xmlns:pvml="urn:schemas-microsoft-com:office:powerpoint" xmlns:com="http://schemas.openxmlformats.org/drawingml/2006/compatibility" xmlns:p14="http://schemas.microsoft.com/office/powerpoint/2010/main" xmlns:p15="http://schemas.microsoft.com/office/powerpoint/2012/main" matchingName="Title and two columns" type="twoColTx">
+<p:sldLayout xmlns:a="http://schemas.openxmlformats.org/drawingml/2006/main" xmlns:r="http://schemas.openxmlformats.org/officeDocument/2006/relationships" xmlns:p="http://schemas.openxmlformats.org/presentationml/2006/main" matchingName="Title and two columns" type="twoColTx">
   <p:cSld name="TITLE_AND_TWO_COLUMNS">
     <p:spTree>
       <p:nvGrpSpPr>
-        <p:cNvPr id="24" name="Shape 24"/>
+        <p:cNvPr id="1" name="Shape 24"/>
         <p:cNvGrpSpPr/>
         <p:nvPr/>
       </p:nvGrpSpPr>
@@ -3299,7 +3364,7 @@
           <p:nvPr/>
         </p:nvSpPr>
         <p:spPr>
-          <a:xfrm flipH="1" rot="10800000">
+          <a:xfrm rot="10800000" flipH="1">
             <a:off x="0" y="1686000"/>
             <a:ext cx="9144000" cy="3457500"/>
           </a:xfrm>
@@ -3314,12 +3379,12 @@
           </a:ln>
         </p:spPr>
         <p:txBody>
-          <a:bodyPr anchorCtr="0" anchor="ctr" bIns="91425" lIns="91425" spcFirstLastPara="1" rIns="91425" wrap="square" tIns="91425">
+          <a:bodyPr spcFirstLastPara="1" wrap="square" lIns="91425" tIns="91425" rIns="91425" bIns="91425" anchor="ctr" anchorCtr="0">
             <a:noAutofit/>
           </a:bodyPr>
           <a:lstStyle/>
           <a:p>
-            <a:pPr indent="0" lvl="0" marL="0" rtl="0" algn="l">
+            <a:pPr marL="0" lvl="0" indent="0" algn="l" rtl="0">
               <a:spcBef>
                 <a:spcPts val="0"/>
               </a:spcBef>
@@ -3328,9 +3393,6 @@
               </a:spcAft>
               <a:buNone/>
             </a:pPr>
-            <a:r>
-              <a:t/>
-            </a:r>
             <a:endParaRPr/>
           </a:p>
         </p:txBody>
@@ -3371,12 +3433,12 @@
           </a:ln>
         </p:spPr>
         <p:txBody>
-          <a:bodyPr anchorCtr="0" anchor="ctr" bIns="91425" lIns="91425" spcFirstLastPara="1" rIns="91425" wrap="square" tIns="91425">
+          <a:bodyPr spcFirstLastPara="1" wrap="square" lIns="91425" tIns="91425" rIns="91425" bIns="91425" anchor="ctr" anchorCtr="0">
             <a:noAutofit/>
           </a:bodyPr>
           <a:lstStyle/>
           <a:p>
-            <a:pPr indent="0" lvl="0" marL="0" rtl="0" algn="l">
+            <a:pPr marL="0" lvl="0" indent="0" algn="l" rtl="0">
               <a:spcBef>
                 <a:spcPts val="0"/>
               </a:spcBef>
@@ -3385,9 +3447,6 @@
               </a:spcAft>
               <a:buNone/>
             </a:pPr>
-            <a:r>
-              <a:t/>
-            </a:r>
             <a:endParaRPr/>
           </a:p>
         </p:txBody>
@@ -3395,7 +3454,9 @@
       <p:sp>
         <p:nvSpPr>
           <p:cNvPr id="27" name="Google Shape;27;p5"/>
-          <p:cNvSpPr txBox="1"/>
+          <p:cNvSpPr txBox="1">
+            <a:spLocks noGrp="1"/>
+          </p:cNvSpPr>
           <p:nvPr>
             <p:ph type="title"/>
           </p:nvPr>
@@ -3410,7 +3471,7 @@
           </a:prstGeom>
         </p:spPr>
         <p:txBody>
-          <a:bodyPr anchorCtr="0" anchor="b" bIns="91425" lIns="91425" spcFirstLastPara="1" rIns="91425" wrap="square" tIns="91425"/>
+          <a:bodyPr spcFirstLastPara="1" wrap="square" lIns="91425" tIns="91425" rIns="91425" bIns="91425" anchor="b" anchorCtr="0"/>
           <a:lstStyle>
             <a:lvl1pPr lvl="0">
               <a:spcBef>
@@ -3512,15 +3573,19 @@
               <a:defRPr/>
             </a:lvl9pPr>
           </a:lstStyle>
-          <a:p/>
+          <a:p>
+            <a:endParaRPr/>
+          </a:p>
         </p:txBody>
       </p:sp>
       <p:sp>
         <p:nvSpPr>
           <p:cNvPr id="28" name="Google Shape;28;p5"/>
-          <p:cNvSpPr txBox="1"/>
+          <p:cNvSpPr txBox="1">
+            <a:spLocks noGrp="1"/>
+          </p:cNvSpPr>
           <p:nvPr>
-            <p:ph idx="1" type="body"/>
+            <p:ph type="body" idx="1"/>
           </p:nvPr>
         </p:nvSpPr>
         <p:spPr>
@@ -3533,9 +3598,9 @@
           </a:prstGeom>
         </p:spPr>
         <p:txBody>
-          <a:bodyPr anchorCtr="0" anchor="t" bIns="91425" lIns="91425" spcFirstLastPara="1" rIns="91425" wrap="square" tIns="91425"/>
+          <a:bodyPr spcFirstLastPara="1" wrap="square" lIns="91425" tIns="91425" rIns="91425" bIns="91425" anchor="t" anchorCtr="0"/>
           <a:lstStyle>
-            <a:lvl1pPr indent="-317500" lvl="0" marL="457200">
+            <a:lvl1pPr marL="457200" lvl="0" indent="-317500">
               <a:spcBef>
                 <a:spcPts val="0"/>
               </a:spcBef>
@@ -3546,7 +3611,7 @@
               <a:buChar char="●"/>
               <a:defRPr sz="1400"/>
             </a:lvl1pPr>
-            <a:lvl2pPr indent="-304800" lvl="1" marL="914400">
+            <a:lvl2pPr marL="914400" lvl="1" indent="-304800">
               <a:spcBef>
                 <a:spcPts val="1600"/>
               </a:spcBef>
@@ -3557,7 +3622,7 @@
               <a:buChar char="○"/>
               <a:defRPr sz="1200"/>
             </a:lvl2pPr>
-            <a:lvl3pPr indent="-304800" lvl="2" marL="1371600">
+            <a:lvl3pPr marL="1371600" lvl="2" indent="-304800">
               <a:spcBef>
                 <a:spcPts val="1600"/>
               </a:spcBef>
@@ -3568,7 +3633,7 @@
               <a:buChar char="■"/>
               <a:defRPr sz="1200"/>
             </a:lvl3pPr>
-            <a:lvl4pPr indent="-304800" lvl="3" marL="1828800">
+            <a:lvl4pPr marL="1828800" lvl="3" indent="-304800">
               <a:spcBef>
                 <a:spcPts val="1600"/>
               </a:spcBef>
@@ -3579,7 +3644,7 @@
               <a:buChar char="●"/>
               <a:defRPr sz="1200"/>
             </a:lvl4pPr>
-            <a:lvl5pPr indent="-304800" lvl="4" marL="2286000">
+            <a:lvl5pPr marL="2286000" lvl="4" indent="-304800">
               <a:spcBef>
                 <a:spcPts val="1600"/>
               </a:spcBef>
@@ -3590,7 +3655,7 @@
               <a:buChar char="○"/>
               <a:defRPr sz="1200"/>
             </a:lvl5pPr>
-            <a:lvl6pPr indent="-304800" lvl="5" marL="2743200">
+            <a:lvl6pPr marL="2743200" lvl="5" indent="-304800">
               <a:spcBef>
                 <a:spcPts val="1600"/>
               </a:spcBef>
@@ -3601,7 +3666,7 @@
               <a:buChar char="■"/>
               <a:defRPr sz="1200"/>
             </a:lvl6pPr>
-            <a:lvl7pPr indent="-304800" lvl="6" marL="3200400">
+            <a:lvl7pPr marL="3200400" lvl="6" indent="-304800">
               <a:spcBef>
                 <a:spcPts val="1600"/>
               </a:spcBef>
@@ -3612,7 +3677,7 @@
               <a:buChar char="●"/>
               <a:defRPr sz="1200"/>
             </a:lvl7pPr>
-            <a:lvl8pPr indent="-304800" lvl="7" marL="3657600">
+            <a:lvl8pPr marL="3657600" lvl="7" indent="-304800">
               <a:spcBef>
                 <a:spcPts val="1600"/>
               </a:spcBef>
@@ -3623,7 +3688,7 @@
               <a:buChar char="○"/>
               <a:defRPr sz="1200"/>
             </a:lvl8pPr>
-            <a:lvl9pPr indent="-304800" lvl="8" marL="4114800">
+            <a:lvl9pPr marL="4114800" lvl="8" indent="-304800">
               <a:spcBef>
                 <a:spcPts val="1600"/>
               </a:spcBef>
@@ -3635,15 +3700,19 @@
               <a:defRPr sz="1200"/>
             </a:lvl9pPr>
           </a:lstStyle>
-          <a:p/>
+          <a:p>
+            <a:endParaRPr/>
+          </a:p>
         </p:txBody>
       </p:sp>
       <p:sp>
         <p:nvSpPr>
           <p:cNvPr id="29" name="Google Shape;29;p5"/>
-          <p:cNvSpPr txBox="1"/>
+          <p:cNvSpPr txBox="1">
+            <a:spLocks noGrp="1"/>
+          </p:cNvSpPr>
           <p:nvPr>
-            <p:ph idx="2" type="body"/>
+            <p:ph type="body" idx="2"/>
           </p:nvPr>
         </p:nvSpPr>
         <p:spPr>
@@ -3656,9 +3725,9 @@
           </a:prstGeom>
         </p:spPr>
         <p:txBody>
-          <a:bodyPr anchorCtr="0" anchor="t" bIns="91425" lIns="91425" spcFirstLastPara="1" rIns="91425" wrap="square" tIns="91425"/>
+          <a:bodyPr spcFirstLastPara="1" wrap="square" lIns="91425" tIns="91425" rIns="91425" bIns="91425" anchor="t" anchorCtr="0"/>
           <a:lstStyle>
-            <a:lvl1pPr indent="-317500" lvl="0" marL="457200">
+            <a:lvl1pPr marL="457200" lvl="0" indent="-317500">
               <a:spcBef>
                 <a:spcPts val="0"/>
               </a:spcBef>
@@ -3669,7 +3738,7 @@
               <a:buChar char="●"/>
               <a:defRPr sz="1400"/>
             </a:lvl1pPr>
-            <a:lvl2pPr indent="-304800" lvl="1" marL="914400">
+            <a:lvl2pPr marL="914400" lvl="1" indent="-304800">
               <a:spcBef>
                 <a:spcPts val="1600"/>
               </a:spcBef>
@@ -3680,7 +3749,7 @@
               <a:buChar char="○"/>
               <a:defRPr sz="1200"/>
             </a:lvl2pPr>
-            <a:lvl3pPr indent="-304800" lvl="2" marL="1371600">
+            <a:lvl3pPr marL="1371600" lvl="2" indent="-304800">
               <a:spcBef>
                 <a:spcPts val="1600"/>
               </a:spcBef>
@@ -3691,7 +3760,7 @@
               <a:buChar char="■"/>
               <a:defRPr sz="1200"/>
             </a:lvl3pPr>
-            <a:lvl4pPr indent="-304800" lvl="3" marL="1828800">
+            <a:lvl4pPr marL="1828800" lvl="3" indent="-304800">
               <a:spcBef>
                 <a:spcPts val="1600"/>
               </a:spcBef>
@@ -3702,7 +3771,7 @@
               <a:buChar char="●"/>
               <a:defRPr sz="1200"/>
             </a:lvl4pPr>
-            <a:lvl5pPr indent="-304800" lvl="4" marL="2286000">
+            <a:lvl5pPr marL="2286000" lvl="4" indent="-304800">
               <a:spcBef>
                 <a:spcPts val="1600"/>
               </a:spcBef>
@@ -3713,7 +3782,7 @@
               <a:buChar char="○"/>
               <a:defRPr sz="1200"/>
             </a:lvl5pPr>
-            <a:lvl6pPr indent="-304800" lvl="5" marL="2743200">
+            <a:lvl6pPr marL="2743200" lvl="5" indent="-304800">
               <a:spcBef>
                 <a:spcPts val="1600"/>
               </a:spcBef>
@@ -3724,7 +3793,7 @@
               <a:buChar char="■"/>
               <a:defRPr sz="1200"/>
             </a:lvl6pPr>
-            <a:lvl7pPr indent="-304800" lvl="6" marL="3200400">
+            <a:lvl7pPr marL="3200400" lvl="6" indent="-304800">
               <a:spcBef>
                 <a:spcPts val="1600"/>
               </a:spcBef>
@@ -3735,7 +3804,7 @@
               <a:buChar char="●"/>
               <a:defRPr sz="1200"/>
             </a:lvl7pPr>
-            <a:lvl8pPr indent="-304800" lvl="7" marL="3657600">
+            <a:lvl8pPr marL="3657600" lvl="7" indent="-304800">
               <a:spcBef>
                 <a:spcPts val="1600"/>
               </a:spcBef>
@@ -3746,7 +3815,7 @@
               <a:buChar char="○"/>
               <a:defRPr sz="1200"/>
             </a:lvl8pPr>
-            <a:lvl9pPr indent="-304800" lvl="8" marL="4114800">
+            <a:lvl9pPr marL="4114800" lvl="8" indent="-304800">
               <a:spcBef>
                 <a:spcPts val="1600"/>
               </a:spcBef>
@@ -3758,15 +3827,19 @@
               <a:defRPr sz="1200"/>
             </a:lvl9pPr>
           </a:lstStyle>
-          <a:p/>
+          <a:p>
+            <a:endParaRPr/>
+          </a:p>
         </p:txBody>
       </p:sp>
       <p:sp>
         <p:nvSpPr>
           <p:cNvPr id="30" name="Google Shape;30;p5"/>
-          <p:cNvSpPr txBox="1"/>
+          <p:cNvSpPr txBox="1">
+            <a:spLocks noGrp="1"/>
+          </p:cNvSpPr>
           <p:nvPr>
-            <p:ph idx="12" type="sldNum"/>
+            <p:ph type="sldNum" idx="12"/>
           </p:nvPr>
         </p:nvSpPr>
         <p:spPr>
@@ -3779,7 +3852,7 @@
           </a:prstGeom>
         </p:spPr>
         <p:txBody>
-          <a:bodyPr anchorCtr="0" anchor="ctr" bIns="91425" lIns="91425" spcFirstLastPara="1" rIns="91425" wrap="square" tIns="91425">
+          <a:bodyPr spcFirstLastPara="1" wrap="square" lIns="91425" tIns="91425" rIns="91425" bIns="91425" anchor="ctr" anchorCtr="0">
             <a:noAutofit/>
           </a:bodyPr>
           <a:lstStyle>
@@ -3821,7 +3894,7 @@
             </a:lvl9pPr>
           </a:lstStyle>
           <a:p>
-            <a:pPr indent="0" lvl="0" marL="0" rtl="0" algn="r">
+            <a:pPr marL="0" lvl="0" indent="0" algn="r" rtl="0">
               <a:spcBef>
                 <a:spcPts val="0"/>
               </a:spcBef>
@@ -3847,11 +3920,11 @@
 </file>
 
 <file path=ppt/slideLayouts/slideLayout5.xml><?xml version="1.0" encoding="utf-8"?>
-<p:sldLayout xmlns:a="http://schemas.openxmlformats.org/drawingml/2006/main" xmlns:r="http://schemas.openxmlformats.org/officeDocument/2006/relationships" xmlns:mc="http://schemas.openxmlformats.org/markup-compatibility/2006" xmlns:mv="urn:schemas-microsoft-com:mac:vml" xmlns:p="http://schemas.openxmlformats.org/presentationml/2006/main" xmlns:c="http://schemas.openxmlformats.org/drawingml/2006/chart" xmlns:dgm="http://schemas.openxmlformats.org/drawingml/2006/diagram" xmlns:o="urn:schemas-microsoft-com:office:office" xmlns:v="urn:schemas-microsoft-com:vml" xmlns:pvml="urn:schemas-microsoft-com:office:powerpoint" xmlns:com="http://schemas.openxmlformats.org/drawingml/2006/compatibility" xmlns:p14="http://schemas.microsoft.com/office/powerpoint/2010/main" xmlns:p15="http://schemas.microsoft.com/office/powerpoint/2012/main" matchingName="Title only" type="titleOnly">
+<p:sldLayout xmlns:a="http://schemas.openxmlformats.org/drawingml/2006/main" xmlns:r="http://schemas.openxmlformats.org/officeDocument/2006/relationships" xmlns:p="http://schemas.openxmlformats.org/presentationml/2006/main" matchingName="Title only" type="titleOnly">
   <p:cSld name="TITLE_ONLY">
     <p:spTree>
       <p:nvGrpSpPr>
-        <p:cNvPr id="31" name="Shape 31"/>
+        <p:cNvPr id="1" name="Shape 31"/>
         <p:cNvGrpSpPr/>
         <p:nvPr/>
       </p:nvGrpSpPr>
@@ -3870,7 +3943,7 @@
           <p:nvPr/>
         </p:nvSpPr>
         <p:spPr>
-          <a:xfrm flipH="1" rot="10800000">
+          <a:xfrm rot="10800000" flipH="1">
             <a:off x="0" y="656400"/>
             <a:ext cx="9144000" cy="4487100"/>
           </a:xfrm>
@@ -3885,12 +3958,12 @@
           </a:ln>
         </p:spPr>
         <p:txBody>
-          <a:bodyPr anchorCtr="0" anchor="ctr" bIns="91425" lIns="91425" spcFirstLastPara="1" rIns="91425" wrap="square" tIns="91425">
+          <a:bodyPr spcFirstLastPara="1" wrap="square" lIns="91425" tIns="91425" rIns="91425" bIns="91425" anchor="ctr" anchorCtr="0">
             <a:noAutofit/>
           </a:bodyPr>
           <a:lstStyle/>
           <a:p>
-            <a:pPr indent="0" lvl="0" marL="0" rtl="0" algn="l">
+            <a:pPr marL="0" lvl="0" indent="0" algn="l" rtl="0">
               <a:spcBef>
                 <a:spcPts val="0"/>
               </a:spcBef>
@@ -3899,9 +3972,6 @@
               </a:spcAft>
               <a:buNone/>
             </a:pPr>
-            <a:r>
-              <a:t/>
-            </a:r>
             <a:endParaRPr/>
           </a:p>
         </p:txBody>
@@ -3942,12 +4012,12 @@
           </a:ln>
         </p:spPr>
         <p:txBody>
-          <a:bodyPr anchorCtr="0" anchor="ctr" bIns="91425" lIns="91425" spcFirstLastPara="1" rIns="91425" wrap="square" tIns="91425">
+          <a:bodyPr spcFirstLastPara="1" wrap="square" lIns="91425" tIns="91425" rIns="91425" bIns="91425" anchor="ctr" anchorCtr="0">
             <a:noAutofit/>
           </a:bodyPr>
           <a:lstStyle/>
           <a:p>
-            <a:pPr indent="0" lvl="0" marL="0" rtl="0" algn="l">
+            <a:pPr marL="0" lvl="0" indent="0" algn="l" rtl="0">
               <a:spcBef>
                 <a:spcPts val="0"/>
               </a:spcBef>
@@ -3956,9 +4026,6 @@
               </a:spcAft>
               <a:buNone/>
             </a:pPr>
-            <a:r>
-              <a:t/>
-            </a:r>
             <a:endParaRPr/>
           </a:p>
         </p:txBody>
@@ -3966,7 +4033,9 @@
       <p:sp>
         <p:nvSpPr>
           <p:cNvPr id="34" name="Google Shape;34;p6"/>
-          <p:cNvSpPr txBox="1"/>
+          <p:cNvSpPr txBox="1">
+            <a:spLocks noGrp="1"/>
+          </p:cNvSpPr>
           <p:nvPr>
             <p:ph type="title"/>
           </p:nvPr>
@@ -3981,7 +4050,7 @@
           </a:prstGeom>
         </p:spPr>
         <p:txBody>
-          <a:bodyPr anchorCtr="0" anchor="ctr" bIns="91425" lIns="91425" spcFirstLastPara="1" rIns="91425" wrap="square" tIns="91425"/>
+          <a:bodyPr spcFirstLastPara="1" wrap="square" lIns="91425" tIns="91425" rIns="91425" bIns="91425" anchor="ctr" anchorCtr="0"/>
           <a:lstStyle>
             <a:lvl1pPr lvl="0">
               <a:spcBef>
@@ -4083,15 +4152,19 @@
               <a:defRPr sz="1800"/>
             </a:lvl9pPr>
           </a:lstStyle>
-          <a:p/>
+          <a:p>
+            <a:endParaRPr/>
+          </a:p>
         </p:txBody>
       </p:sp>
       <p:sp>
         <p:nvSpPr>
           <p:cNvPr id="35" name="Google Shape;35;p6"/>
-          <p:cNvSpPr txBox="1"/>
+          <p:cNvSpPr txBox="1">
+            <a:spLocks noGrp="1"/>
+          </p:cNvSpPr>
           <p:nvPr>
-            <p:ph idx="12" type="sldNum"/>
+            <p:ph type="sldNum" idx="12"/>
           </p:nvPr>
         </p:nvSpPr>
         <p:spPr>
@@ -4104,7 +4177,7 @@
           </a:prstGeom>
         </p:spPr>
         <p:txBody>
-          <a:bodyPr anchorCtr="0" anchor="ctr" bIns="91425" lIns="91425" spcFirstLastPara="1" rIns="91425" wrap="square" tIns="91425">
+          <a:bodyPr spcFirstLastPara="1" wrap="square" lIns="91425" tIns="91425" rIns="91425" bIns="91425" anchor="ctr" anchorCtr="0">
             <a:noAutofit/>
           </a:bodyPr>
           <a:lstStyle>
@@ -4146,7 +4219,7 @@
             </a:lvl9pPr>
           </a:lstStyle>
           <a:p>
-            <a:pPr indent="0" lvl="0" marL="0" rtl="0" algn="r">
+            <a:pPr marL="0" lvl="0" indent="0" algn="r" rtl="0">
               <a:spcBef>
                 <a:spcPts val="0"/>
               </a:spcBef>
@@ -4172,11 +4245,11 @@
 </file>
 
 <file path=ppt/slideLayouts/slideLayout6.xml><?xml version="1.0" encoding="utf-8"?>
-<p:sldLayout xmlns:a="http://schemas.openxmlformats.org/drawingml/2006/main" xmlns:r="http://schemas.openxmlformats.org/officeDocument/2006/relationships" xmlns:mc="http://schemas.openxmlformats.org/markup-compatibility/2006" xmlns:mv="urn:schemas-microsoft-com:mac:vml" xmlns:p="http://schemas.openxmlformats.org/presentationml/2006/main" xmlns:c="http://schemas.openxmlformats.org/drawingml/2006/chart" xmlns:dgm="http://schemas.openxmlformats.org/drawingml/2006/diagram" xmlns:o="urn:schemas-microsoft-com:office:office" xmlns:v="urn:schemas-microsoft-com:vml" xmlns:pvml="urn:schemas-microsoft-com:office:powerpoint" xmlns:com="http://schemas.openxmlformats.org/drawingml/2006/compatibility" xmlns:p14="http://schemas.microsoft.com/office/powerpoint/2010/main" xmlns:p15="http://schemas.microsoft.com/office/powerpoint/2012/main" matchingName="One column text">
+<p:sldLayout xmlns:a="http://schemas.openxmlformats.org/drawingml/2006/main" xmlns:r="http://schemas.openxmlformats.org/officeDocument/2006/relationships" xmlns:p="http://schemas.openxmlformats.org/presentationml/2006/main" matchingName="One column text">
   <p:cSld name="ONE_COLUMN_TEXT">
     <p:spTree>
       <p:nvGrpSpPr>
-        <p:cNvPr id="36" name="Shape 36"/>
+        <p:cNvPr id="1" name="Shape 36"/>
         <p:cNvGrpSpPr/>
         <p:nvPr/>
       </p:nvGrpSpPr>
@@ -4195,7 +4268,7 @@
           <p:nvPr/>
         </p:nvSpPr>
         <p:spPr>
-          <a:xfrm flipH="1" rot="10800000">
+          <a:xfrm rot="10800000" flipH="1">
             <a:off x="3276600" y="25"/>
             <a:ext cx="5867400" cy="5143500"/>
           </a:xfrm>
@@ -4210,12 +4283,12 @@
           </a:ln>
         </p:spPr>
         <p:txBody>
-          <a:bodyPr anchorCtr="0" anchor="ctr" bIns="91425" lIns="91425" spcFirstLastPara="1" rIns="91425" wrap="square" tIns="91425">
+          <a:bodyPr spcFirstLastPara="1" wrap="square" lIns="91425" tIns="91425" rIns="91425" bIns="91425" anchor="ctr" anchorCtr="0">
             <a:noAutofit/>
           </a:bodyPr>
           <a:lstStyle/>
           <a:p>
-            <a:pPr indent="0" lvl="0" marL="0" rtl="0" algn="l">
+            <a:pPr marL="0" lvl="0" indent="0" algn="l" rtl="0">
               <a:spcBef>
                 <a:spcPts val="0"/>
               </a:spcBef>
@@ -4224,9 +4297,6 @@
               </a:spcAft>
               <a:buNone/>
             </a:pPr>
-            <a:r>
-              <a:t/>
-            </a:r>
             <a:endParaRPr/>
           </a:p>
         </p:txBody>
@@ -4267,12 +4337,12 @@
           </a:ln>
         </p:spPr>
         <p:txBody>
-          <a:bodyPr anchorCtr="0" anchor="ctr" bIns="91425" lIns="91425" spcFirstLastPara="1" rIns="91425" wrap="square" tIns="91425">
+          <a:bodyPr spcFirstLastPara="1" wrap="square" lIns="91425" tIns="91425" rIns="91425" bIns="91425" anchor="ctr" anchorCtr="0">
             <a:noAutofit/>
           </a:bodyPr>
           <a:lstStyle/>
           <a:p>
-            <a:pPr indent="0" lvl="0" marL="0" rtl="0" algn="l">
+            <a:pPr marL="0" lvl="0" indent="0" algn="l" rtl="0">
               <a:spcBef>
                 <a:spcPts val="0"/>
               </a:spcBef>
@@ -4281,9 +4351,6 @@
               </a:spcAft>
               <a:buNone/>
             </a:pPr>
-            <a:r>
-              <a:t/>
-            </a:r>
             <a:endParaRPr/>
           </a:p>
         </p:txBody>
@@ -4291,7 +4358,9 @@
       <p:sp>
         <p:nvSpPr>
           <p:cNvPr id="39" name="Google Shape;39;p7"/>
-          <p:cNvSpPr txBox="1"/>
+          <p:cNvSpPr txBox="1">
+            <a:spLocks noGrp="1"/>
+          </p:cNvSpPr>
           <p:nvPr>
             <p:ph type="title"/>
           </p:nvPr>
@@ -4306,7 +4375,7 @@
           </a:prstGeom>
         </p:spPr>
         <p:txBody>
-          <a:bodyPr anchorCtr="0" anchor="b" bIns="91425" lIns="91425" spcFirstLastPara="1" rIns="91425" wrap="square" tIns="91425"/>
+          <a:bodyPr spcFirstLastPara="1" wrap="square" lIns="91425" tIns="91425" rIns="91425" bIns="91425" anchor="b" anchorCtr="0"/>
           <a:lstStyle>
             <a:lvl1pPr lvl="0">
               <a:spcBef>
@@ -4408,15 +4477,19 @@
               <a:defRPr sz="2400"/>
             </a:lvl9pPr>
           </a:lstStyle>
-          <a:p/>
+          <a:p>
+            <a:endParaRPr/>
+          </a:p>
         </p:txBody>
       </p:sp>
       <p:sp>
         <p:nvSpPr>
           <p:cNvPr id="40" name="Google Shape;40;p7"/>
-          <p:cNvSpPr txBox="1"/>
+          <p:cNvSpPr txBox="1">
+            <a:spLocks noGrp="1"/>
+          </p:cNvSpPr>
           <p:nvPr>
-            <p:ph idx="1" type="body"/>
+            <p:ph type="body" idx="1"/>
           </p:nvPr>
         </p:nvSpPr>
         <p:spPr>
@@ -4429,9 +4502,9 @@
           </a:prstGeom>
         </p:spPr>
         <p:txBody>
-          <a:bodyPr anchorCtr="0" anchor="t" bIns="91425" lIns="91425" spcFirstLastPara="1" rIns="91425" wrap="square" tIns="91425"/>
+          <a:bodyPr spcFirstLastPara="1" wrap="square" lIns="91425" tIns="91425" rIns="91425" bIns="91425" anchor="t" anchorCtr="0"/>
           <a:lstStyle>
-            <a:lvl1pPr indent="-304800" lvl="0" marL="457200">
+            <a:lvl1pPr marL="457200" lvl="0" indent="-304800">
               <a:spcBef>
                 <a:spcPts val="0"/>
               </a:spcBef>
@@ -4449,7 +4522,7 @@
                 </a:solidFill>
               </a:defRPr>
             </a:lvl1pPr>
-            <a:lvl2pPr indent="-304800" lvl="1" marL="914400">
+            <a:lvl2pPr marL="914400" lvl="1" indent="-304800">
               <a:spcBef>
                 <a:spcPts val="1600"/>
               </a:spcBef>
@@ -4467,7 +4540,7 @@
                 </a:solidFill>
               </a:defRPr>
             </a:lvl2pPr>
-            <a:lvl3pPr indent="-304800" lvl="2" marL="1371600">
+            <a:lvl3pPr marL="1371600" lvl="2" indent="-304800">
               <a:spcBef>
                 <a:spcPts val="1600"/>
               </a:spcBef>
@@ -4485,7 +4558,7 @@
                 </a:solidFill>
               </a:defRPr>
             </a:lvl3pPr>
-            <a:lvl4pPr indent="-304800" lvl="3" marL="1828800">
+            <a:lvl4pPr marL="1828800" lvl="3" indent="-304800">
               <a:spcBef>
                 <a:spcPts val="1600"/>
               </a:spcBef>
@@ -4503,7 +4576,7 @@
                 </a:solidFill>
               </a:defRPr>
             </a:lvl4pPr>
-            <a:lvl5pPr indent="-304800" lvl="4" marL="2286000">
+            <a:lvl5pPr marL="2286000" lvl="4" indent="-304800">
               <a:spcBef>
                 <a:spcPts val="1600"/>
               </a:spcBef>
@@ -4521,7 +4594,7 @@
                 </a:solidFill>
               </a:defRPr>
             </a:lvl5pPr>
-            <a:lvl6pPr indent="-304800" lvl="5" marL="2743200">
+            <a:lvl6pPr marL="2743200" lvl="5" indent="-304800">
               <a:spcBef>
                 <a:spcPts val="1600"/>
               </a:spcBef>
@@ -4539,7 +4612,7 @@
                 </a:solidFill>
               </a:defRPr>
             </a:lvl6pPr>
-            <a:lvl7pPr indent="-304800" lvl="6" marL="3200400">
+            <a:lvl7pPr marL="3200400" lvl="6" indent="-304800">
               <a:spcBef>
                 <a:spcPts val="1600"/>
               </a:spcBef>
@@ -4557,7 +4630,7 @@
                 </a:solidFill>
               </a:defRPr>
             </a:lvl7pPr>
-            <a:lvl8pPr indent="-304800" lvl="7" marL="3657600">
+            <a:lvl8pPr marL="3657600" lvl="7" indent="-304800">
               <a:spcBef>
                 <a:spcPts val="1600"/>
               </a:spcBef>
@@ -4575,7 +4648,7 @@
                 </a:solidFill>
               </a:defRPr>
             </a:lvl8pPr>
-            <a:lvl9pPr indent="-304800" lvl="8" marL="4114800">
+            <a:lvl9pPr marL="4114800" lvl="8" indent="-304800">
               <a:spcBef>
                 <a:spcPts val="1600"/>
               </a:spcBef>
@@ -4594,15 +4667,19 @@
               </a:defRPr>
             </a:lvl9pPr>
           </a:lstStyle>
-          <a:p/>
+          <a:p>
+            <a:endParaRPr/>
+          </a:p>
         </p:txBody>
       </p:sp>
       <p:sp>
         <p:nvSpPr>
           <p:cNvPr id="41" name="Google Shape;41;p7"/>
-          <p:cNvSpPr txBox="1"/>
+          <p:cNvSpPr txBox="1">
+            <a:spLocks noGrp="1"/>
+          </p:cNvSpPr>
           <p:nvPr>
-            <p:ph idx="12" type="sldNum"/>
+            <p:ph type="sldNum" idx="12"/>
           </p:nvPr>
         </p:nvSpPr>
         <p:spPr>
@@ -4615,7 +4692,7 @@
           </a:prstGeom>
         </p:spPr>
         <p:txBody>
-          <a:bodyPr anchorCtr="0" anchor="ctr" bIns="91425" lIns="91425" spcFirstLastPara="1" rIns="91425" wrap="square" tIns="91425">
+          <a:bodyPr spcFirstLastPara="1" wrap="square" lIns="91425" tIns="91425" rIns="91425" bIns="91425" anchor="ctr" anchorCtr="0">
             <a:noAutofit/>
           </a:bodyPr>
           <a:lstStyle>
@@ -4657,7 +4734,7 @@
             </a:lvl9pPr>
           </a:lstStyle>
           <a:p>
-            <a:pPr indent="0" lvl="0" marL="0" rtl="0" algn="r">
+            <a:pPr marL="0" lvl="0" indent="0" algn="r" rtl="0">
               <a:spcBef>
                 <a:spcPts val="0"/>
               </a:spcBef>
@@ -4683,11 +4760,11 @@
 </file>
 
 <file path=ppt/slideLayouts/slideLayout7.xml><?xml version="1.0" encoding="utf-8"?>
-<p:sldLayout xmlns:a="http://schemas.openxmlformats.org/drawingml/2006/main" xmlns:r="http://schemas.openxmlformats.org/officeDocument/2006/relationships" xmlns:mc="http://schemas.openxmlformats.org/markup-compatibility/2006" xmlns:mv="urn:schemas-microsoft-com:mac:vml" xmlns:p="http://schemas.openxmlformats.org/presentationml/2006/main" xmlns:c="http://schemas.openxmlformats.org/drawingml/2006/chart" xmlns:dgm="http://schemas.openxmlformats.org/drawingml/2006/diagram" xmlns:o="urn:schemas-microsoft-com:office:office" xmlns:v="urn:schemas-microsoft-com:vml" xmlns:pvml="urn:schemas-microsoft-com:office:powerpoint" xmlns:com="http://schemas.openxmlformats.org/drawingml/2006/compatibility" xmlns:p14="http://schemas.microsoft.com/office/powerpoint/2010/main" xmlns:p15="http://schemas.microsoft.com/office/powerpoint/2012/main" matchingName="Main point">
+<p:sldLayout xmlns:a="http://schemas.openxmlformats.org/drawingml/2006/main" xmlns:r="http://schemas.openxmlformats.org/officeDocument/2006/relationships" xmlns:p="http://schemas.openxmlformats.org/presentationml/2006/main" matchingName="Main point">
   <p:cSld name="MAIN_POINT">
     <p:spTree>
       <p:nvGrpSpPr>
-        <p:cNvPr id="42" name="Shape 42"/>
+        <p:cNvPr id="1" name="Shape 42"/>
         <p:cNvGrpSpPr/>
         <p:nvPr/>
       </p:nvGrpSpPr>
@@ -4702,7 +4779,9 @@
       <p:sp>
         <p:nvSpPr>
           <p:cNvPr id="43" name="Google Shape;43;p8"/>
-          <p:cNvSpPr txBox="1"/>
+          <p:cNvSpPr txBox="1">
+            <a:spLocks noGrp="1"/>
+          </p:cNvSpPr>
           <p:nvPr>
             <p:ph type="title"/>
           </p:nvPr>
@@ -4717,7 +4796,7 @@
           </a:prstGeom>
         </p:spPr>
         <p:txBody>
-          <a:bodyPr anchorCtr="0" anchor="ctr" bIns="91425" lIns="91425" spcFirstLastPara="1" rIns="91425" wrap="square" tIns="91425"/>
+          <a:bodyPr spcFirstLastPara="1" wrap="square" lIns="91425" tIns="91425" rIns="91425" bIns="91425" anchor="ctr" anchorCtr="0"/>
           <a:lstStyle>
             <a:lvl1pPr lvl="0">
               <a:spcBef>
@@ -4819,15 +4898,19 @@
               <a:defRPr sz="6000"/>
             </a:lvl9pPr>
           </a:lstStyle>
-          <a:p/>
+          <a:p>
+            <a:endParaRPr/>
+          </a:p>
         </p:txBody>
       </p:sp>
       <p:sp>
         <p:nvSpPr>
           <p:cNvPr id="44" name="Google Shape;44;p8"/>
-          <p:cNvSpPr txBox="1"/>
+          <p:cNvSpPr txBox="1">
+            <a:spLocks noGrp="1"/>
+          </p:cNvSpPr>
           <p:nvPr>
-            <p:ph idx="12" type="sldNum"/>
+            <p:ph type="sldNum" idx="12"/>
           </p:nvPr>
         </p:nvSpPr>
         <p:spPr>
@@ -4840,7 +4923,7 @@
           </a:prstGeom>
         </p:spPr>
         <p:txBody>
-          <a:bodyPr anchorCtr="0" anchor="ctr" bIns="91425" lIns="91425" spcFirstLastPara="1" rIns="91425" wrap="square" tIns="91425">
+          <a:bodyPr spcFirstLastPara="1" wrap="square" lIns="91425" tIns="91425" rIns="91425" bIns="91425" anchor="ctr" anchorCtr="0">
             <a:noAutofit/>
           </a:bodyPr>
           <a:lstStyle>
@@ -4918,7 +5001,7 @@
             </a:lvl9pPr>
           </a:lstStyle>
           <a:p>
-            <a:pPr indent="0" lvl="0" marL="0" rtl="0" algn="r">
+            <a:pPr marL="0" lvl="0" indent="0" algn="r" rtl="0">
               <a:spcBef>
                 <a:spcPts val="0"/>
               </a:spcBef>
@@ -4944,11 +5027,11 @@
 </file>
 
 <file path=ppt/slideLayouts/slideLayout8.xml><?xml version="1.0" encoding="utf-8"?>
-<p:sldLayout xmlns:a="http://schemas.openxmlformats.org/drawingml/2006/main" xmlns:r="http://schemas.openxmlformats.org/officeDocument/2006/relationships" xmlns:mc="http://schemas.openxmlformats.org/markup-compatibility/2006" xmlns:mv="urn:schemas-microsoft-com:mac:vml" xmlns:p="http://schemas.openxmlformats.org/presentationml/2006/main" xmlns:c="http://schemas.openxmlformats.org/drawingml/2006/chart" xmlns:dgm="http://schemas.openxmlformats.org/drawingml/2006/diagram" xmlns:o="urn:schemas-microsoft-com:office:office" xmlns:v="urn:schemas-microsoft-com:vml" xmlns:pvml="urn:schemas-microsoft-com:office:powerpoint" xmlns:com="http://schemas.openxmlformats.org/drawingml/2006/compatibility" xmlns:p14="http://schemas.microsoft.com/office/powerpoint/2010/main" xmlns:p15="http://schemas.microsoft.com/office/powerpoint/2012/main" matchingName="Section title and description">
+<p:sldLayout xmlns:a="http://schemas.openxmlformats.org/drawingml/2006/main" xmlns:r="http://schemas.openxmlformats.org/officeDocument/2006/relationships" xmlns:p="http://schemas.openxmlformats.org/presentationml/2006/main" matchingName="Section title and description">
   <p:cSld name="SECTION_TITLE_AND_DESCRIPTION">
     <p:spTree>
       <p:nvGrpSpPr>
-        <p:cNvPr id="45" name="Shape 45"/>
+        <p:cNvPr id="1" name="Shape 45"/>
         <p:cNvGrpSpPr/>
         <p:nvPr/>
       </p:nvGrpSpPr>
@@ -4982,12 +5065,12 @@
           </a:ln>
         </p:spPr>
         <p:txBody>
-          <a:bodyPr anchorCtr="0" anchor="ctr" bIns="91425" lIns="91425" spcFirstLastPara="1" rIns="91425" wrap="square" tIns="91425">
+          <a:bodyPr spcFirstLastPara="1" wrap="square" lIns="91425" tIns="91425" rIns="91425" bIns="91425" anchor="ctr" anchorCtr="0">
             <a:noAutofit/>
           </a:bodyPr>
           <a:lstStyle/>
           <a:p>
-            <a:pPr indent="0" lvl="0" marL="0" rtl="0" algn="l">
+            <a:pPr marL="0" lvl="0" indent="0" algn="l" rtl="0">
               <a:spcBef>
                 <a:spcPts val="0"/>
               </a:spcBef>
@@ -4996,9 +5079,6 @@
               </a:spcAft>
               <a:buNone/>
             </a:pPr>
-            <a:r>
-              <a:t/>
-            </a:r>
             <a:endParaRPr/>
           </a:p>
         </p:txBody>
@@ -5039,12 +5119,12 @@
           </a:ln>
         </p:spPr>
         <p:txBody>
-          <a:bodyPr anchorCtr="0" anchor="ctr" bIns="91425" lIns="91425" spcFirstLastPara="1" rIns="91425" wrap="square" tIns="91425">
+          <a:bodyPr spcFirstLastPara="1" wrap="square" lIns="91425" tIns="91425" rIns="91425" bIns="91425" anchor="ctr" anchorCtr="0">
             <a:noAutofit/>
           </a:bodyPr>
           <a:lstStyle/>
           <a:p>
-            <a:pPr indent="0" lvl="0" marL="0" rtl="0" algn="l">
+            <a:pPr marL="0" lvl="0" indent="0" algn="l" rtl="0">
               <a:spcBef>
                 <a:spcPts val="0"/>
               </a:spcBef>
@@ -5053,9 +5133,6 @@
               </a:spcAft>
               <a:buNone/>
             </a:pPr>
-            <a:r>
-              <a:t/>
-            </a:r>
             <a:endParaRPr/>
           </a:p>
         </p:txBody>
@@ -5063,7 +5140,9 @@
       <p:sp>
         <p:nvSpPr>
           <p:cNvPr id="48" name="Google Shape;48;p9"/>
-          <p:cNvSpPr txBox="1"/>
+          <p:cNvSpPr txBox="1">
+            <a:spLocks noGrp="1"/>
+          </p:cNvSpPr>
           <p:nvPr>
             <p:ph type="title"/>
           </p:nvPr>
@@ -5078,7 +5157,7 @@
           </a:prstGeom>
         </p:spPr>
         <p:txBody>
-          <a:bodyPr anchorCtr="0" anchor="b" bIns="91425" lIns="91425" spcFirstLastPara="1" rIns="91425" wrap="square" tIns="91425"/>
+          <a:bodyPr spcFirstLastPara="1" wrap="square" lIns="91425" tIns="91425" rIns="91425" bIns="91425" anchor="b" anchorCtr="0"/>
           <a:lstStyle>
             <a:lvl1pPr lvl="0" algn="ctr">
               <a:spcBef>
@@ -5243,15 +5322,19 @@
               </a:defRPr>
             </a:lvl9pPr>
           </a:lstStyle>
-          <a:p/>
+          <a:p>
+            <a:endParaRPr/>
+          </a:p>
         </p:txBody>
       </p:sp>
       <p:sp>
         <p:nvSpPr>
           <p:cNvPr id="49" name="Google Shape;49;p9"/>
-          <p:cNvSpPr txBox="1"/>
+          <p:cNvSpPr txBox="1">
+            <a:spLocks noGrp="1"/>
+          </p:cNvSpPr>
           <p:nvPr>
-            <p:ph idx="1" type="subTitle"/>
+            <p:ph type="subTitle" idx="1"/>
           </p:nvPr>
         </p:nvSpPr>
         <p:spPr>
@@ -5264,7 +5347,7 @@
           </a:prstGeom>
         </p:spPr>
         <p:txBody>
-          <a:bodyPr anchorCtr="0" anchor="t" bIns="91425" lIns="91425" spcFirstLastPara="1" rIns="91425" wrap="square" tIns="91425"/>
+          <a:bodyPr spcFirstLastPara="1" wrap="square" lIns="91425" tIns="91425" rIns="91425" bIns="91425" anchor="t" anchorCtr="0"/>
           <a:lstStyle>
             <a:lvl1pPr lvl="0" algn="ctr">
               <a:lnSpc>
@@ -5393,15 +5476,19 @@
               <a:defRPr sz="2100"/>
             </a:lvl9pPr>
           </a:lstStyle>
-          <a:p/>
+          <a:p>
+            <a:endParaRPr/>
+          </a:p>
         </p:txBody>
       </p:sp>
       <p:sp>
         <p:nvSpPr>
           <p:cNvPr id="50" name="Google Shape;50;p9"/>
-          <p:cNvSpPr txBox="1"/>
+          <p:cNvSpPr txBox="1">
+            <a:spLocks noGrp="1"/>
+          </p:cNvSpPr>
           <p:nvPr>
-            <p:ph idx="2" type="body"/>
+            <p:ph type="body" idx="2"/>
           </p:nvPr>
         </p:nvSpPr>
         <p:spPr>
@@ -5414,9 +5501,9 @@
           </a:prstGeom>
         </p:spPr>
         <p:txBody>
-          <a:bodyPr anchorCtr="0" anchor="ctr" bIns="91425" lIns="91425" spcFirstLastPara="1" rIns="91425" wrap="square" tIns="91425"/>
+          <a:bodyPr spcFirstLastPara="1" wrap="square" lIns="91425" tIns="91425" rIns="91425" bIns="91425" anchor="ctr" anchorCtr="0"/>
           <a:lstStyle>
-            <a:lvl1pPr indent="-342900" lvl="0" marL="457200">
+            <a:lvl1pPr marL="457200" lvl="0" indent="-342900">
               <a:spcBef>
                 <a:spcPts val="0"/>
               </a:spcBef>
@@ -5434,7 +5521,7 @@
                 </a:solidFill>
               </a:defRPr>
             </a:lvl1pPr>
-            <a:lvl2pPr indent="-317500" lvl="1" marL="914400">
+            <a:lvl2pPr marL="914400" lvl="1" indent="-317500">
               <a:spcBef>
                 <a:spcPts val="1600"/>
               </a:spcBef>
@@ -5452,7 +5539,7 @@
                 </a:solidFill>
               </a:defRPr>
             </a:lvl2pPr>
-            <a:lvl3pPr indent="-317500" lvl="2" marL="1371600">
+            <a:lvl3pPr marL="1371600" lvl="2" indent="-317500">
               <a:spcBef>
                 <a:spcPts val="1600"/>
               </a:spcBef>
@@ -5470,7 +5557,7 @@
                 </a:solidFill>
               </a:defRPr>
             </a:lvl3pPr>
-            <a:lvl4pPr indent="-317500" lvl="3" marL="1828800">
+            <a:lvl4pPr marL="1828800" lvl="3" indent="-317500">
               <a:spcBef>
                 <a:spcPts val="1600"/>
               </a:spcBef>
@@ -5488,7 +5575,7 @@
                 </a:solidFill>
               </a:defRPr>
             </a:lvl4pPr>
-            <a:lvl5pPr indent="-317500" lvl="4" marL="2286000">
+            <a:lvl5pPr marL="2286000" lvl="4" indent="-317500">
               <a:spcBef>
                 <a:spcPts val="1600"/>
               </a:spcBef>
@@ -5506,7 +5593,7 @@
                 </a:solidFill>
               </a:defRPr>
             </a:lvl5pPr>
-            <a:lvl6pPr indent="-317500" lvl="5" marL="2743200">
+            <a:lvl6pPr marL="2743200" lvl="5" indent="-317500">
               <a:spcBef>
                 <a:spcPts val="1600"/>
               </a:spcBef>
@@ -5524,7 +5611,7 @@
                 </a:solidFill>
               </a:defRPr>
             </a:lvl6pPr>
-            <a:lvl7pPr indent="-317500" lvl="6" marL="3200400">
+            <a:lvl7pPr marL="3200400" lvl="6" indent="-317500">
               <a:spcBef>
                 <a:spcPts val="1600"/>
               </a:spcBef>
@@ -5542,7 +5629,7 @@
                 </a:solidFill>
               </a:defRPr>
             </a:lvl7pPr>
-            <a:lvl8pPr indent="-317500" lvl="7" marL="3657600">
+            <a:lvl8pPr marL="3657600" lvl="7" indent="-317500">
               <a:spcBef>
                 <a:spcPts val="1600"/>
               </a:spcBef>
@@ -5560,7 +5647,7 @@
                 </a:solidFill>
               </a:defRPr>
             </a:lvl8pPr>
-            <a:lvl9pPr indent="-317500" lvl="8" marL="4114800">
+            <a:lvl9pPr marL="4114800" lvl="8" indent="-317500">
               <a:spcBef>
                 <a:spcPts val="1600"/>
               </a:spcBef>
@@ -5579,15 +5666,19 @@
               </a:defRPr>
             </a:lvl9pPr>
           </a:lstStyle>
-          <a:p/>
+          <a:p>
+            <a:endParaRPr/>
+          </a:p>
         </p:txBody>
       </p:sp>
       <p:sp>
         <p:nvSpPr>
           <p:cNvPr id="51" name="Google Shape;51;p9"/>
-          <p:cNvSpPr txBox="1"/>
+          <p:cNvSpPr txBox="1">
+            <a:spLocks noGrp="1"/>
+          </p:cNvSpPr>
           <p:nvPr>
-            <p:ph idx="12" type="sldNum"/>
+            <p:ph type="sldNum" idx="12"/>
           </p:nvPr>
         </p:nvSpPr>
         <p:spPr>
@@ -5600,7 +5691,7 @@
           </a:prstGeom>
         </p:spPr>
         <p:txBody>
-          <a:bodyPr anchorCtr="0" anchor="ctr" bIns="91425" lIns="91425" spcFirstLastPara="1" rIns="91425" wrap="square" tIns="91425">
+          <a:bodyPr spcFirstLastPara="1" wrap="square" lIns="91425" tIns="91425" rIns="91425" bIns="91425" anchor="ctr" anchorCtr="0">
             <a:noAutofit/>
           </a:bodyPr>
           <a:lstStyle>
@@ -5678,7 +5769,7 @@
             </a:lvl9pPr>
           </a:lstStyle>
           <a:p>
-            <a:pPr indent="0" lvl="0" marL="0" rtl="0" algn="r">
+            <a:pPr marL="0" lvl="0" indent="0" algn="r" rtl="0">
               <a:spcBef>
                 <a:spcPts val="0"/>
               </a:spcBef>
@@ -5704,11 +5795,11 @@
 </file>
 
 <file path=ppt/slideLayouts/slideLayout9.xml><?xml version="1.0" encoding="utf-8"?>
-<p:sldLayout xmlns:a="http://schemas.openxmlformats.org/drawingml/2006/main" xmlns:r="http://schemas.openxmlformats.org/officeDocument/2006/relationships" xmlns:mc="http://schemas.openxmlformats.org/markup-compatibility/2006" xmlns:mv="urn:schemas-microsoft-com:mac:vml" xmlns:p="http://schemas.openxmlformats.org/presentationml/2006/main" xmlns:c="http://schemas.openxmlformats.org/drawingml/2006/chart" xmlns:dgm="http://schemas.openxmlformats.org/drawingml/2006/diagram" xmlns:o="urn:schemas-microsoft-com:office:office" xmlns:v="urn:schemas-microsoft-com:vml" xmlns:pvml="urn:schemas-microsoft-com:office:powerpoint" xmlns:com="http://schemas.openxmlformats.org/drawingml/2006/compatibility" xmlns:p14="http://schemas.microsoft.com/office/powerpoint/2010/main" xmlns:p15="http://schemas.microsoft.com/office/powerpoint/2012/main" matchingName="Caption">
+<p:sldLayout xmlns:a="http://schemas.openxmlformats.org/drawingml/2006/main" xmlns:r="http://schemas.openxmlformats.org/officeDocument/2006/relationships" xmlns:p="http://schemas.openxmlformats.org/presentationml/2006/main" matchingName="Caption">
   <p:cSld name="CAPTION_ONLY">
     <p:spTree>
       <p:nvGrpSpPr>
-        <p:cNvPr id="52" name="Shape 52"/>
+        <p:cNvPr id="1" name="Shape 52"/>
         <p:cNvGrpSpPr/>
         <p:nvPr/>
       </p:nvGrpSpPr>
@@ -5727,7 +5818,7 @@
           <p:nvPr/>
         </p:nvSpPr>
         <p:spPr>
-          <a:xfrm flipH="1" rot="10800000">
+          <a:xfrm rot="10800000" flipH="1">
             <a:off x="0" y="0"/>
             <a:ext cx="9144000" cy="4695900"/>
           </a:xfrm>
@@ -5742,12 +5833,12 @@
           </a:ln>
         </p:spPr>
         <p:txBody>
-          <a:bodyPr anchorCtr="0" anchor="ctr" bIns="91425" lIns="91425" spcFirstLastPara="1" rIns="91425" wrap="square" tIns="91425">
+          <a:bodyPr spcFirstLastPara="1" wrap="square" lIns="91425" tIns="91425" rIns="91425" bIns="91425" anchor="ctr" anchorCtr="0">
             <a:noAutofit/>
           </a:bodyPr>
           <a:lstStyle/>
           <a:p>
-            <a:pPr indent="0" lvl="0" marL="0" rtl="0" algn="l">
+            <a:pPr marL="0" lvl="0" indent="0" algn="l" rtl="0">
               <a:spcBef>
                 <a:spcPts val="0"/>
               </a:spcBef>
@@ -5756,9 +5847,6 @@
               </a:spcAft>
               <a:buNone/>
             </a:pPr>
-            <a:r>
-              <a:t/>
-            </a:r>
             <a:endParaRPr/>
           </a:p>
         </p:txBody>
@@ -5770,7 +5858,7 @@
           <p:nvPr/>
         </p:nvSpPr>
         <p:spPr>
-          <a:xfrm flipH="1" rot="10800000">
+          <a:xfrm rot="10800000" flipH="1">
             <a:off x="0" y="4622725"/>
             <a:ext cx="9144000" cy="74100"/>
           </a:xfrm>
@@ -5799,12 +5887,12 @@
           </a:ln>
         </p:spPr>
         <p:txBody>
-          <a:bodyPr anchorCtr="0" anchor="ctr" bIns="91425" lIns="91425" spcFirstLastPara="1" rIns="91425" wrap="square" tIns="91425">
+          <a:bodyPr spcFirstLastPara="1" wrap="square" lIns="91425" tIns="91425" rIns="91425" bIns="91425" anchor="ctr" anchorCtr="0">
             <a:noAutofit/>
           </a:bodyPr>
           <a:lstStyle/>
           <a:p>
-            <a:pPr indent="0" lvl="0" marL="0" rtl="0" algn="l">
+            <a:pPr marL="0" lvl="0" indent="0" algn="l" rtl="0">
               <a:spcBef>
                 <a:spcPts val="0"/>
               </a:spcBef>
@@ -5813,9 +5901,6 @@
               </a:spcAft>
               <a:buNone/>
             </a:pPr>
-            <a:r>
-              <a:t/>
-            </a:r>
             <a:endParaRPr/>
           </a:p>
         </p:txBody>
@@ -5823,9 +5908,11 @@
       <p:sp>
         <p:nvSpPr>
           <p:cNvPr id="55" name="Google Shape;55;p10"/>
-          <p:cNvSpPr txBox="1"/>
+          <p:cNvSpPr txBox="1">
+            <a:spLocks noGrp="1"/>
+          </p:cNvSpPr>
           <p:nvPr>
-            <p:ph idx="1" type="body"/>
+            <p:ph type="body" idx="1"/>
           </p:nvPr>
         </p:nvSpPr>
         <p:spPr>
@@ -5838,9 +5925,9 @@
           </a:prstGeom>
         </p:spPr>
         <p:txBody>
-          <a:bodyPr anchorCtr="0" anchor="ctr" bIns="91425" lIns="91425" spcFirstLastPara="1" rIns="91425" wrap="square" tIns="91425"/>
+          <a:bodyPr spcFirstLastPara="1" wrap="square" lIns="91425" tIns="91425" rIns="91425" bIns="91425" anchor="ctr" anchorCtr="0"/>
           <a:lstStyle>
-            <a:lvl1pPr indent="-228600" lvl="0" marL="457200">
+            <a:lvl1pPr marL="457200" lvl="0" indent="-228600">
               <a:lnSpc>
                 <a:spcPct val="100000"/>
               </a:lnSpc>
@@ -5862,15 +5949,19 @@
               </a:defRPr>
             </a:lvl1pPr>
           </a:lstStyle>
-          <a:p/>
+          <a:p>
+            <a:endParaRPr/>
+          </a:p>
         </p:txBody>
       </p:sp>
       <p:sp>
         <p:nvSpPr>
           <p:cNvPr id="56" name="Google Shape;56;p10"/>
-          <p:cNvSpPr txBox="1"/>
+          <p:cNvSpPr txBox="1">
+            <a:spLocks noGrp="1"/>
+          </p:cNvSpPr>
           <p:nvPr>
-            <p:ph idx="12" type="sldNum"/>
+            <p:ph type="sldNum" idx="12"/>
           </p:nvPr>
         </p:nvSpPr>
         <p:spPr>
@@ -5883,7 +5974,7 @@
           </a:prstGeom>
         </p:spPr>
         <p:txBody>
-          <a:bodyPr anchorCtr="0" anchor="ctr" bIns="91425" lIns="91425" spcFirstLastPara="1" rIns="91425" wrap="square" tIns="91425">
+          <a:bodyPr spcFirstLastPara="1" wrap="square" lIns="91425" tIns="91425" rIns="91425" bIns="91425" anchor="ctr" anchorCtr="0">
             <a:noAutofit/>
           </a:bodyPr>
           <a:lstStyle>
@@ -5961,7 +6052,7 @@
             </a:lvl9pPr>
           </a:lstStyle>
           <a:p>
-            <a:pPr indent="0" lvl="0" marL="0" rtl="0" algn="r">
+            <a:pPr marL="0" lvl="0" indent="0" algn="r" rtl="0">
               <a:spcBef>
                 <a:spcPts val="0"/>
               </a:spcBef>
@@ -5987,18 +6078,19 @@
 </file>
 
 <file path=ppt/slideMasters/slideMaster1.xml><?xml version="1.0" encoding="utf-8"?>
-<p:sldMaster xmlns:a="http://schemas.openxmlformats.org/drawingml/2006/main" xmlns:r="http://schemas.openxmlformats.org/officeDocument/2006/relationships" xmlns:mc="http://schemas.openxmlformats.org/markup-compatibility/2006" xmlns:mv="urn:schemas-microsoft-com:mac:vml" xmlns:p="http://schemas.openxmlformats.org/presentationml/2006/main" xmlns:c="http://schemas.openxmlformats.org/drawingml/2006/chart" xmlns:dgm="http://schemas.openxmlformats.org/drawingml/2006/diagram" xmlns:o="urn:schemas-microsoft-com:office:office" xmlns:v="urn:schemas-microsoft-com:vml" xmlns:pvml="urn:schemas-microsoft-com:office:powerpoint" xmlns:com="http://schemas.openxmlformats.org/drawingml/2006/compatibility" xmlns:p14="http://schemas.microsoft.com/office/powerpoint/2010/main" xmlns:p15="http://schemas.microsoft.com/office/powerpoint/2012/main">
+<p:sldMaster xmlns:a="http://schemas.openxmlformats.org/drawingml/2006/main" xmlns:r="http://schemas.openxmlformats.org/officeDocument/2006/relationships" xmlns:p="http://schemas.openxmlformats.org/presentationml/2006/main">
   <p:cSld name="material">
     <p:bg>
       <p:bgPr>
         <a:solidFill>
           <a:schemeClr val="dk1"/>
         </a:solidFill>
+        <a:effectLst/>
       </p:bgPr>
     </p:bg>
     <p:spTree>
       <p:nvGrpSpPr>
-        <p:cNvPr id="5" name="Shape 5"/>
+        <p:cNvPr id="1" name="Shape 5"/>
         <p:cNvGrpSpPr/>
         <p:nvPr/>
       </p:nvGrpSpPr>
@@ -6013,7 +6105,9 @@
       <p:sp>
         <p:nvSpPr>
           <p:cNvPr id="6" name="Google Shape;6;p1"/>
-          <p:cNvSpPr txBox="1"/>
+          <p:cNvSpPr txBox="1">
+            <a:spLocks noGrp="1"/>
+          </p:cNvSpPr>
           <p:nvPr>
             <p:ph type="title"/>
           </p:nvPr>
@@ -6032,7 +6126,7 @@
           </a:ln>
         </p:spPr>
         <p:txBody>
-          <a:bodyPr anchorCtr="0" anchor="b" bIns="91425" lIns="91425" spcFirstLastPara="1" rIns="91425" wrap="square" tIns="91425"/>
+          <a:bodyPr spcFirstLastPara="1" wrap="square" lIns="91425" tIns="91425" rIns="91425" bIns="91425" anchor="b" anchorCtr="0"/>
           <a:lstStyle>
             <a:lvl1pPr lvl="0">
               <a:spcBef>
@@ -6242,15 +6336,19 @@
               </a:defRPr>
             </a:lvl9pPr>
           </a:lstStyle>
-          <a:p/>
+          <a:p>
+            <a:endParaRPr/>
+          </a:p>
         </p:txBody>
       </p:sp>
       <p:sp>
         <p:nvSpPr>
           <p:cNvPr id="7" name="Google Shape;7;p1"/>
-          <p:cNvSpPr txBox="1"/>
+          <p:cNvSpPr txBox="1">
+            <a:spLocks noGrp="1"/>
+          </p:cNvSpPr>
           <p:nvPr>
-            <p:ph idx="1" type="body"/>
+            <p:ph type="body" idx="1"/>
           </p:nvPr>
         </p:nvSpPr>
         <p:spPr>
@@ -6267,9 +6365,9 @@
           </a:ln>
         </p:spPr>
         <p:txBody>
-          <a:bodyPr anchorCtr="0" anchor="t" bIns="91425" lIns="91425" spcFirstLastPara="1" rIns="91425" wrap="square" tIns="91425"/>
+          <a:bodyPr spcFirstLastPara="1" wrap="square" lIns="91425" tIns="91425" rIns="91425" bIns="91425" anchor="t" anchorCtr="0"/>
           <a:lstStyle>
-            <a:lvl1pPr indent="-342900" lvl="0" marL="457200">
+            <a:lvl1pPr marL="457200" lvl="0" indent="-342900">
               <a:lnSpc>
                 <a:spcPct val="115000"/>
               </a:lnSpc>
@@ -6295,7 +6393,7 @@
                 <a:sym typeface="Roboto"/>
               </a:defRPr>
             </a:lvl1pPr>
-            <a:lvl2pPr indent="-317500" lvl="1" marL="914400">
+            <a:lvl2pPr marL="914400" lvl="1" indent="-317500">
               <a:lnSpc>
                 <a:spcPct val="115000"/>
               </a:lnSpc>
@@ -6321,7 +6419,7 @@
                 <a:sym typeface="Roboto"/>
               </a:defRPr>
             </a:lvl2pPr>
-            <a:lvl3pPr indent="-317500" lvl="2" marL="1371600">
+            <a:lvl3pPr marL="1371600" lvl="2" indent="-317500">
               <a:lnSpc>
                 <a:spcPct val="115000"/>
               </a:lnSpc>
@@ -6347,7 +6445,7 @@
                 <a:sym typeface="Roboto"/>
               </a:defRPr>
             </a:lvl3pPr>
-            <a:lvl4pPr indent="-317500" lvl="3" marL="1828800">
+            <a:lvl4pPr marL="1828800" lvl="3" indent="-317500">
               <a:lnSpc>
                 <a:spcPct val="115000"/>
               </a:lnSpc>
@@ -6373,7 +6471,7 @@
                 <a:sym typeface="Roboto"/>
               </a:defRPr>
             </a:lvl4pPr>
-            <a:lvl5pPr indent="-317500" lvl="4" marL="2286000">
+            <a:lvl5pPr marL="2286000" lvl="4" indent="-317500">
               <a:lnSpc>
                 <a:spcPct val="115000"/>
               </a:lnSpc>
@@ -6399,7 +6497,7 @@
                 <a:sym typeface="Roboto"/>
               </a:defRPr>
             </a:lvl5pPr>
-            <a:lvl6pPr indent="-317500" lvl="5" marL="2743200">
+            <a:lvl6pPr marL="2743200" lvl="5" indent="-317500">
               <a:lnSpc>
                 <a:spcPct val="115000"/>
               </a:lnSpc>
@@ -6425,7 +6523,7 @@
                 <a:sym typeface="Roboto"/>
               </a:defRPr>
             </a:lvl6pPr>
-            <a:lvl7pPr indent="-317500" lvl="6" marL="3200400">
+            <a:lvl7pPr marL="3200400" lvl="6" indent="-317500">
               <a:lnSpc>
                 <a:spcPct val="115000"/>
               </a:lnSpc>
@@ -6451,7 +6549,7 @@
                 <a:sym typeface="Roboto"/>
               </a:defRPr>
             </a:lvl7pPr>
-            <a:lvl8pPr indent="-317500" lvl="7" marL="3657600">
+            <a:lvl8pPr marL="3657600" lvl="7" indent="-317500">
               <a:lnSpc>
                 <a:spcPct val="115000"/>
               </a:lnSpc>
@@ -6477,7 +6575,7 @@
                 <a:sym typeface="Roboto"/>
               </a:defRPr>
             </a:lvl8pPr>
-            <a:lvl9pPr indent="-317500" lvl="8" marL="4114800">
+            <a:lvl9pPr marL="4114800" lvl="8" indent="-317500">
               <a:lnSpc>
                 <a:spcPct val="115000"/>
               </a:lnSpc>
@@ -6504,15 +6602,19 @@
               </a:defRPr>
             </a:lvl9pPr>
           </a:lstStyle>
-          <a:p/>
+          <a:p>
+            <a:endParaRPr/>
+          </a:p>
         </p:txBody>
       </p:sp>
       <p:sp>
         <p:nvSpPr>
           <p:cNvPr id="8" name="Google Shape;8;p1"/>
-          <p:cNvSpPr txBox="1"/>
+          <p:cNvSpPr txBox="1">
+            <a:spLocks noGrp="1"/>
+          </p:cNvSpPr>
           <p:nvPr>
-            <p:ph idx="12" type="sldNum"/>
+            <p:ph type="sldNum" idx="12"/>
           </p:nvPr>
         </p:nvSpPr>
         <p:spPr>
@@ -6529,7 +6631,7 @@
           </a:ln>
         </p:spPr>
         <p:txBody>
-          <a:bodyPr anchorCtr="0" anchor="ctr" bIns="91425" lIns="91425" spcFirstLastPara="1" rIns="91425" wrap="square" tIns="91425">
+          <a:bodyPr spcFirstLastPara="1" wrap="square" lIns="91425" tIns="91425" rIns="91425" bIns="91425" anchor="ctr" anchorCtr="0">
             <a:noAutofit/>
           </a:bodyPr>
           <a:lstStyle>
@@ -6643,7 +6745,7 @@
             </a:lvl9pPr>
           </a:lstStyle>
           <a:p>
-            <a:pPr indent="0" lvl="0" marL="0" rtl="0" algn="r">
+            <a:pPr marL="0" lvl="0" indent="0" algn="r" rtl="0">
               <a:spcBef>
                 <a:spcPts val="0"/>
               </a:spcBef>
@@ -6662,7 +6764,7 @@
       </p:sp>
     </p:spTree>
   </p:cSld>
-  <p:clrMap accent1="accent1" accent2="accent2" accent3="accent3" accent4="accent4" accent5="accent5" accent6="accent6" bg1="lt1" bg2="dk2" tx1="dk1" tx2="lt2" folHlink="folHlink" hlink="hlink"/>
+  <p:clrMap bg1="lt1" tx1="dk1" bg2="dk2" tx2="lt2" accent1="accent1" accent2="accent2" accent3="accent3" accent4="accent4" accent5="accent5" accent6="accent6" hlink="hlink" folHlink="folHlink"/>
   <p:sldLayoutIdLst>
     <p:sldLayoutId id="2147483648" r:id="rId1"/>
     <p:sldLayoutId id="2147483649" r:id="rId2"/>
@@ -6676,10 +6778,10 @@
     <p:sldLayoutId id="2147483657" r:id="rId10"/>
     <p:sldLayoutId id="2147483658" r:id="rId11"/>
   </p:sldLayoutIdLst>
-  <p:hf dt="0" ftr="0" hdr="0" sldNum="0"/>
+  <p:hf sldNum="0" hdr="0" ftr="0" dt="0"/>
   <p:txStyles>
     <p:titleStyle>
-      <a:defPPr lvl="0" marR="0" rtl="0" algn="l">
+      <a:defPPr marR="0" lvl="0" algn="l" rtl="0">
         <a:lnSpc>
           <a:spcPct val="100000"/>
         </a:lnSpc>
@@ -6690,7 +6792,7 @@
           <a:spcPts val="0"/>
         </a:spcAft>
       </a:defPPr>
-      <a:lvl1pPr lvl="0" marR="0" rtl="0" algn="l">
+      <a:lvl1pPr marR="0" lvl="0" algn="l" rtl="0">
         <a:lnSpc>
           <a:spcPct val="100000"/>
         </a:lnSpc>
@@ -6704,7 +6806,7 @@
           <a:srgbClr val="000000"/>
         </a:buClr>
         <a:buFont typeface="Arial"/>
-        <a:defRPr b="0" i="0" sz="1400" u="none" cap="none" strike="noStrike">
+        <a:defRPr sz="1400" b="0" i="0" u="none" strike="noStrike" cap="none">
           <a:solidFill>
             <a:srgbClr val="000000"/>
           </a:solidFill>
@@ -6714,7 +6816,7 @@
           <a:sym typeface="Arial"/>
         </a:defRPr>
       </a:lvl1pPr>
-      <a:lvl2pPr lvl="1" marR="0" rtl="0" algn="l">
+      <a:lvl2pPr marR="0" lvl="1" algn="l" rtl="0">
         <a:lnSpc>
           <a:spcPct val="100000"/>
         </a:lnSpc>
@@ -6728,7 +6830,7 @@
           <a:srgbClr val="000000"/>
         </a:buClr>
         <a:buFont typeface="Arial"/>
-        <a:defRPr b="0" i="0" sz="1400" u="none" cap="none" strike="noStrike">
+        <a:defRPr sz="1400" b="0" i="0" u="none" strike="noStrike" cap="none">
           <a:solidFill>
             <a:srgbClr val="000000"/>
           </a:solidFill>
@@ -6738,7 +6840,7 @@
           <a:sym typeface="Arial"/>
         </a:defRPr>
       </a:lvl2pPr>
-      <a:lvl3pPr lvl="2" marR="0" rtl="0" algn="l">
+      <a:lvl3pPr marR="0" lvl="2" algn="l" rtl="0">
         <a:lnSpc>
           <a:spcPct val="100000"/>
         </a:lnSpc>
@@ -6752,7 +6854,7 @@
           <a:srgbClr val="000000"/>
         </a:buClr>
         <a:buFont typeface="Arial"/>
-        <a:defRPr b="0" i="0" sz="1400" u="none" cap="none" strike="noStrike">
+        <a:defRPr sz="1400" b="0" i="0" u="none" strike="noStrike" cap="none">
           <a:solidFill>
             <a:srgbClr val="000000"/>
           </a:solidFill>
@@ -6762,7 +6864,7 @@
           <a:sym typeface="Arial"/>
         </a:defRPr>
       </a:lvl3pPr>
-      <a:lvl4pPr lvl="3" marR="0" rtl="0" algn="l">
+      <a:lvl4pPr marR="0" lvl="3" algn="l" rtl="0">
         <a:lnSpc>
           <a:spcPct val="100000"/>
         </a:lnSpc>
@@ -6776,7 +6878,7 @@
           <a:srgbClr val="000000"/>
         </a:buClr>
         <a:buFont typeface="Arial"/>
-        <a:defRPr b="0" i="0" sz="1400" u="none" cap="none" strike="noStrike">
+        <a:defRPr sz="1400" b="0" i="0" u="none" strike="noStrike" cap="none">
           <a:solidFill>
             <a:srgbClr val="000000"/>
           </a:solidFill>
@@ -6786,7 +6888,7 @@
           <a:sym typeface="Arial"/>
         </a:defRPr>
       </a:lvl4pPr>
-      <a:lvl5pPr lvl="4" marR="0" rtl="0" algn="l">
+      <a:lvl5pPr marR="0" lvl="4" algn="l" rtl="0">
         <a:lnSpc>
           <a:spcPct val="100000"/>
         </a:lnSpc>
@@ -6800,7 +6902,7 @@
           <a:srgbClr val="000000"/>
         </a:buClr>
         <a:buFont typeface="Arial"/>
-        <a:defRPr b="0" i="0" sz="1400" u="none" cap="none" strike="noStrike">
+        <a:defRPr sz="1400" b="0" i="0" u="none" strike="noStrike" cap="none">
           <a:solidFill>
             <a:srgbClr val="000000"/>
           </a:solidFill>
@@ -6810,7 +6912,7 @@
           <a:sym typeface="Arial"/>
         </a:defRPr>
       </a:lvl5pPr>
-      <a:lvl6pPr lvl="5" marR="0" rtl="0" algn="l">
+      <a:lvl6pPr marR="0" lvl="5" algn="l" rtl="0">
         <a:lnSpc>
           <a:spcPct val="100000"/>
         </a:lnSpc>
@@ -6824,7 +6926,7 @@
           <a:srgbClr val="000000"/>
         </a:buClr>
         <a:buFont typeface="Arial"/>
-        <a:defRPr b="0" i="0" sz="1400" u="none" cap="none" strike="noStrike">
+        <a:defRPr sz="1400" b="0" i="0" u="none" strike="noStrike" cap="none">
           <a:solidFill>
             <a:srgbClr val="000000"/>
           </a:solidFill>
@@ -6834,7 +6936,7 @@
           <a:sym typeface="Arial"/>
         </a:defRPr>
       </a:lvl6pPr>
-      <a:lvl7pPr lvl="6" marR="0" rtl="0" algn="l">
+      <a:lvl7pPr marR="0" lvl="6" algn="l" rtl="0">
         <a:lnSpc>
           <a:spcPct val="100000"/>
         </a:lnSpc>
@@ -6848,7 +6950,7 @@
           <a:srgbClr val="000000"/>
         </a:buClr>
         <a:buFont typeface="Arial"/>
-        <a:defRPr b="0" i="0" sz="1400" u="none" cap="none" strike="noStrike">
+        <a:defRPr sz="1400" b="0" i="0" u="none" strike="noStrike" cap="none">
           <a:solidFill>
             <a:srgbClr val="000000"/>
           </a:solidFill>
@@ -6858,7 +6960,7 @@
           <a:sym typeface="Arial"/>
         </a:defRPr>
       </a:lvl7pPr>
-      <a:lvl8pPr lvl="7" marR="0" rtl="0" algn="l">
+      <a:lvl8pPr marR="0" lvl="7" algn="l" rtl="0">
         <a:lnSpc>
           <a:spcPct val="100000"/>
         </a:lnSpc>
@@ -6872,7 +6974,7 @@
           <a:srgbClr val="000000"/>
         </a:buClr>
         <a:buFont typeface="Arial"/>
-        <a:defRPr b="0" i="0" sz="1400" u="none" cap="none" strike="noStrike">
+        <a:defRPr sz="1400" b="0" i="0" u="none" strike="noStrike" cap="none">
           <a:solidFill>
             <a:srgbClr val="000000"/>
           </a:solidFill>
@@ -6882,7 +6984,7 @@
           <a:sym typeface="Arial"/>
         </a:defRPr>
       </a:lvl8pPr>
-      <a:lvl9pPr lvl="8" marR="0" rtl="0" algn="l">
+      <a:lvl9pPr marR="0" lvl="8" algn="l" rtl="0">
         <a:lnSpc>
           <a:spcPct val="100000"/>
         </a:lnSpc>
@@ -6896,7 +6998,7 @@
           <a:srgbClr val="000000"/>
         </a:buClr>
         <a:buFont typeface="Arial"/>
-        <a:defRPr b="0" i="0" sz="1400" u="none" cap="none" strike="noStrike">
+        <a:defRPr sz="1400" b="0" i="0" u="none" strike="noStrike" cap="none">
           <a:solidFill>
             <a:srgbClr val="000000"/>
           </a:solidFill>
@@ -6908,7 +7010,7 @@
       </a:lvl9pPr>
     </p:titleStyle>
     <p:bodyStyle>
-      <a:defPPr lvl="0" marR="0" rtl="0" algn="l">
+      <a:defPPr marR="0" lvl="0" algn="l" rtl="0">
         <a:lnSpc>
           <a:spcPct val="100000"/>
         </a:lnSpc>
@@ -6919,7 +7021,7 @@
           <a:spcPts val="0"/>
         </a:spcAft>
       </a:defPPr>
-      <a:lvl1pPr lvl="0" marR="0" rtl="0" algn="l">
+      <a:lvl1pPr marR="0" lvl="0" algn="l" rtl="0">
         <a:lnSpc>
           <a:spcPct val="100000"/>
         </a:lnSpc>
@@ -6933,7 +7035,7 @@
           <a:srgbClr val="000000"/>
         </a:buClr>
         <a:buFont typeface="Arial"/>
-        <a:defRPr b="0" i="0" sz="1400" u="none" cap="none" strike="noStrike">
+        <a:defRPr sz="1400" b="0" i="0" u="none" strike="noStrike" cap="none">
           <a:solidFill>
             <a:srgbClr val="000000"/>
           </a:solidFill>
@@ -6943,7 +7045,7 @@
           <a:sym typeface="Arial"/>
         </a:defRPr>
       </a:lvl1pPr>
-      <a:lvl2pPr lvl="1" marR="0" rtl="0" algn="l">
+      <a:lvl2pPr marR="0" lvl="1" algn="l" rtl="0">
         <a:lnSpc>
           <a:spcPct val="100000"/>
         </a:lnSpc>
@@ -6957,7 +7059,7 @@
           <a:srgbClr val="000000"/>
         </a:buClr>
         <a:buFont typeface="Arial"/>
-        <a:defRPr b="0" i="0" sz="1400" u="none" cap="none" strike="noStrike">
+        <a:defRPr sz="1400" b="0" i="0" u="none" strike="noStrike" cap="none">
           <a:solidFill>
             <a:srgbClr val="000000"/>
           </a:solidFill>
@@ -6967,7 +7069,7 @@
           <a:sym typeface="Arial"/>
         </a:defRPr>
       </a:lvl2pPr>
-      <a:lvl3pPr lvl="2" marR="0" rtl="0" algn="l">
+      <a:lvl3pPr marR="0" lvl="2" algn="l" rtl="0">
         <a:lnSpc>
           <a:spcPct val="100000"/>
         </a:lnSpc>
@@ -6981,7 +7083,7 @@
           <a:srgbClr val="000000"/>
         </a:buClr>
         <a:buFont typeface="Arial"/>
-        <a:defRPr b="0" i="0" sz="1400" u="none" cap="none" strike="noStrike">
+        <a:defRPr sz="1400" b="0" i="0" u="none" strike="noStrike" cap="none">
           <a:solidFill>
             <a:srgbClr val="000000"/>
           </a:solidFill>
@@ -6991,7 +7093,7 @@
           <a:sym typeface="Arial"/>
         </a:defRPr>
       </a:lvl3pPr>
-      <a:lvl4pPr lvl="3" marR="0" rtl="0" algn="l">
+      <a:lvl4pPr marR="0" lvl="3" algn="l" rtl="0">
         <a:lnSpc>
           <a:spcPct val="100000"/>
         </a:lnSpc>
@@ -7005,7 +7107,7 @@
           <a:srgbClr val="000000"/>
         </a:buClr>
         <a:buFont typeface="Arial"/>
-        <a:defRPr b="0" i="0" sz="1400" u="none" cap="none" strike="noStrike">
+        <a:defRPr sz="1400" b="0" i="0" u="none" strike="noStrike" cap="none">
           <a:solidFill>
             <a:srgbClr val="000000"/>
           </a:solidFill>
@@ -7015,7 +7117,7 @@
           <a:sym typeface="Arial"/>
         </a:defRPr>
       </a:lvl4pPr>
-      <a:lvl5pPr lvl="4" marR="0" rtl="0" algn="l">
+      <a:lvl5pPr marR="0" lvl="4" algn="l" rtl="0">
         <a:lnSpc>
           <a:spcPct val="100000"/>
         </a:lnSpc>
@@ -7029,7 +7131,7 @@
           <a:srgbClr val="000000"/>
         </a:buClr>
         <a:buFont typeface="Arial"/>
-        <a:defRPr b="0" i="0" sz="1400" u="none" cap="none" strike="noStrike">
+        <a:defRPr sz="1400" b="0" i="0" u="none" strike="noStrike" cap="none">
           <a:solidFill>
             <a:srgbClr val="000000"/>
           </a:solidFill>
@@ -7039,7 +7141,7 @@
           <a:sym typeface="Arial"/>
         </a:defRPr>
       </a:lvl5pPr>
-      <a:lvl6pPr lvl="5" marR="0" rtl="0" algn="l">
+      <a:lvl6pPr marR="0" lvl="5" algn="l" rtl="0">
         <a:lnSpc>
           <a:spcPct val="100000"/>
         </a:lnSpc>
@@ -7053,7 +7155,7 @@
           <a:srgbClr val="000000"/>
         </a:buClr>
         <a:buFont typeface="Arial"/>
-        <a:defRPr b="0" i="0" sz="1400" u="none" cap="none" strike="noStrike">
+        <a:defRPr sz="1400" b="0" i="0" u="none" strike="noStrike" cap="none">
           <a:solidFill>
             <a:srgbClr val="000000"/>
           </a:solidFill>
@@ -7063,7 +7165,7 @@
           <a:sym typeface="Arial"/>
         </a:defRPr>
       </a:lvl6pPr>
-      <a:lvl7pPr lvl="6" marR="0" rtl="0" algn="l">
+      <a:lvl7pPr marR="0" lvl="6" algn="l" rtl="0">
         <a:lnSpc>
           <a:spcPct val="100000"/>
         </a:lnSpc>
@@ -7077,7 +7179,7 @@
           <a:srgbClr val="000000"/>
         </a:buClr>
         <a:buFont typeface="Arial"/>
-        <a:defRPr b="0" i="0" sz="1400" u="none" cap="none" strike="noStrike">
+        <a:defRPr sz="1400" b="0" i="0" u="none" strike="noStrike" cap="none">
           <a:solidFill>
             <a:srgbClr val="000000"/>
           </a:solidFill>
@@ -7087,7 +7189,7 @@
           <a:sym typeface="Arial"/>
         </a:defRPr>
       </a:lvl7pPr>
-      <a:lvl8pPr lvl="7" marR="0" rtl="0" algn="l">
+      <a:lvl8pPr marR="0" lvl="7" algn="l" rtl="0">
         <a:lnSpc>
           <a:spcPct val="100000"/>
         </a:lnSpc>
@@ -7101,7 +7203,7 @@
           <a:srgbClr val="000000"/>
         </a:buClr>
         <a:buFont typeface="Arial"/>
-        <a:defRPr b="0" i="0" sz="1400" u="none" cap="none" strike="noStrike">
+        <a:defRPr sz="1400" b="0" i="0" u="none" strike="noStrike" cap="none">
           <a:solidFill>
             <a:srgbClr val="000000"/>
           </a:solidFill>
@@ -7111,7 +7213,7 @@
           <a:sym typeface="Arial"/>
         </a:defRPr>
       </a:lvl8pPr>
-      <a:lvl9pPr lvl="8" marR="0" rtl="0" algn="l">
+      <a:lvl9pPr marR="0" lvl="8" algn="l" rtl="0">
         <a:lnSpc>
           <a:spcPct val="100000"/>
         </a:lnSpc>
@@ -7125,7 +7227,7 @@
           <a:srgbClr val="000000"/>
         </a:buClr>
         <a:buFont typeface="Arial"/>
-        <a:defRPr b="0" i="0" sz="1400" u="none" cap="none" strike="noStrike">
+        <a:defRPr sz="1400" b="0" i="0" u="none" strike="noStrike" cap="none">
           <a:solidFill>
             <a:srgbClr val="000000"/>
           </a:solidFill>
@@ -7137,7 +7239,7 @@
       </a:lvl9pPr>
     </p:bodyStyle>
     <p:otherStyle>
-      <a:defPPr lvl="0" marR="0" rtl="0" algn="l">
+      <a:defPPr marR="0" lvl="0" algn="l" rtl="0">
         <a:lnSpc>
           <a:spcPct val="100000"/>
         </a:lnSpc>
@@ -7148,7 +7250,7 @@
           <a:spcPts val="0"/>
         </a:spcAft>
       </a:defPPr>
-      <a:lvl1pPr lvl="0" marR="0" rtl="0" algn="l">
+      <a:lvl1pPr marR="0" lvl="0" algn="l" rtl="0">
         <a:lnSpc>
           <a:spcPct val="100000"/>
         </a:lnSpc>
@@ -7162,7 +7264,7 @@
           <a:srgbClr val="000000"/>
         </a:buClr>
         <a:buFont typeface="Arial"/>
-        <a:defRPr b="0" i="0" sz="1400" u="none" cap="none" strike="noStrike">
+        <a:defRPr sz="1400" b="0" i="0" u="none" strike="noStrike" cap="none">
           <a:solidFill>
             <a:srgbClr val="000000"/>
           </a:solidFill>
@@ -7172,7 +7274,7 @@
           <a:sym typeface="Arial"/>
         </a:defRPr>
       </a:lvl1pPr>
-      <a:lvl2pPr lvl="1" marR="0" rtl="0" algn="l">
+      <a:lvl2pPr marR="0" lvl="1" algn="l" rtl="0">
         <a:lnSpc>
           <a:spcPct val="100000"/>
         </a:lnSpc>
@@ -7186,7 +7288,7 @@
           <a:srgbClr val="000000"/>
         </a:buClr>
         <a:buFont typeface="Arial"/>
-        <a:defRPr b="0" i="0" sz="1400" u="none" cap="none" strike="noStrike">
+        <a:defRPr sz="1400" b="0" i="0" u="none" strike="noStrike" cap="none">
           <a:solidFill>
             <a:srgbClr val="000000"/>
           </a:solidFill>
@@ -7196,7 +7298,7 @@
           <a:sym typeface="Arial"/>
         </a:defRPr>
       </a:lvl2pPr>
-      <a:lvl3pPr lvl="2" marR="0" rtl="0" algn="l">
+      <a:lvl3pPr marR="0" lvl="2" algn="l" rtl="0">
         <a:lnSpc>
           <a:spcPct val="100000"/>
         </a:lnSpc>
@@ -7210,7 +7312,7 @@
           <a:srgbClr val="000000"/>
         </a:buClr>
         <a:buFont typeface="Arial"/>
-        <a:defRPr b="0" i="0" sz="1400" u="none" cap="none" strike="noStrike">
+        <a:defRPr sz="1400" b="0" i="0" u="none" strike="noStrike" cap="none">
           <a:solidFill>
             <a:srgbClr val="000000"/>
           </a:solidFill>
@@ -7220,7 +7322,7 @@
           <a:sym typeface="Arial"/>
         </a:defRPr>
       </a:lvl3pPr>
-      <a:lvl4pPr lvl="3" marR="0" rtl="0" algn="l">
+      <a:lvl4pPr marR="0" lvl="3" algn="l" rtl="0">
         <a:lnSpc>
           <a:spcPct val="100000"/>
         </a:lnSpc>
@@ -7234,7 +7336,7 @@
           <a:srgbClr val="000000"/>
         </a:buClr>
         <a:buFont typeface="Arial"/>
-        <a:defRPr b="0" i="0" sz="1400" u="none" cap="none" strike="noStrike">
+        <a:defRPr sz="1400" b="0" i="0" u="none" strike="noStrike" cap="none">
           <a:solidFill>
             <a:srgbClr val="000000"/>
           </a:solidFill>
@@ -7244,7 +7346,7 @@
           <a:sym typeface="Arial"/>
         </a:defRPr>
       </a:lvl4pPr>
-      <a:lvl5pPr lvl="4" marR="0" rtl="0" algn="l">
+      <a:lvl5pPr marR="0" lvl="4" algn="l" rtl="0">
         <a:lnSpc>
           <a:spcPct val="100000"/>
         </a:lnSpc>
@@ -7258,7 +7360,7 @@
           <a:srgbClr val="000000"/>
         </a:buClr>
         <a:buFont typeface="Arial"/>
-        <a:defRPr b="0" i="0" sz="1400" u="none" cap="none" strike="noStrike">
+        <a:defRPr sz="1400" b="0" i="0" u="none" strike="noStrike" cap="none">
           <a:solidFill>
             <a:srgbClr val="000000"/>
           </a:solidFill>
@@ -7268,7 +7370,7 @@
           <a:sym typeface="Arial"/>
         </a:defRPr>
       </a:lvl5pPr>
-      <a:lvl6pPr lvl="5" marR="0" rtl="0" algn="l">
+      <a:lvl6pPr marR="0" lvl="5" algn="l" rtl="0">
         <a:lnSpc>
           <a:spcPct val="100000"/>
         </a:lnSpc>
@@ -7282,7 +7384,7 @@
           <a:srgbClr val="000000"/>
         </a:buClr>
         <a:buFont typeface="Arial"/>
-        <a:defRPr b="0" i="0" sz="1400" u="none" cap="none" strike="noStrike">
+        <a:defRPr sz="1400" b="0" i="0" u="none" strike="noStrike" cap="none">
           <a:solidFill>
             <a:srgbClr val="000000"/>
           </a:solidFill>
@@ -7292,7 +7394,7 @@
           <a:sym typeface="Arial"/>
         </a:defRPr>
       </a:lvl6pPr>
-      <a:lvl7pPr lvl="6" marR="0" rtl="0" algn="l">
+      <a:lvl7pPr marR="0" lvl="6" algn="l" rtl="0">
         <a:lnSpc>
           <a:spcPct val="100000"/>
         </a:lnSpc>
@@ -7306,7 +7408,7 @@
           <a:srgbClr val="000000"/>
         </a:buClr>
         <a:buFont typeface="Arial"/>
-        <a:defRPr b="0" i="0" sz="1400" u="none" cap="none" strike="noStrike">
+        <a:defRPr sz="1400" b="0" i="0" u="none" strike="noStrike" cap="none">
           <a:solidFill>
             <a:srgbClr val="000000"/>
           </a:solidFill>
@@ -7316,7 +7418,7 @@
           <a:sym typeface="Arial"/>
         </a:defRPr>
       </a:lvl7pPr>
-      <a:lvl8pPr lvl="7" marR="0" rtl="0" algn="l">
+      <a:lvl8pPr marR="0" lvl="7" algn="l" rtl="0">
         <a:lnSpc>
           <a:spcPct val="100000"/>
         </a:lnSpc>
@@ -7330,7 +7432,7 @@
           <a:srgbClr val="000000"/>
         </a:buClr>
         <a:buFont typeface="Arial"/>
-        <a:defRPr b="0" i="0" sz="1400" u="none" cap="none" strike="noStrike">
+        <a:defRPr sz="1400" b="0" i="0" u="none" strike="noStrike" cap="none">
           <a:solidFill>
             <a:srgbClr val="000000"/>
           </a:solidFill>
@@ -7340,7 +7442,7 @@
           <a:sym typeface="Arial"/>
         </a:defRPr>
       </a:lvl8pPr>
-      <a:lvl9pPr lvl="8" marR="0" rtl="0" algn="l">
+      <a:lvl9pPr marR="0" lvl="8" algn="l" rtl="0">
         <a:lnSpc>
           <a:spcPct val="100000"/>
         </a:lnSpc>
@@ -7354,7 +7456,7 @@
           <a:srgbClr val="000000"/>
         </a:buClr>
         <a:buFont typeface="Arial"/>
-        <a:defRPr b="0" i="0" sz="1400" u="none" cap="none" strike="noStrike">
+        <a:defRPr sz="1400" b="0" i="0" u="none" strike="noStrike" cap="none">
           <a:solidFill>
             <a:srgbClr val="000000"/>
           </a:solidFill>
@@ -7370,11 +7472,11 @@
 </file>
 
 <file path=ppt/slides/slide1.xml><?xml version="1.0" encoding="utf-8"?>
-<p:sld xmlns:a="http://schemas.openxmlformats.org/drawingml/2006/main" xmlns:r="http://schemas.openxmlformats.org/officeDocument/2006/relationships" xmlns:mc="http://schemas.openxmlformats.org/markup-compatibility/2006" xmlns:mv="urn:schemas-microsoft-com:mac:vml" xmlns:p="http://schemas.openxmlformats.org/presentationml/2006/main" xmlns:c="http://schemas.openxmlformats.org/drawingml/2006/chart" xmlns:dgm="http://schemas.openxmlformats.org/drawingml/2006/diagram" xmlns:o="urn:schemas-microsoft-com:office:office" xmlns:v="urn:schemas-microsoft-com:vml" xmlns:pvml="urn:schemas-microsoft-com:office:powerpoint" xmlns:com="http://schemas.openxmlformats.org/drawingml/2006/compatibility" xmlns:p14="http://schemas.microsoft.com/office/powerpoint/2010/main" xmlns:p15="http://schemas.microsoft.com/office/powerpoint/2012/main">
+<p:sld xmlns:a="http://schemas.openxmlformats.org/drawingml/2006/main" xmlns:r="http://schemas.openxmlformats.org/officeDocument/2006/relationships" xmlns:p="http://schemas.openxmlformats.org/presentationml/2006/main">
   <p:cSld>
     <p:spTree>
       <p:nvGrpSpPr>
-        <p:cNvPr id="66" name="Shape 66"/>
+        <p:cNvPr id="1" name="Shape 66"/>
         <p:cNvGrpSpPr/>
         <p:nvPr/>
       </p:nvGrpSpPr>
@@ -7389,9 +7491,11 @@
       <p:sp>
         <p:nvSpPr>
           <p:cNvPr id="67" name="Google Shape;67;p13"/>
-          <p:cNvSpPr txBox="1"/>
+          <p:cNvSpPr txBox="1">
+            <a:spLocks noGrp="1"/>
+          </p:cNvSpPr>
           <p:nvPr>
-            <p:ph idx="1" type="subTitle"/>
+            <p:ph type="subTitle" idx="1"/>
           </p:nvPr>
         </p:nvSpPr>
         <p:spPr>
@@ -7404,12 +7508,12 @@
           </a:prstGeom>
         </p:spPr>
         <p:txBody>
-          <a:bodyPr anchorCtr="0" anchor="t" bIns="91425" lIns="91425" spcFirstLastPara="1" rIns="91425" wrap="square" tIns="91425">
+          <a:bodyPr spcFirstLastPara="1" wrap="square" lIns="91425" tIns="91425" rIns="91425" bIns="91425" anchor="t" anchorCtr="0">
             <a:noAutofit/>
           </a:bodyPr>
           <a:lstStyle/>
           <a:p>
-            <a:pPr indent="0" lvl="0" marL="0" rtl="0" algn="l">
+            <a:pPr marL="0" lvl="0" indent="0" algn="l" rtl="0">
               <a:spcBef>
                 <a:spcPts val="0"/>
               </a:spcBef>
@@ -7420,15 +7524,7 @@
             </a:pPr>
             <a:r>
               <a:rPr lang="en" sz="2400"/>
-              <a:t>Introduction to Jenkins </a:t>
-            </a:r>
-            <a:r>
-              <a:rPr lang="en" sz="2400"/>
-              <a:t>Continuous</a:t>
-            </a:r>
-            <a:r>
-              <a:rPr lang="en" sz="2400"/>
-              <a:t> Deployment Pipeline</a:t>
+              <a:t>Introduction to Jenkins Continuous Deployment Pipeline</a:t>
             </a:r>
             <a:endParaRPr sz="2400"/>
           </a:p>
@@ -7471,11 +7567,11 @@
 </file>
 
 <file path=ppt/slides/slide2.xml><?xml version="1.0" encoding="utf-8"?>
-<p:sld xmlns:a="http://schemas.openxmlformats.org/drawingml/2006/main" xmlns:r="http://schemas.openxmlformats.org/officeDocument/2006/relationships" xmlns:mc="http://schemas.openxmlformats.org/markup-compatibility/2006" xmlns:mv="urn:schemas-microsoft-com:mac:vml" xmlns:p="http://schemas.openxmlformats.org/presentationml/2006/main" xmlns:c="http://schemas.openxmlformats.org/drawingml/2006/chart" xmlns:dgm="http://schemas.openxmlformats.org/drawingml/2006/diagram" xmlns:o="urn:schemas-microsoft-com:office:office" xmlns:v="urn:schemas-microsoft-com:vml" xmlns:pvml="urn:schemas-microsoft-com:office:powerpoint" xmlns:com="http://schemas.openxmlformats.org/drawingml/2006/compatibility" xmlns:p14="http://schemas.microsoft.com/office/powerpoint/2010/main" xmlns:p15="http://schemas.microsoft.com/office/powerpoint/2012/main">
+<p:sld xmlns:a="http://schemas.openxmlformats.org/drawingml/2006/main" xmlns:r="http://schemas.openxmlformats.org/officeDocument/2006/relationships" xmlns:p="http://schemas.openxmlformats.org/presentationml/2006/main">
   <p:cSld>
     <p:spTree>
       <p:nvGrpSpPr>
-        <p:cNvPr id="72" name="Shape 72"/>
+        <p:cNvPr id="1" name="Shape 72"/>
         <p:cNvGrpSpPr/>
         <p:nvPr/>
       </p:nvGrpSpPr>
@@ -7524,11 +7620,11 @@
 </file>
 
 <file path=ppt/slides/slide3.xml><?xml version="1.0" encoding="utf-8"?>
-<p:sld xmlns:a="http://schemas.openxmlformats.org/drawingml/2006/main" xmlns:r="http://schemas.openxmlformats.org/officeDocument/2006/relationships" xmlns:mc="http://schemas.openxmlformats.org/markup-compatibility/2006" xmlns:mv="urn:schemas-microsoft-com:mac:vml" xmlns:p="http://schemas.openxmlformats.org/presentationml/2006/main" xmlns:c="http://schemas.openxmlformats.org/drawingml/2006/chart" xmlns:dgm="http://schemas.openxmlformats.org/drawingml/2006/diagram" xmlns:o="urn:schemas-microsoft-com:office:office" xmlns:v="urn:schemas-microsoft-com:vml" xmlns:pvml="urn:schemas-microsoft-com:office:powerpoint" xmlns:com="http://schemas.openxmlformats.org/drawingml/2006/compatibility" xmlns:p14="http://schemas.microsoft.com/office/powerpoint/2010/main" xmlns:p15="http://schemas.microsoft.com/office/powerpoint/2012/main">
+<p:sld xmlns:a="http://schemas.openxmlformats.org/drawingml/2006/main" xmlns:r="http://schemas.openxmlformats.org/officeDocument/2006/relationships" xmlns:p="http://schemas.openxmlformats.org/presentationml/2006/main">
   <p:cSld>
     <p:spTree>
       <p:nvGrpSpPr>
-        <p:cNvPr id="77" name="Shape 77"/>
+        <p:cNvPr id="1" name="Shape 77"/>
         <p:cNvGrpSpPr/>
         <p:nvPr/>
       </p:nvGrpSpPr>
@@ -7543,7 +7639,9 @@
       <p:sp>
         <p:nvSpPr>
           <p:cNvPr id="78" name="Google Shape;78;p15"/>
-          <p:cNvSpPr txBox="1"/>
+          <p:cNvSpPr txBox="1">
+            <a:spLocks noGrp="1"/>
+          </p:cNvSpPr>
           <p:nvPr>
             <p:ph type="title"/>
           </p:nvPr>
@@ -7558,12 +7656,12 @@
           </a:prstGeom>
         </p:spPr>
         <p:txBody>
-          <a:bodyPr anchorCtr="0" anchor="b" bIns="91425" lIns="91425" spcFirstLastPara="1" rIns="91425" wrap="square" tIns="91425">
+          <a:bodyPr spcFirstLastPara="1" wrap="square" lIns="91425" tIns="91425" rIns="91425" bIns="91425" anchor="b" anchorCtr="0">
             <a:noAutofit/>
           </a:bodyPr>
           <a:lstStyle/>
           <a:p>
-            <a:pPr indent="0" lvl="0" marL="0" rtl="0" algn="ctr">
+            <a:pPr marL="0" lvl="0" indent="0" algn="ctr" rtl="0">
               <a:spcBef>
                 <a:spcPts val="0"/>
               </a:spcBef>
@@ -7600,12 +7698,12 @@
           </a:ln>
         </p:spPr>
         <p:txBody>
-          <a:bodyPr anchorCtr="0" anchor="t" bIns="91425" lIns="91425" spcFirstLastPara="1" rIns="91425" wrap="square" tIns="91425">
+          <a:bodyPr spcFirstLastPara="1" wrap="square" lIns="91425" tIns="91425" rIns="91425" bIns="91425" anchor="t" anchorCtr="0">
             <a:noAutofit/>
           </a:bodyPr>
           <a:lstStyle/>
           <a:p>
-            <a:pPr indent="-355600" lvl="0" marL="457200" rtl="0" algn="l">
+            <a:pPr marL="457200" lvl="0" indent="-355600" algn="l" rtl="0">
               <a:lnSpc>
                 <a:spcPct val="200000"/>
               </a:lnSpc>
@@ -7619,13 +7717,13 @@
               <a:buChar char="-"/>
             </a:pPr>
             <a:r>
-              <a:rPr b="1" lang="en" sz="2000"/>
+              <a:rPr lang="en" sz="2000" b="1"/>
               <a:t>Multiple Service Integrations</a:t>
             </a:r>
-            <a:endParaRPr b="1" sz="2000"/>
+            <a:endParaRPr sz="2000" b="1"/>
           </a:p>
           <a:p>
-            <a:pPr indent="-355600" lvl="0" marL="457200" rtl="0" algn="l">
+            <a:pPr marL="457200" lvl="0" indent="-355600" algn="l" rtl="0">
               <a:lnSpc>
                 <a:spcPct val="200000"/>
               </a:lnSpc>
@@ -7639,13 +7737,13 @@
               <a:buChar char="-"/>
             </a:pPr>
             <a:r>
-              <a:rPr b="1" lang="en" sz="2000"/>
+              <a:rPr lang="en" sz="2000" b="1"/>
               <a:t>Customization</a:t>
             </a:r>
-            <a:endParaRPr b="1" sz="2000"/>
+            <a:endParaRPr sz="2000" b="1"/>
           </a:p>
           <a:p>
-            <a:pPr indent="-355600" lvl="0" marL="457200" rtl="0" algn="l">
+            <a:pPr marL="457200" lvl="0" indent="-355600" algn="l" rtl="0">
               <a:lnSpc>
                 <a:spcPct val="200000"/>
               </a:lnSpc>
@@ -7659,13 +7757,13 @@
               <a:buChar char="-"/>
             </a:pPr>
             <a:r>
-              <a:rPr b="1" lang="en" sz="2000"/>
+              <a:rPr lang="en" sz="2000" b="1"/>
               <a:t>Full Control of Deployment</a:t>
             </a:r>
-            <a:endParaRPr b="1" sz="2000"/>
+            <a:endParaRPr sz="2000" b="1"/>
           </a:p>
           <a:p>
-            <a:pPr indent="-355600" lvl="0" marL="457200" rtl="0" algn="l">
+            <a:pPr marL="457200" lvl="0" indent="-355600" algn="l" rtl="0">
               <a:lnSpc>
                 <a:spcPct val="200000"/>
               </a:lnSpc>
@@ -7679,10 +7777,10 @@
               <a:buChar char="-"/>
             </a:pPr>
             <a:r>
-              <a:rPr b="1" lang="en" sz="2000"/>
+              <a:rPr lang="en" sz="2000" b="1"/>
               <a:t>Detailed Build Reporting</a:t>
             </a:r>
-            <a:endParaRPr b="1" sz="2000"/>
+            <a:endParaRPr sz="2000" b="1"/>
           </a:p>
         </p:txBody>
       </p:sp>
@@ -7695,11 +7793,11 @@
 </file>
 
 <file path=ppt/slides/slide4.xml><?xml version="1.0" encoding="utf-8"?>
-<p:sld xmlns:a="http://schemas.openxmlformats.org/drawingml/2006/main" xmlns:r="http://schemas.openxmlformats.org/officeDocument/2006/relationships" xmlns:mc="http://schemas.openxmlformats.org/markup-compatibility/2006" xmlns:mv="urn:schemas-microsoft-com:mac:vml" xmlns:p="http://schemas.openxmlformats.org/presentationml/2006/main" xmlns:c="http://schemas.openxmlformats.org/drawingml/2006/chart" xmlns:dgm="http://schemas.openxmlformats.org/drawingml/2006/diagram" xmlns:o="urn:schemas-microsoft-com:office:office" xmlns:v="urn:schemas-microsoft-com:vml" xmlns:pvml="urn:schemas-microsoft-com:office:powerpoint" xmlns:com="http://schemas.openxmlformats.org/drawingml/2006/compatibility" xmlns:p14="http://schemas.microsoft.com/office/powerpoint/2010/main" xmlns:p15="http://schemas.microsoft.com/office/powerpoint/2012/main">
+<p:sld xmlns:a="http://schemas.openxmlformats.org/drawingml/2006/main" xmlns:r="http://schemas.openxmlformats.org/officeDocument/2006/relationships" xmlns:p="http://schemas.openxmlformats.org/presentationml/2006/main">
   <p:cSld>
     <p:spTree>
       <p:nvGrpSpPr>
-        <p:cNvPr id="83" name="Shape 83"/>
+        <p:cNvPr id="1" name="Shape 83"/>
         <p:cNvGrpSpPr/>
         <p:nvPr/>
       </p:nvGrpSpPr>
@@ -7731,12 +7829,12 @@
           </a:ln>
         </p:spPr>
         <p:txBody>
-          <a:bodyPr anchorCtr="0" anchor="t" bIns="91425" lIns="91425" spcFirstLastPara="1" rIns="91425" wrap="square" tIns="91425">
+          <a:bodyPr spcFirstLastPara="1" wrap="square" lIns="91425" tIns="91425" rIns="91425" bIns="91425" anchor="t" anchorCtr="0">
             <a:noAutofit/>
           </a:bodyPr>
           <a:lstStyle/>
           <a:p>
-            <a:pPr indent="0" lvl="0" marL="0" rtl="0" algn="ctr">
+            <a:pPr marL="0" lvl="0" indent="0" algn="ctr" rtl="0">
               <a:spcBef>
                 <a:spcPts val="0"/>
               </a:spcBef>
@@ -7779,7 +7877,7 @@
         </p:blipFill>
         <p:spPr>
           <a:xfrm>
-            <a:off x="427950" y="1973463"/>
+            <a:off x="152400" y="1940227"/>
             <a:ext cx="8839199" cy="1653786"/>
           </a:xfrm>
           <a:prstGeom prst="rect">
@@ -7798,22 +7896,22 @@
           <p:nvPr/>
         </p:nvCxnSpPr>
         <p:spPr>
-          <a:xfrm flipH="1" rot="10800000">
-            <a:off x="2223775" y="1632000"/>
+          <a:xfrm rot="10800000" flipH="1">
+            <a:off x="2003681" y="1688297"/>
             <a:ext cx="11400" cy="597000"/>
           </a:xfrm>
           <a:prstGeom prst="straightConnector1">
             <a:avLst/>
           </a:prstGeom>
           <a:noFill/>
-          <a:ln cap="flat" cmpd="sng" w="9525">
+          <a:ln w="9525" cap="flat" cmpd="sng">
             <a:solidFill>
               <a:schemeClr val="dk2"/>
             </a:solidFill>
             <a:prstDash val="solid"/>
             <a:round/>
-            <a:headEnd len="med" w="med" type="none"/>
-            <a:tailEnd len="med" w="med" type="none"/>
+            <a:headEnd type="none" w="med" len="med"/>
+            <a:tailEnd type="none" w="med" len="med"/>
           </a:ln>
         </p:spPr>
       </p:cxnSp>
@@ -7837,12 +7935,12 @@
           </a:ln>
         </p:spPr>
         <p:txBody>
-          <a:bodyPr anchorCtr="0" anchor="t" bIns="91425" lIns="91425" spcFirstLastPara="1" rIns="91425" wrap="square" tIns="91425">
+          <a:bodyPr spcFirstLastPara="1" wrap="square" lIns="91425" tIns="91425" rIns="91425" bIns="91425" anchor="t" anchorCtr="0">
             <a:noAutofit/>
           </a:bodyPr>
           <a:lstStyle/>
           <a:p>
-            <a:pPr indent="0" lvl="0" marL="0" rtl="0" algn="l">
+            <a:pPr marL="0" lvl="0" indent="0" algn="l" rtl="0">
               <a:spcBef>
                 <a:spcPts val="0"/>
               </a:spcBef>
@@ -7877,21 +7975,21 @@
         </p:nvCxnSpPr>
         <p:spPr>
           <a:xfrm>
-            <a:off x="5683100" y="3229325"/>
+            <a:off x="5403967" y="3266863"/>
             <a:ext cx="0" cy="654300"/>
           </a:xfrm>
           <a:prstGeom prst="straightConnector1">
             <a:avLst/>
           </a:prstGeom>
           <a:noFill/>
-          <a:ln cap="flat" cmpd="sng" w="9525">
+          <a:ln w="9525" cap="flat" cmpd="sng">
             <a:solidFill>
               <a:schemeClr val="dk2"/>
             </a:solidFill>
             <a:prstDash val="solid"/>
             <a:round/>
-            <a:headEnd len="med" w="med" type="none"/>
-            <a:tailEnd len="med" w="med" type="none"/>
+            <a:headEnd type="none" w="med" len="med"/>
+            <a:tailEnd type="none" w="med" len="med"/>
           </a:ln>
         </p:spPr>
       </p:cxnSp>
@@ -7915,12 +8013,12 @@
           </a:ln>
         </p:spPr>
         <p:txBody>
-          <a:bodyPr anchorCtr="0" anchor="t" bIns="91425" lIns="91425" spcFirstLastPara="1" rIns="91425" wrap="square" tIns="91425">
+          <a:bodyPr spcFirstLastPara="1" wrap="square" lIns="91425" tIns="91425" rIns="91425" bIns="91425" anchor="t" anchorCtr="0">
             <a:noAutofit/>
           </a:bodyPr>
           <a:lstStyle/>
           <a:p>
-            <a:pPr indent="0" lvl="0" marL="0" rtl="0" algn="l">
+            <a:pPr marL="0" lvl="0" indent="0" algn="l" rtl="0">
               <a:spcBef>
                 <a:spcPts val="0"/>
               </a:spcBef>
@@ -7955,21 +8053,21 @@
         </p:nvCxnSpPr>
         <p:spPr>
           <a:xfrm rot="10800000">
-            <a:off x="7369550" y="1738725"/>
+            <a:off x="7128918" y="1676897"/>
             <a:ext cx="0" cy="608400"/>
           </a:xfrm>
           <a:prstGeom prst="straightConnector1">
             <a:avLst/>
           </a:prstGeom>
           <a:noFill/>
-          <a:ln cap="flat" cmpd="sng" w="9525">
+          <a:ln w="9525" cap="flat" cmpd="sng">
             <a:solidFill>
               <a:schemeClr val="dk2"/>
             </a:solidFill>
             <a:prstDash val="solid"/>
             <a:round/>
-            <a:headEnd len="med" w="med" type="none"/>
-            <a:tailEnd len="med" w="med" type="none"/>
+            <a:headEnd type="none" w="med" len="med"/>
+            <a:tailEnd type="none" w="med" len="med"/>
           </a:ln>
         </p:spPr>
       </p:cxnSp>
@@ -7993,12 +8091,12 @@
           </a:ln>
         </p:spPr>
         <p:txBody>
-          <a:bodyPr anchorCtr="0" anchor="t" bIns="91425" lIns="91425" spcFirstLastPara="1" rIns="91425" wrap="square" tIns="91425">
+          <a:bodyPr spcFirstLastPara="1" wrap="square" lIns="91425" tIns="91425" rIns="91425" bIns="91425" anchor="t" anchorCtr="0">
             <a:noAutofit/>
           </a:bodyPr>
           <a:lstStyle/>
           <a:p>
-            <a:pPr indent="0" lvl="0" marL="0" rtl="0" algn="l">
+            <a:pPr marL="0" lvl="0" indent="0" algn="l" rtl="0">
               <a:spcBef>
                 <a:spcPts val="0"/>
               </a:spcBef>
@@ -8034,11 +8132,11 @@
 </file>
 
 <file path=ppt/slides/slide5.xml><?xml version="1.0" encoding="utf-8"?>
-<p:sld xmlns:a="http://schemas.openxmlformats.org/drawingml/2006/main" xmlns:r="http://schemas.openxmlformats.org/officeDocument/2006/relationships" xmlns:mc="http://schemas.openxmlformats.org/markup-compatibility/2006" xmlns:mv="urn:schemas-microsoft-com:mac:vml" xmlns:p="http://schemas.openxmlformats.org/presentationml/2006/main" xmlns:c="http://schemas.openxmlformats.org/drawingml/2006/chart" xmlns:dgm="http://schemas.openxmlformats.org/drawingml/2006/diagram" xmlns:o="urn:schemas-microsoft-com:office:office" xmlns:v="urn:schemas-microsoft-com:vml" xmlns:pvml="urn:schemas-microsoft-com:office:powerpoint" xmlns:com="http://schemas.openxmlformats.org/drawingml/2006/compatibility" xmlns:p14="http://schemas.microsoft.com/office/powerpoint/2010/main" xmlns:p15="http://schemas.microsoft.com/office/powerpoint/2012/main">
+<p:sld xmlns:a="http://schemas.openxmlformats.org/drawingml/2006/main" xmlns:r="http://schemas.openxmlformats.org/officeDocument/2006/relationships" xmlns:p="http://schemas.openxmlformats.org/presentationml/2006/main">
   <p:cSld>
     <p:spTree>
       <p:nvGrpSpPr>
-        <p:cNvPr id="95" name="Shape 95"/>
+        <p:cNvPr id="1" name="Shape 95"/>
         <p:cNvGrpSpPr/>
         <p:nvPr/>
       </p:nvGrpSpPr>
@@ -8053,7 +8151,9 @@
       <p:sp>
         <p:nvSpPr>
           <p:cNvPr id="96" name="Google Shape;96;p17"/>
-          <p:cNvSpPr txBox="1"/>
+          <p:cNvSpPr txBox="1">
+            <a:spLocks noGrp="1"/>
+          </p:cNvSpPr>
           <p:nvPr>
             <p:ph type="title"/>
           </p:nvPr>
@@ -8068,12 +8168,12 @@
           </a:prstGeom>
         </p:spPr>
         <p:txBody>
-          <a:bodyPr anchorCtr="0" anchor="b" bIns="91425" lIns="91425" spcFirstLastPara="1" rIns="91425" wrap="square" tIns="91425">
+          <a:bodyPr spcFirstLastPara="1" wrap="square" lIns="91425" tIns="91425" rIns="91425" bIns="91425" anchor="b" anchorCtr="0">
             <a:noAutofit/>
           </a:bodyPr>
           <a:lstStyle/>
           <a:p>
-            <a:pPr indent="0" lvl="0" marL="0" rtl="0" algn="ctr">
+            <a:pPr marL="0" lvl="0" indent="0" algn="ctr" rtl="0">
               <a:spcBef>
                 <a:spcPts val="0"/>
               </a:spcBef>
@@ -8093,9 +8193,11 @@
       <p:sp>
         <p:nvSpPr>
           <p:cNvPr id="97" name="Google Shape;97;p17"/>
-          <p:cNvSpPr txBox="1"/>
+          <p:cNvSpPr txBox="1">
+            <a:spLocks noGrp="1"/>
+          </p:cNvSpPr>
           <p:nvPr>
-            <p:ph idx="1" type="body"/>
+            <p:ph type="body" idx="1"/>
           </p:nvPr>
         </p:nvSpPr>
         <p:spPr>
@@ -8108,12 +8210,12 @@
           </a:prstGeom>
         </p:spPr>
         <p:txBody>
-          <a:bodyPr anchorCtr="0" anchor="t" bIns="91425" lIns="91425" spcFirstLastPara="1" rIns="91425" wrap="square" tIns="91425">
+          <a:bodyPr spcFirstLastPara="1" wrap="square" lIns="91425" tIns="91425" rIns="91425" bIns="91425" anchor="t" anchorCtr="0">
             <a:noAutofit/>
           </a:bodyPr>
           <a:lstStyle/>
           <a:p>
-            <a:pPr indent="0" lvl="0" marL="0" rtl="0" algn="l">
+            <a:pPr marL="0" lvl="0" indent="0" algn="l" rtl="0">
               <a:spcBef>
                 <a:spcPts val="0"/>
               </a:spcBef>
@@ -8128,15 +8230,7 @@
                   <a:srgbClr val="000000"/>
                 </a:solidFill>
               </a:rPr>
-              <a:t>A b</a:t>
-            </a:r>
-            <a:r>
-              <a:rPr lang="en" sz="1800">
-                <a:solidFill>
-                  <a:srgbClr val="000000"/>
-                </a:solidFill>
-              </a:rPr>
-              <a:t>uild configuration file, that defines steps in  the Jenkins Deployment Process.</a:t>
+              <a:t>A build configuration file, that defines steps in  the Jenkins Deployment Process.</a:t>
             </a:r>
             <a:endParaRPr sz="1800">
               <a:solidFill>
@@ -8183,11 +8277,11 @@
 </file>
 
 <file path=ppt/slides/slide6.xml><?xml version="1.0" encoding="utf-8"?>
-<p:sld xmlns:a="http://schemas.openxmlformats.org/drawingml/2006/main" xmlns:r="http://schemas.openxmlformats.org/officeDocument/2006/relationships" xmlns:mc="http://schemas.openxmlformats.org/markup-compatibility/2006" xmlns:mv="urn:schemas-microsoft-com:mac:vml" xmlns:p="http://schemas.openxmlformats.org/presentationml/2006/main" xmlns:c="http://schemas.openxmlformats.org/drawingml/2006/chart" xmlns:dgm="http://schemas.openxmlformats.org/drawingml/2006/diagram" xmlns:o="urn:schemas-microsoft-com:office:office" xmlns:v="urn:schemas-microsoft-com:vml" xmlns:pvml="urn:schemas-microsoft-com:office:powerpoint" xmlns:com="http://schemas.openxmlformats.org/drawingml/2006/compatibility" xmlns:p14="http://schemas.microsoft.com/office/powerpoint/2010/main" xmlns:p15="http://schemas.microsoft.com/office/powerpoint/2012/main">
+<p:sld xmlns:a="http://schemas.openxmlformats.org/drawingml/2006/main" xmlns:r="http://schemas.openxmlformats.org/officeDocument/2006/relationships" xmlns:p="http://schemas.openxmlformats.org/presentationml/2006/main">
   <p:cSld>
     <p:spTree>
       <p:nvGrpSpPr>
-        <p:cNvPr id="102" name="Shape 102"/>
+        <p:cNvPr id="1" name="Shape 102"/>
         <p:cNvGrpSpPr/>
         <p:nvPr/>
       </p:nvGrpSpPr>
@@ -8202,7 +8296,9 @@
       <p:sp>
         <p:nvSpPr>
           <p:cNvPr id="103" name="Google Shape;103;p18"/>
-          <p:cNvSpPr txBox="1"/>
+          <p:cNvSpPr txBox="1">
+            <a:spLocks noGrp="1"/>
+          </p:cNvSpPr>
           <p:nvPr>
             <p:ph type="title"/>
           </p:nvPr>
@@ -8217,12 +8313,12 @@
           </a:prstGeom>
         </p:spPr>
         <p:txBody>
-          <a:bodyPr anchorCtr="0" anchor="b" bIns="91425" lIns="91425" spcFirstLastPara="1" rIns="91425" wrap="square" tIns="91425">
+          <a:bodyPr spcFirstLastPara="1" wrap="square" lIns="91425" tIns="91425" rIns="91425" bIns="91425" anchor="b" anchorCtr="0">
             <a:noAutofit/>
           </a:bodyPr>
           <a:lstStyle/>
           <a:p>
-            <a:pPr indent="0" lvl="0" marL="0" rtl="0" algn="l">
+            <a:pPr marL="0" lvl="0" indent="0" algn="l" rtl="0">
               <a:spcBef>
                 <a:spcPts val="0"/>
               </a:spcBef>
@@ -8242,9 +8338,11 @@
       <p:sp>
         <p:nvSpPr>
           <p:cNvPr id="104" name="Google Shape;104;p18"/>
-          <p:cNvSpPr txBox="1"/>
+          <p:cNvSpPr txBox="1">
+            <a:spLocks noGrp="1"/>
+          </p:cNvSpPr>
           <p:nvPr>
-            <p:ph idx="1" type="body"/>
+            <p:ph type="body" idx="1"/>
           </p:nvPr>
         </p:nvSpPr>
         <p:spPr>
@@ -8257,12 +8355,12 @@
           </a:prstGeom>
         </p:spPr>
         <p:txBody>
-          <a:bodyPr anchorCtr="0" anchor="t" bIns="91425" lIns="91425" spcFirstLastPara="1" rIns="91425" wrap="square" tIns="91425">
+          <a:bodyPr spcFirstLastPara="1" wrap="square" lIns="91425" tIns="91425" rIns="91425" bIns="91425" anchor="t" anchorCtr="0">
             <a:noAutofit/>
           </a:bodyPr>
           <a:lstStyle/>
           <a:p>
-            <a:pPr indent="-330200" lvl="0" marL="457200" rtl="0" algn="l">
+            <a:pPr marL="457200" lvl="0" indent="-330200" algn="l" rtl="0">
               <a:lnSpc>
                 <a:spcPct val="150000"/>
               </a:lnSpc>
@@ -8296,7 +8394,7 @@
             </a:endParaRPr>
           </a:p>
           <a:p>
-            <a:pPr indent="-330200" lvl="0" marL="457200" rtl="0" algn="l">
+            <a:pPr marL="457200" lvl="0" indent="-330200" algn="l" rtl="0">
               <a:lnSpc>
                 <a:spcPct val="150000"/>
               </a:lnSpc>
@@ -8330,7 +8428,7 @@
             </a:endParaRPr>
           </a:p>
           <a:p>
-            <a:pPr indent="-330200" lvl="0" marL="457200" rtl="0" algn="l">
+            <a:pPr marL="457200" lvl="0" indent="-330200" algn="l" rtl="0">
               <a:lnSpc>
                 <a:spcPct val="150000"/>
               </a:lnSpc>
@@ -8364,7 +8462,7 @@
             </a:endParaRPr>
           </a:p>
           <a:p>
-            <a:pPr indent="-330200" lvl="0" marL="457200" rtl="0" algn="l">
+            <a:pPr marL="457200" lvl="0" indent="-330200" algn="l" rtl="0">
               <a:lnSpc>
                 <a:spcPct val="150000"/>
               </a:lnSpc>
@@ -8408,7 +8506,7 @@
 </file>
 
 <file path=ppt/theme/theme1.xml><?xml version="1.0" encoding="utf-8"?>
-<a:theme xmlns:a="http://schemas.openxmlformats.org/drawingml/2006/main" xmlns:r="http://schemas.openxmlformats.org/officeDocument/2006/relationships" name="Material">
+<a:theme xmlns:a="http://schemas.openxmlformats.org/drawingml/2006/main" name="Material">
   <a:themeElements>
     <a:clrScheme name="Material">
       <a:dk1>
@@ -8683,11 +8781,13 @@
       </a:bgFillStyleLst>
     </a:fmtScheme>
   </a:themeElements>
+  <a:objectDefaults/>
+  <a:extraClrSchemeLst/>
 </a:theme>
 </file>
 
 <file path=ppt/theme/theme2.xml><?xml version="1.0" encoding="utf-8"?>
-<a:theme xmlns:a="http://schemas.openxmlformats.org/drawingml/2006/main" xmlns:r="http://schemas.openxmlformats.org/officeDocument/2006/relationships">
+<a:theme xmlns:a="http://schemas.openxmlformats.org/drawingml/2006/main">
   <a:themeElements>
     <a:clrScheme name="Default">
       <a:dk1>
@@ -8962,5 +9062,7 @@
       </a:bgFillStyleLst>
     </a:fmtScheme>
   </a:themeElements>
+  <a:objectDefaults/>
+  <a:extraClrSchemeLst/>
 </a:theme>
 </file>